--- a/plan/Design Tiles.pptx
+++ b/plan/Design Tiles.pptx
@@ -263,7 +263,7 @@
           <a:p>
             <a:fld id="{B3A581E5-64FE-452F-BEFD-8DB93CA50219}" type="datetimeFigureOut">
               <a:rPr lang="en-NZ" smtClean="0"/>
-              <a:t>18/05/2022</a:t>
+              <a:t>27/05/2022</a:t>
             </a:fld>
             <a:endParaRPr lang="en-NZ"/>
           </a:p>
@@ -463,7 +463,7 @@
           <a:p>
             <a:fld id="{B3A581E5-64FE-452F-BEFD-8DB93CA50219}" type="datetimeFigureOut">
               <a:rPr lang="en-NZ" smtClean="0"/>
-              <a:t>18/05/2022</a:t>
+              <a:t>27/05/2022</a:t>
             </a:fld>
             <a:endParaRPr lang="en-NZ"/>
           </a:p>
@@ -673,7 +673,7 @@
           <a:p>
             <a:fld id="{B3A581E5-64FE-452F-BEFD-8DB93CA50219}" type="datetimeFigureOut">
               <a:rPr lang="en-NZ" smtClean="0"/>
-              <a:t>18/05/2022</a:t>
+              <a:t>27/05/2022</a:t>
             </a:fld>
             <a:endParaRPr lang="en-NZ"/>
           </a:p>
@@ -873,7 +873,7 @@
           <a:p>
             <a:fld id="{B3A581E5-64FE-452F-BEFD-8DB93CA50219}" type="datetimeFigureOut">
               <a:rPr lang="en-NZ" smtClean="0"/>
-              <a:t>18/05/2022</a:t>
+              <a:t>27/05/2022</a:t>
             </a:fld>
             <a:endParaRPr lang="en-NZ"/>
           </a:p>
@@ -1149,7 +1149,7 @@
           <a:p>
             <a:fld id="{B3A581E5-64FE-452F-BEFD-8DB93CA50219}" type="datetimeFigureOut">
               <a:rPr lang="en-NZ" smtClean="0"/>
-              <a:t>18/05/2022</a:t>
+              <a:t>27/05/2022</a:t>
             </a:fld>
             <a:endParaRPr lang="en-NZ"/>
           </a:p>
@@ -1417,7 +1417,7 @@
           <a:p>
             <a:fld id="{B3A581E5-64FE-452F-BEFD-8DB93CA50219}" type="datetimeFigureOut">
               <a:rPr lang="en-NZ" smtClean="0"/>
-              <a:t>18/05/2022</a:t>
+              <a:t>27/05/2022</a:t>
             </a:fld>
             <a:endParaRPr lang="en-NZ"/>
           </a:p>
@@ -1832,7 +1832,7 @@
           <a:p>
             <a:fld id="{B3A581E5-64FE-452F-BEFD-8DB93CA50219}" type="datetimeFigureOut">
               <a:rPr lang="en-NZ" smtClean="0"/>
-              <a:t>18/05/2022</a:t>
+              <a:t>27/05/2022</a:t>
             </a:fld>
             <a:endParaRPr lang="en-NZ"/>
           </a:p>
@@ -1974,7 +1974,7 @@
           <a:p>
             <a:fld id="{B3A581E5-64FE-452F-BEFD-8DB93CA50219}" type="datetimeFigureOut">
               <a:rPr lang="en-NZ" smtClean="0"/>
-              <a:t>18/05/2022</a:t>
+              <a:t>27/05/2022</a:t>
             </a:fld>
             <a:endParaRPr lang="en-NZ"/>
           </a:p>
@@ -2087,7 +2087,7 @@
           <a:p>
             <a:fld id="{B3A581E5-64FE-452F-BEFD-8DB93CA50219}" type="datetimeFigureOut">
               <a:rPr lang="en-NZ" smtClean="0"/>
-              <a:t>18/05/2022</a:t>
+              <a:t>27/05/2022</a:t>
             </a:fld>
             <a:endParaRPr lang="en-NZ"/>
           </a:p>
@@ -2400,7 +2400,7 @@
           <a:p>
             <a:fld id="{B3A581E5-64FE-452F-BEFD-8DB93CA50219}" type="datetimeFigureOut">
               <a:rPr lang="en-NZ" smtClean="0"/>
-              <a:t>18/05/2022</a:t>
+              <a:t>27/05/2022</a:t>
             </a:fld>
             <a:endParaRPr lang="en-NZ"/>
           </a:p>
@@ -2689,7 +2689,7 @@
           <a:p>
             <a:fld id="{B3A581E5-64FE-452F-BEFD-8DB93CA50219}" type="datetimeFigureOut">
               <a:rPr lang="en-NZ" smtClean="0"/>
-              <a:t>18/05/2022</a:t>
+              <a:t>27/05/2022</a:t>
             </a:fld>
             <a:endParaRPr lang="en-NZ"/>
           </a:p>
@@ -2932,7 +2932,7 @@
           <a:p>
             <a:fld id="{B3A581E5-64FE-452F-BEFD-8DB93CA50219}" type="datetimeFigureOut">
               <a:rPr lang="en-NZ" smtClean="0"/>
-              <a:t>18/05/2022</a:t>
+              <a:t>27/05/2022</a:t>
             </a:fld>
             <a:endParaRPr lang="en-NZ"/>
           </a:p>
@@ -3796,8 +3796,8 @@
         </p:nvSpPr>
         <p:spPr>
           <a:xfrm>
-            <a:off x="6378846" y="851545"/>
-            <a:ext cx="608400" cy="435975"/>
+            <a:off x="6528170" y="851545"/>
+            <a:ext cx="459076" cy="435975"/>
           </a:xfrm>
           <a:prstGeom prst="roundRect">
             <a:avLst/>
@@ -3813,60 +3813,6 @@
                 <a:lumMod val="75000"/>
               </a:schemeClr>
             </a:solidFill>
-          </a:ln>
-        </p:spPr>
-        <p:style>
-          <a:lnRef idx="2">
-            <a:schemeClr val="accent1">
-              <a:shade val="50000"/>
-            </a:schemeClr>
-          </a:lnRef>
-          <a:fillRef idx="1">
-            <a:schemeClr val="accent1"/>
-          </a:fillRef>
-          <a:effectRef idx="0">
-            <a:schemeClr val="accent1"/>
-          </a:effectRef>
-          <a:fontRef idx="minor">
-            <a:schemeClr val="lt1"/>
-          </a:fontRef>
-        </p:style>
-        <p:txBody>
-          <a:bodyPr rtlCol="0" anchor="ctr"/>
-          <a:lstStyle/>
-          <a:p>
-            <a:pPr algn="ctr"/>
-            <a:endParaRPr lang="en-NZ"/>
-          </a:p>
-        </p:txBody>
-      </p:sp>
-      <p:sp>
-        <p:nvSpPr>
-          <p:cNvPr id="23" name="Rectangle 22">
-            <a:extLst>
-              <a:ext uri="{FF2B5EF4-FFF2-40B4-BE49-F238E27FC236}">
-                <a16:creationId xmlns:a16="http://schemas.microsoft.com/office/drawing/2014/main" id="{95741CAB-E2E2-4F0E-BEE1-F96D71574148}"/>
-              </a:ext>
-            </a:extLst>
-          </p:cNvPr>
-          <p:cNvSpPr/>
-          <p:nvPr/>
-        </p:nvSpPr>
-        <p:spPr>
-          <a:xfrm>
-            <a:off x="6378844" y="851545"/>
-            <a:ext cx="150461" cy="435976"/>
-          </a:xfrm>
-          <a:prstGeom prst="rect">
-            <a:avLst/>
-          </a:prstGeom>
-          <a:solidFill>
-            <a:schemeClr val="bg2">
-              <a:lumMod val="75000"/>
-            </a:schemeClr>
-          </a:solidFill>
-          <a:ln>
-            <a:noFill/>
           </a:ln>
         </p:spPr>
         <p:style>
@@ -4280,36 +4226,6 @@
           </a:p>
         </p:txBody>
       </p:sp>
-      <p:pic>
-        <p:nvPicPr>
-          <p:cNvPr id="4" name="Picture 3">
-            <a:extLst>
-              <a:ext uri="{FF2B5EF4-FFF2-40B4-BE49-F238E27FC236}">
-                <a16:creationId xmlns:a16="http://schemas.microsoft.com/office/drawing/2014/main" id="{EF60FC6B-0BDF-4E5A-AF50-47C000F89FD9}"/>
-              </a:ext>
-            </a:extLst>
-          </p:cNvPr>
-          <p:cNvPicPr>
-            <a:picLocks noChangeAspect="1"/>
-          </p:cNvPicPr>
-          <p:nvPr/>
-        </p:nvPicPr>
-        <p:blipFill>
-          <a:blip r:embed="rId2"/>
-          <a:stretch>
-            <a:fillRect/>
-          </a:stretch>
-        </p:blipFill>
-        <p:spPr>
-          <a:xfrm>
-            <a:off x="6452345" y="851545"/>
-            <a:ext cx="461401" cy="461401"/>
-          </a:xfrm>
-          <a:prstGeom prst="rect">
-            <a:avLst/>
-          </a:prstGeom>
-        </p:spPr>
-      </p:pic>
       <p:sp>
         <p:nvSpPr>
           <p:cNvPr id="5" name="Rectangle 4">
@@ -4898,7 +4814,7 @@
         </p:nvSpPr>
         <p:spPr>
           <a:xfrm>
-            <a:off x="696097" y="2180426"/>
+            <a:off x="700208" y="2180427"/>
             <a:ext cx="1906133" cy="400110"/>
           </a:xfrm>
           <a:prstGeom prst="rect">
@@ -5095,11 +5011,11 @@
           <p:nvPr/>
         </p:nvPicPr>
         <p:blipFill>
-          <a:blip r:embed="rId3">
+          <a:blip r:embed="rId2">
             <a:extLst>
               <a:ext uri="{BEBA8EAE-BF5A-486C-A8C5-ECC9F3942E4B}">
                 <a14:imgProps xmlns:a14="http://schemas.microsoft.com/office/drawing/2010/main">
-                  <a14:imgLayer r:embed="rId4">
+                  <a14:imgLayer r:embed="rId3">
                     <a14:imgEffect>
                       <a14:backgroundRemoval t="9887" b="89831" l="9452" r="89981">
                         <a14:foregroundMark x1="9452" y1="47458" x2="9452" y2="47458"/>
@@ -5116,8 +5032,8 @@
         </p:blipFill>
         <p:spPr>
           <a:xfrm>
-            <a:off x="168033" y="436811"/>
-            <a:ext cx="1739472" cy="1164033"/>
+            <a:off x="168033" y="360093"/>
+            <a:ext cx="1854116" cy="1240751"/>
           </a:xfrm>
           <a:prstGeom prst="rect">
             <a:avLst/>
@@ -5364,291 +5280,6 @@
       </p:sp>
       <p:sp>
         <p:nvSpPr>
-          <p:cNvPr id="109" name="Rectangle 108">
-            <a:extLst>
-              <a:ext uri="{FF2B5EF4-FFF2-40B4-BE49-F238E27FC236}">
-                <a16:creationId xmlns:a16="http://schemas.microsoft.com/office/drawing/2014/main" id="{DA7FDB3D-5A28-401E-A991-41B1E28CF32C}"/>
-              </a:ext>
-            </a:extLst>
-          </p:cNvPr>
-          <p:cNvSpPr/>
-          <p:nvPr/>
-        </p:nvSpPr>
-        <p:spPr>
-          <a:xfrm>
-            <a:off x="9448072" y="3243209"/>
-            <a:ext cx="2637042" cy="1538516"/>
-          </a:xfrm>
-          <a:prstGeom prst="rect">
-            <a:avLst/>
-          </a:prstGeom>
-          <a:solidFill>
-            <a:srgbClr val="FF5050"/>
-          </a:solidFill>
-          <a:ln>
-            <a:noFill/>
-          </a:ln>
-        </p:spPr>
-        <p:style>
-          <a:lnRef idx="2">
-            <a:schemeClr val="accent1">
-              <a:shade val="50000"/>
-            </a:schemeClr>
-          </a:lnRef>
-          <a:fillRef idx="1">
-            <a:schemeClr val="accent1"/>
-          </a:fillRef>
-          <a:effectRef idx="0">
-            <a:schemeClr val="accent1"/>
-          </a:effectRef>
-          <a:fontRef idx="minor">
-            <a:schemeClr val="lt1"/>
-          </a:fontRef>
-        </p:style>
-        <p:txBody>
-          <a:bodyPr rtlCol="0" anchor="ctr"/>
-          <a:lstStyle/>
-          <a:p>
-            <a:pPr algn="ctr"/>
-            <a:r>
-              <a:rPr lang="en-NZ" dirty="0">
-                <a:latin typeface="Berlin Sans FB" panose="020E0602020502020306" pitchFamily="34" charset="0"/>
-              </a:rPr>
-              <a:t>Image</a:t>
-            </a:r>
-          </a:p>
-        </p:txBody>
-      </p:sp>
-      <p:sp>
-        <p:nvSpPr>
-          <p:cNvPr id="110" name="Rectangle 109">
-            <a:extLst>
-              <a:ext uri="{FF2B5EF4-FFF2-40B4-BE49-F238E27FC236}">
-                <a16:creationId xmlns:a16="http://schemas.microsoft.com/office/drawing/2014/main" id="{9B47BA0B-3B4F-4CCD-A86A-6FFD9EB82DA3}"/>
-              </a:ext>
-            </a:extLst>
-          </p:cNvPr>
-          <p:cNvSpPr/>
-          <p:nvPr/>
-        </p:nvSpPr>
-        <p:spPr>
-          <a:xfrm>
-            <a:off x="9448072" y="4863013"/>
-            <a:ext cx="2637042" cy="1433323"/>
-          </a:xfrm>
-          <a:prstGeom prst="rect">
-            <a:avLst/>
-          </a:prstGeom>
-          <a:solidFill>
-            <a:srgbClr val="FF5050"/>
-          </a:solidFill>
-          <a:ln>
-            <a:noFill/>
-          </a:ln>
-        </p:spPr>
-        <p:style>
-          <a:lnRef idx="2">
-            <a:schemeClr val="accent1">
-              <a:shade val="50000"/>
-            </a:schemeClr>
-          </a:lnRef>
-          <a:fillRef idx="1">
-            <a:schemeClr val="accent1"/>
-          </a:fillRef>
-          <a:effectRef idx="0">
-            <a:schemeClr val="accent1"/>
-          </a:effectRef>
-          <a:fontRef idx="minor">
-            <a:schemeClr val="lt1"/>
-          </a:fontRef>
-        </p:style>
-        <p:txBody>
-          <a:bodyPr rtlCol="0" anchor="ctr"/>
-          <a:lstStyle/>
-          <a:p>
-            <a:pPr algn="ctr"/>
-            <a:r>
-              <a:rPr lang="en-NZ" dirty="0">
-                <a:latin typeface="Berlin Sans FB" panose="020E0602020502020306" pitchFamily="34" charset="0"/>
-              </a:rPr>
-              <a:t>Image</a:t>
-            </a:r>
-          </a:p>
-        </p:txBody>
-      </p:sp>
-      <p:sp>
-        <p:nvSpPr>
-          <p:cNvPr id="111" name="Rectangle 110">
-            <a:extLst>
-              <a:ext uri="{FF2B5EF4-FFF2-40B4-BE49-F238E27FC236}">
-                <a16:creationId xmlns:a16="http://schemas.microsoft.com/office/drawing/2014/main" id="{59B16A5E-5A90-4F01-A526-468393E14FAC}"/>
-              </a:ext>
-            </a:extLst>
-          </p:cNvPr>
-          <p:cNvSpPr/>
-          <p:nvPr/>
-        </p:nvSpPr>
-        <p:spPr>
-          <a:xfrm>
-            <a:off x="7262016" y="95618"/>
-            <a:ext cx="2117006" cy="2484919"/>
-          </a:xfrm>
-          <a:prstGeom prst="rect">
-            <a:avLst/>
-          </a:prstGeom>
-          <a:solidFill>
-            <a:srgbClr val="FF5050"/>
-          </a:solidFill>
-          <a:ln>
-            <a:noFill/>
-          </a:ln>
-        </p:spPr>
-        <p:style>
-          <a:lnRef idx="2">
-            <a:schemeClr val="accent1">
-              <a:shade val="50000"/>
-            </a:schemeClr>
-          </a:lnRef>
-          <a:fillRef idx="1">
-            <a:schemeClr val="accent1"/>
-          </a:fillRef>
-          <a:effectRef idx="0">
-            <a:schemeClr val="accent1"/>
-          </a:effectRef>
-          <a:fontRef idx="minor">
-            <a:schemeClr val="lt1"/>
-          </a:fontRef>
-        </p:style>
-        <p:txBody>
-          <a:bodyPr rtlCol="0" anchor="ctr"/>
-          <a:lstStyle/>
-          <a:p>
-            <a:pPr algn="ctr"/>
-            <a:r>
-              <a:rPr lang="en-NZ" dirty="0">
-                <a:latin typeface="Berlin Sans FB" panose="020E0602020502020306" pitchFamily="34" charset="0"/>
-              </a:rPr>
-              <a:t>Image</a:t>
-            </a:r>
-          </a:p>
-        </p:txBody>
-      </p:sp>
-      <p:sp>
-        <p:nvSpPr>
-          <p:cNvPr id="112" name="Rectangle 111">
-            <a:extLst>
-              <a:ext uri="{FF2B5EF4-FFF2-40B4-BE49-F238E27FC236}">
-                <a16:creationId xmlns:a16="http://schemas.microsoft.com/office/drawing/2014/main" id="{E0DE060D-566A-40A1-8BCA-834CAAB73F6D}"/>
-              </a:ext>
-            </a:extLst>
-          </p:cNvPr>
-          <p:cNvSpPr/>
-          <p:nvPr/>
-        </p:nvSpPr>
-        <p:spPr>
-          <a:xfrm>
-            <a:off x="9464820" y="95618"/>
-            <a:ext cx="2637042" cy="3075925"/>
-          </a:xfrm>
-          <a:prstGeom prst="rect">
-            <a:avLst/>
-          </a:prstGeom>
-          <a:solidFill>
-            <a:srgbClr val="FF5050"/>
-          </a:solidFill>
-          <a:ln>
-            <a:noFill/>
-          </a:ln>
-        </p:spPr>
-        <p:style>
-          <a:lnRef idx="2">
-            <a:schemeClr val="accent1">
-              <a:shade val="50000"/>
-            </a:schemeClr>
-          </a:lnRef>
-          <a:fillRef idx="1">
-            <a:schemeClr val="accent1"/>
-          </a:fillRef>
-          <a:effectRef idx="0">
-            <a:schemeClr val="accent1"/>
-          </a:effectRef>
-          <a:fontRef idx="minor">
-            <a:schemeClr val="lt1"/>
-          </a:fontRef>
-        </p:style>
-        <p:txBody>
-          <a:bodyPr rtlCol="0" anchor="ctr"/>
-          <a:lstStyle/>
-          <a:p>
-            <a:pPr algn="ctr"/>
-            <a:r>
-              <a:rPr lang="en-NZ" dirty="0">
-                <a:latin typeface="Berlin Sans FB" panose="020E0602020502020306" pitchFamily="34" charset="0"/>
-              </a:rPr>
-              <a:t>Image</a:t>
-            </a:r>
-          </a:p>
-        </p:txBody>
-      </p:sp>
-      <p:sp>
-        <p:nvSpPr>
-          <p:cNvPr id="113" name="Rectangle 112">
-            <a:extLst>
-              <a:ext uri="{FF2B5EF4-FFF2-40B4-BE49-F238E27FC236}">
-                <a16:creationId xmlns:a16="http://schemas.microsoft.com/office/drawing/2014/main" id="{FFF59B09-7904-4800-A3D2-7E10794CD295}"/>
-              </a:ext>
-            </a:extLst>
-          </p:cNvPr>
-          <p:cNvSpPr/>
-          <p:nvPr/>
-        </p:nvSpPr>
-        <p:spPr>
-          <a:xfrm>
-            <a:off x="7262015" y="2684546"/>
-            <a:ext cx="2117005" cy="3634589"/>
-          </a:xfrm>
-          <a:prstGeom prst="rect">
-            <a:avLst/>
-          </a:prstGeom>
-          <a:solidFill>
-            <a:srgbClr val="FF5050"/>
-          </a:solidFill>
-          <a:ln>
-            <a:noFill/>
-          </a:ln>
-        </p:spPr>
-        <p:style>
-          <a:lnRef idx="2">
-            <a:schemeClr val="accent1">
-              <a:shade val="50000"/>
-            </a:schemeClr>
-          </a:lnRef>
-          <a:fillRef idx="1">
-            <a:schemeClr val="accent1"/>
-          </a:fillRef>
-          <a:effectRef idx="0">
-            <a:schemeClr val="accent1"/>
-          </a:effectRef>
-          <a:fontRef idx="minor">
-            <a:schemeClr val="lt1"/>
-          </a:fontRef>
-        </p:style>
-        <p:txBody>
-          <a:bodyPr rtlCol="0" anchor="ctr"/>
-          <a:lstStyle/>
-          <a:p>
-            <a:pPr algn="ctr"/>
-            <a:r>
-              <a:rPr lang="en-NZ" dirty="0">
-                <a:latin typeface="Berlin Sans FB" panose="020E0602020502020306" pitchFamily="34" charset="0"/>
-              </a:rPr>
-              <a:t>Image</a:t>
-            </a:r>
-          </a:p>
-        </p:txBody>
-      </p:sp>
-      <p:sp>
-        <p:nvSpPr>
           <p:cNvPr id="114" name="Rectangle: Rounded Corners 113">
             <a:extLst>
               <a:ext uri="{FF2B5EF4-FFF2-40B4-BE49-F238E27FC236}">
@@ -6410,13 +6041,13 @@
           <p:nvPr/>
         </p:nvPicPr>
         <p:blipFill>
-          <a:blip r:embed="rId5">
+          <a:blip r:embed="rId4">
             <a:extLst>
               <a:ext uri="{28A0092B-C50C-407E-A947-70E740481C1C}">
                 <a14:useLocalDpi xmlns:a14="http://schemas.microsoft.com/office/drawing/2010/main" val="0"/>
               </a:ext>
               <a:ext uri="{96DAC541-7B7A-43D3-8B79-37D633B846F1}">
-                <asvg:svgBlip xmlns:asvg="http://schemas.microsoft.com/office/drawing/2016/SVG/main" r:embed="rId6"/>
+                <asvg:svgBlip xmlns:asvg="http://schemas.microsoft.com/office/drawing/2016/SVG/main" r:embed="rId5"/>
               </a:ext>
             </a:extLst>
           </a:blip>
@@ -6449,13 +6080,13 @@
           <p:nvPr/>
         </p:nvPicPr>
         <p:blipFill>
-          <a:blip r:embed="rId7">
+          <a:blip r:embed="rId6">
             <a:extLst>
               <a:ext uri="{28A0092B-C50C-407E-A947-70E740481C1C}">
                 <a14:useLocalDpi xmlns:a14="http://schemas.microsoft.com/office/drawing/2010/main" val="0"/>
               </a:ext>
               <a:ext uri="{96DAC541-7B7A-43D3-8B79-37D633B846F1}">
-                <asvg:svgBlip xmlns:asvg="http://schemas.microsoft.com/office/drawing/2016/SVG/main" r:embed="rId8"/>
+                <asvg:svgBlip xmlns:asvg="http://schemas.microsoft.com/office/drawing/2016/SVG/main" r:embed="rId7"/>
               </a:ext>
             </a:extLst>
           </a:blip>
@@ -6473,6 +6104,1205 @@
           </a:prstGeom>
         </p:spPr>
       </p:pic>
+      <p:pic>
+        <p:nvPicPr>
+          <p:cNvPr id="7" name="Graphic 6" descr="Magnifying glass with solid fill">
+            <a:extLst>
+              <a:ext uri="{FF2B5EF4-FFF2-40B4-BE49-F238E27FC236}">
+                <a16:creationId xmlns:a16="http://schemas.microsoft.com/office/drawing/2014/main" id="{CD55F887-EEBF-BEF4-C477-E64A66FB83A6}"/>
+              </a:ext>
+            </a:extLst>
+          </p:cNvPr>
+          <p:cNvPicPr>
+            <a:picLocks noChangeAspect="1"/>
+          </p:cNvPicPr>
+          <p:nvPr/>
+        </p:nvPicPr>
+        <p:blipFill>
+          <a:blip r:embed="rId8">
+            <a:extLst>
+              <a:ext uri="{28A0092B-C50C-407E-A947-70E740481C1C}">
+                <a14:useLocalDpi xmlns:a14="http://schemas.microsoft.com/office/drawing/2010/main" val="0"/>
+              </a:ext>
+              <a:ext uri="{96DAC541-7B7A-43D3-8B79-37D633B846F1}">
+                <asvg:svgBlip xmlns:asvg="http://schemas.microsoft.com/office/drawing/2016/SVG/main" r:embed="rId9"/>
+              </a:ext>
+            </a:extLst>
+          </a:blip>
+          <a:stretch>
+            <a:fillRect/>
+          </a:stretch>
+        </p:blipFill>
+        <p:spPr>
+          <a:xfrm>
+            <a:off x="6528170" y="851544"/>
+            <a:ext cx="438742" cy="438742"/>
+          </a:xfrm>
+          <a:prstGeom prst="rect">
+            <a:avLst/>
+          </a:prstGeom>
+        </p:spPr>
+      </p:pic>
+      <p:sp>
+        <p:nvSpPr>
+          <p:cNvPr id="52" name="Rectangle 51">
+            <a:extLst>
+              <a:ext uri="{FF2B5EF4-FFF2-40B4-BE49-F238E27FC236}">
+                <a16:creationId xmlns:a16="http://schemas.microsoft.com/office/drawing/2014/main" id="{AF0E5665-4140-4794-B795-4A275DF05533}"/>
+              </a:ext>
+            </a:extLst>
+          </p:cNvPr>
+          <p:cNvSpPr/>
+          <p:nvPr/>
+        </p:nvSpPr>
+        <p:spPr>
+          <a:xfrm>
+            <a:off x="9448072" y="3243209"/>
+            <a:ext cx="2637042" cy="1538516"/>
+          </a:xfrm>
+          <a:prstGeom prst="rect">
+            <a:avLst/>
+          </a:prstGeom>
+          <a:solidFill>
+            <a:srgbClr val="FF5050"/>
+          </a:solidFill>
+          <a:ln>
+            <a:noFill/>
+          </a:ln>
+        </p:spPr>
+        <p:style>
+          <a:lnRef idx="2">
+            <a:schemeClr val="accent1">
+              <a:shade val="50000"/>
+            </a:schemeClr>
+          </a:lnRef>
+          <a:fillRef idx="1">
+            <a:schemeClr val="accent1"/>
+          </a:fillRef>
+          <a:effectRef idx="0">
+            <a:schemeClr val="accent1"/>
+          </a:effectRef>
+          <a:fontRef idx="minor">
+            <a:schemeClr val="lt1"/>
+          </a:fontRef>
+        </p:style>
+        <p:txBody>
+          <a:bodyPr rtlCol="0" anchor="ctr"/>
+          <a:lstStyle/>
+          <a:p>
+            <a:pPr algn="ctr"/>
+            <a:r>
+              <a:rPr lang="en-NZ" dirty="0">
+                <a:solidFill>
+                  <a:srgbClr val="D0CECE"/>
+                </a:solidFill>
+                <a:latin typeface="Berlin Sans FB" panose="020E0602020502020306" pitchFamily="34" charset="0"/>
+              </a:rPr>
+              <a:t>Image</a:t>
+            </a:r>
+          </a:p>
+        </p:txBody>
+      </p:sp>
+      <p:sp>
+        <p:nvSpPr>
+          <p:cNvPr id="53" name="Rectangle 52">
+            <a:extLst>
+              <a:ext uri="{FF2B5EF4-FFF2-40B4-BE49-F238E27FC236}">
+                <a16:creationId xmlns:a16="http://schemas.microsoft.com/office/drawing/2014/main" id="{927E1162-E70D-4B0D-9684-AA4BA6F07FBE}"/>
+              </a:ext>
+            </a:extLst>
+          </p:cNvPr>
+          <p:cNvSpPr/>
+          <p:nvPr/>
+        </p:nvSpPr>
+        <p:spPr>
+          <a:xfrm>
+            <a:off x="9448072" y="4863014"/>
+            <a:ext cx="2637042" cy="716662"/>
+          </a:xfrm>
+          <a:prstGeom prst="rect">
+            <a:avLst/>
+          </a:prstGeom>
+          <a:solidFill>
+            <a:srgbClr val="FF5050"/>
+          </a:solidFill>
+          <a:ln>
+            <a:noFill/>
+          </a:ln>
+        </p:spPr>
+        <p:style>
+          <a:lnRef idx="2">
+            <a:schemeClr val="accent1">
+              <a:shade val="50000"/>
+            </a:schemeClr>
+          </a:lnRef>
+          <a:fillRef idx="1">
+            <a:schemeClr val="accent1"/>
+          </a:fillRef>
+          <a:effectRef idx="0">
+            <a:schemeClr val="accent1"/>
+          </a:effectRef>
+          <a:fontRef idx="minor">
+            <a:schemeClr val="lt1"/>
+          </a:fontRef>
+        </p:style>
+        <p:txBody>
+          <a:bodyPr rtlCol="0" anchor="ctr"/>
+          <a:lstStyle/>
+          <a:p>
+            <a:pPr algn="ctr"/>
+            <a:r>
+              <a:rPr lang="en-NZ" dirty="0">
+                <a:solidFill>
+                  <a:srgbClr val="D0CECE"/>
+                </a:solidFill>
+                <a:latin typeface="Berlin Sans FB" panose="020E0602020502020306" pitchFamily="34" charset="0"/>
+              </a:rPr>
+              <a:t>Image</a:t>
+            </a:r>
+          </a:p>
+        </p:txBody>
+      </p:sp>
+      <p:sp>
+        <p:nvSpPr>
+          <p:cNvPr id="54" name="Rectangle 53">
+            <a:extLst>
+              <a:ext uri="{FF2B5EF4-FFF2-40B4-BE49-F238E27FC236}">
+                <a16:creationId xmlns:a16="http://schemas.microsoft.com/office/drawing/2014/main" id="{6C740C0C-5378-4826-98C2-A4554B2495D1}"/>
+              </a:ext>
+            </a:extLst>
+          </p:cNvPr>
+          <p:cNvSpPr/>
+          <p:nvPr/>
+        </p:nvSpPr>
+        <p:spPr>
+          <a:xfrm>
+            <a:off x="7262016" y="95618"/>
+            <a:ext cx="2117006" cy="2484919"/>
+          </a:xfrm>
+          <a:prstGeom prst="rect">
+            <a:avLst/>
+          </a:prstGeom>
+          <a:solidFill>
+            <a:srgbClr val="FF5050"/>
+          </a:solidFill>
+          <a:ln>
+            <a:noFill/>
+          </a:ln>
+        </p:spPr>
+        <p:style>
+          <a:lnRef idx="2">
+            <a:schemeClr val="accent1">
+              <a:shade val="50000"/>
+            </a:schemeClr>
+          </a:lnRef>
+          <a:fillRef idx="1">
+            <a:schemeClr val="accent1"/>
+          </a:fillRef>
+          <a:effectRef idx="0">
+            <a:schemeClr val="accent1"/>
+          </a:effectRef>
+          <a:fontRef idx="minor">
+            <a:schemeClr val="lt1"/>
+          </a:fontRef>
+        </p:style>
+        <p:txBody>
+          <a:bodyPr rtlCol="0" anchor="ctr"/>
+          <a:lstStyle/>
+          <a:p>
+            <a:pPr algn="ctr"/>
+            <a:r>
+              <a:rPr lang="en-NZ" dirty="0">
+                <a:solidFill>
+                  <a:srgbClr val="D0CECE"/>
+                </a:solidFill>
+                <a:latin typeface="Berlin Sans FB" panose="020E0602020502020306" pitchFamily="34" charset="0"/>
+              </a:rPr>
+              <a:t>Image</a:t>
+            </a:r>
+          </a:p>
+        </p:txBody>
+      </p:sp>
+      <p:sp>
+        <p:nvSpPr>
+          <p:cNvPr id="55" name="Rectangle 54">
+            <a:extLst>
+              <a:ext uri="{FF2B5EF4-FFF2-40B4-BE49-F238E27FC236}">
+                <a16:creationId xmlns:a16="http://schemas.microsoft.com/office/drawing/2014/main" id="{F2D3303A-1906-40B6-B85B-3BC509DD4D82}"/>
+              </a:ext>
+            </a:extLst>
+          </p:cNvPr>
+          <p:cNvSpPr/>
+          <p:nvPr/>
+        </p:nvSpPr>
+        <p:spPr>
+          <a:xfrm>
+            <a:off x="9464820" y="95618"/>
+            <a:ext cx="2637042" cy="3075925"/>
+          </a:xfrm>
+          <a:prstGeom prst="rect">
+            <a:avLst/>
+          </a:prstGeom>
+          <a:solidFill>
+            <a:srgbClr val="FF5050"/>
+          </a:solidFill>
+          <a:ln>
+            <a:noFill/>
+          </a:ln>
+        </p:spPr>
+        <p:style>
+          <a:lnRef idx="2">
+            <a:schemeClr val="accent1">
+              <a:shade val="50000"/>
+            </a:schemeClr>
+          </a:lnRef>
+          <a:fillRef idx="1">
+            <a:schemeClr val="accent1"/>
+          </a:fillRef>
+          <a:effectRef idx="0">
+            <a:schemeClr val="accent1"/>
+          </a:effectRef>
+          <a:fontRef idx="minor">
+            <a:schemeClr val="lt1"/>
+          </a:fontRef>
+        </p:style>
+        <p:txBody>
+          <a:bodyPr rtlCol="0" anchor="ctr"/>
+          <a:lstStyle/>
+          <a:p>
+            <a:pPr algn="ctr"/>
+            <a:r>
+              <a:rPr lang="en-NZ" dirty="0">
+                <a:solidFill>
+                  <a:srgbClr val="D0CECE"/>
+                </a:solidFill>
+                <a:latin typeface="Berlin Sans FB" panose="020E0602020502020306" pitchFamily="34" charset="0"/>
+              </a:rPr>
+              <a:t>Image</a:t>
+            </a:r>
+          </a:p>
+        </p:txBody>
+      </p:sp>
+      <p:sp>
+        <p:nvSpPr>
+          <p:cNvPr id="56" name="Rectangle 55">
+            <a:extLst>
+              <a:ext uri="{FF2B5EF4-FFF2-40B4-BE49-F238E27FC236}">
+                <a16:creationId xmlns:a16="http://schemas.microsoft.com/office/drawing/2014/main" id="{B325BAA1-8E53-4839-99B4-DC9A997DE20E}"/>
+              </a:ext>
+            </a:extLst>
+          </p:cNvPr>
+          <p:cNvSpPr/>
+          <p:nvPr/>
+        </p:nvSpPr>
+        <p:spPr>
+          <a:xfrm>
+            <a:off x="7262015" y="2684546"/>
+            <a:ext cx="2117005" cy="2895129"/>
+          </a:xfrm>
+          <a:prstGeom prst="rect">
+            <a:avLst/>
+          </a:prstGeom>
+          <a:solidFill>
+            <a:srgbClr val="FF5050"/>
+          </a:solidFill>
+          <a:ln>
+            <a:noFill/>
+          </a:ln>
+        </p:spPr>
+        <p:style>
+          <a:lnRef idx="2">
+            <a:schemeClr val="accent1">
+              <a:shade val="50000"/>
+            </a:schemeClr>
+          </a:lnRef>
+          <a:fillRef idx="1">
+            <a:schemeClr val="accent1"/>
+          </a:fillRef>
+          <a:effectRef idx="0">
+            <a:schemeClr val="accent1"/>
+          </a:effectRef>
+          <a:fontRef idx="minor">
+            <a:schemeClr val="lt1"/>
+          </a:fontRef>
+        </p:style>
+        <p:txBody>
+          <a:bodyPr rtlCol="0" anchor="ctr"/>
+          <a:lstStyle/>
+          <a:p>
+            <a:pPr algn="ctr"/>
+            <a:r>
+              <a:rPr lang="en-NZ" dirty="0">
+                <a:solidFill>
+                  <a:srgbClr val="D0CECE"/>
+                </a:solidFill>
+                <a:latin typeface="Berlin Sans FB" panose="020E0602020502020306" pitchFamily="34" charset="0"/>
+              </a:rPr>
+              <a:t>Image</a:t>
+            </a:r>
+          </a:p>
+        </p:txBody>
+      </p:sp>
+      <p:sp>
+        <p:nvSpPr>
+          <p:cNvPr id="57" name="Rectangle: Rounded Corners 56">
+            <a:extLst>
+              <a:ext uri="{FF2B5EF4-FFF2-40B4-BE49-F238E27FC236}">
+                <a16:creationId xmlns:a16="http://schemas.microsoft.com/office/drawing/2014/main" id="{E517013D-9657-453D-9052-C94EF17458DB}"/>
+              </a:ext>
+            </a:extLst>
+          </p:cNvPr>
+          <p:cNvSpPr/>
+          <p:nvPr/>
+        </p:nvSpPr>
+        <p:spPr>
+          <a:xfrm>
+            <a:off x="7262016" y="5608509"/>
+            <a:ext cx="390141" cy="390141"/>
+          </a:xfrm>
+          <a:prstGeom prst="roundRect">
+            <a:avLst/>
+          </a:prstGeom>
+          <a:solidFill>
+            <a:srgbClr val="D0CECE"/>
+          </a:solidFill>
+          <a:ln w="38100">
+            <a:solidFill>
+              <a:srgbClr val="767171"/>
+            </a:solidFill>
+          </a:ln>
+        </p:spPr>
+        <p:style>
+          <a:lnRef idx="2">
+            <a:schemeClr val="accent1">
+              <a:shade val="50000"/>
+            </a:schemeClr>
+          </a:lnRef>
+          <a:fillRef idx="1">
+            <a:schemeClr val="accent1"/>
+          </a:fillRef>
+          <a:effectRef idx="0">
+            <a:schemeClr val="accent1"/>
+          </a:effectRef>
+          <a:fontRef idx="minor">
+            <a:schemeClr val="lt1"/>
+          </a:fontRef>
+        </p:style>
+        <p:txBody>
+          <a:bodyPr rtlCol="0" anchor="ctr"/>
+          <a:lstStyle/>
+          <a:p>
+            <a:pPr algn="ctr"/>
+            <a:endParaRPr lang="en-NZ"/>
+          </a:p>
+        </p:txBody>
+      </p:sp>
+      <p:sp>
+        <p:nvSpPr>
+          <p:cNvPr id="58" name="Isosceles Triangle 57">
+            <a:extLst>
+              <a:ext uri="{FF2B5EF4-FFF2-40B4-BE49-F238E27FC236}">
+                <a16:creationId xmlns:a16="http://schemas.microsoft.com/office/drawing/2014/main" id="{9B10073D-40F7-4158-B328-3F1DDCF01AC5}"/>
+              </a:ext>
+            </a:extLst>
+          </p:cNvPr>
+          <p:cNvSpPr/>
+          <p:nvPr/>
+        </p:nvSpPr>
+        <p:spPr>
+          <a:xfrm rot="16200000">
+            <a:off x="7314474" y="5752901"/>
+            <a:ext cx="285225" cy="101354"/>
+          </a:xfrm>
+          <a:prstGeom prst="triangle">
+            <a:avLst/>
+          </a:prstGeom>
+          <a:solidFill>
+            <a:srgbClr val="767171"/>
+          </a:solidFill>
+          <a:ln>
+            <a:noFill/>
+          </a:ln>
+        </p:spPr>
+        <p:style>
+          <a:lnRef idx="2">
+            <a:schemeClr val="accent1">
+              <a:shade val="50000"/>
+            </a:schemeClr>
+          </a:lnRef>
+          <a:fillRef idx="1">
+            <a:schemeClr val="accent1"/>
+          </a:fillRef>
+          <a:effectRef idx="0">
+            <a:schemeClr val="accent1"/>
+          </a:effectRef>
+          <a:fontRef idx="minor">
+            <a:schemeClr val="lt1"/>
+          </a:fontRef>
+        </p:style>
+        <p:txBody>
+          <a:bodyPr rtlCol="0" anchor="ctr"/>
+          <a:lstStyle/>
+          <a:p>
+            <a:pPr algn="ctr"/>
+            <a:endParaRPr lang="en-NZ"/>
+          </a:p>
+        </p:txBody>
+      </p:sp>
+      <p:sp>
+        <p:nvSpPr>
+          <p:cNvPr id="59" name="Rectangle: Rounded Corners 58">
+            <a:extLst>
+              <a:ext uri="{FF2B5EF4-FFF2-40B4-BE49-F238E27FC236}">
+                <a16:creationId xmlns:a16="http://schemas.microsoft.com/office/drawing/2014/main" id="{4B1ADA19-4FCB-4FDC-AD0D-EEE1026B4218}"/>
+              </a:ext>
+            </a:extLst>
+          </p:cNvPr>
+          <p:cNvSpPr/>
+          <p:nvPr/>
+        </p:nvSpPr>
+        <p:spPr>
+          <a:xfrm>
+            <a:off x="11667245" y="5605585"/>
+            <a:ext cx="390141" cy="390141"/>
+          </a:xfrm>
+          <a:prstGeom prst="roundRect">
+            <a:avLst/>
+          </a:prstGeom>
+          <a:solidFill>
+            <a:srgbClr val="D0CECE"/>
+          </a:solidFill>
+          <a:ln w="38100">
+            <a:solidFill>
+              <a:srgbClr val="767171"/>
+            </a:solidFill>
+          </a:ln>
+        </p:spPr>
+        <p:style>
+          <a:lnRef idx="2">
+            <a:schemeClr val="accent1">
+              <a:shade val="50000"/>
+            </a:schemeClr>
+          </a:lnRef>
+          <a:fillRef idx="1">
+            <a:schemeClr val="accent1"/>
+          </a:fillRef>
+          <a:effectRef idx="0">
+            <a:schemeClr val="accent1"/>
+          </a:effectRef>
+          <a:fontRef idx="minor">
+            <a:schemeClr val="lt1"/>
+          </a:fontRef>
+        </p:style>
+        <p:txBody>
+          <a:bodyPr rtlCol="0" anchor="ctr"/>
+          <a:lstStyle/>
+          <a:p>
+            <a:pPr algn="ctr"/>
+            <a:endParaRPr lang="en-NZ"/>
+          </a:p>
+        </p:txBody>
+      </p:sp>
+      <p:sp>
+        <p:nvSpPr>
+          <p:cNvPr id="60" name="Isosceles Triangle 59">
+            <a:extLst>
+              <a:ext uri="{FF2B5EF4-FFF2-40B4-BE49-F238E27FC236}">
+                <a16:creationId xmlns:a16="http://schemas.microsoft.com/office/drawing/2014/main" id="{3C6832C3-5FA7-4BA9-AAAB-DE9B2008AB6C}"/>
+              </a:ext>
+            </a:extLst>
+          </p:cNvPr>
+          <p:cNvSpPr/>
+          <p:nvPr/>
+        </p:nvSpPr>
+        <p:spPr>
+          <a:xfrm rot="5400000">
+            <a:off x="11719703" y="5752901"/>
+            <a:ext cx="285225" cy="101354"/>
+          </a:xfrm>
+          <a:prstGeom prst="triangle">
+            <a:avLst/>
+          </a:prstGeom>
+          <a:solidFill>
+            <a:srgbClr val="767171"/>
+          </a:solidFill>
+          <a:ln>
+            <a:noFill/>
+          </a:ln>
+        </p:spPr>
+        <p:style>
+          <a:lnRef idx="2">
+            <a:schemeClr val="accent1">
+              <a:shade val="50000"/>
+            </a:schemeClr>
+          </a:lnRef>
+          <a:fillRef idx="1">
+            <a:schemeClr val="accent1"/>
+          </a:fillRef>
+          <a:effectRef idx="0">
+            <a:schemeClr val="accent1"/>
+          </a:effectRef>
+          <a:fontRef idx="minor">
+            <a:schemeClr val="lt1"/>
+          </a:fontRef>
+        </p:style>
+        <p:txBody>
+          <a:bodyPr rtlCol="0" anchor="ctr"/>
+          <a:lstStyle/>
+          <a:p>
+            <a:pPr algn="ctr"/>
+            <a:endParaRPr lang="en-NZ"/>
+          </a:p>
+        </p:txBody>
+      </p:sp>
+      <p:sp>
+        <p:nvSpPr>
+          <p:cNvPr id="61" name="Oval 60">
+            <a:extLst>
+              <a:ext uri="{FF2B5EF4-FFF2-40B4-BE49-F238E27FC236}">
+                <a16:creationId xmlns:a16="http://schemas.microsoft.com/office/drawing/2014/main" id="{94D1AF40-D03E-4653-844F-808F8B7A3B01}"/>
+              </a:ext>
+            </a:extLst>
+          </p:cNvPr>
+          <p:cNvSpPr/>
+          <p:nvPr/>
+        </p:nvSpPr>
+        <p:spPr>
+          <a:xfrm>
+            <a:off x="7848515" y="5731704"/>
+            <a:ext cx="170649" cy="170649"/>
+          </a:xfrm>
+          <a:prstGeom prst="ellipse">
+            <a:avLst/>
+          </a:prstGeom>
+          <a:solidFill>
+            <a:srgbClr val="D0CECE"/>
+          </a:solidFill>
+          <a:ln w="38100">
+            <a:solidFill>
+              <a:srgbClr val="767171"/>
+            </a:solidFill>
+          </a:ln>
+        </p:spPr>
+        <p:style>
+          <a:lnRef idx="2">
+            <a:schemeClr val="accent1">
+              <a:shade val="50000"/>
+            </a:schemeClr>
+          </a:lnRef>
+          <a:fillRef idx="1">
+            <a:schemeClr val="accent1"/>
+          </a:fillRef>
+          <a:effectRef idx="0">
+            <a:schemeClr val="accent1"/>
+          </a:effectRef>
+          <a:fontRef idx="minor">
+            <a:schemeClr val="lt1"/>
+          </a:fontRef>
+        </p:style>
+        <p:txBody>
+          <a:bodyPr rtlCol="0" anchor="ctr"/>
+          <a:lstStyle/>
+          <a:p>
+            <a:pPr algn="ctr"/>
+            <a:endParaRPr lang="en-NZ"/>
+          </a:p>
+        </p:txBody>
+      </p:sp>
+      <p:sp>
+        <p:nvSpPr>
+          <p:cNvPr id="62" name="Oval 61">
+            <a:extLst>
+              <a:ext uri="{FF2B5EF4-FFF2-40B4-BE49-F238E27FC236}">
+                <a16:creationId xmlns:a16="http://schemas.microsoft.com/office/drawing/2014/main" id="{973500CA-4B53-45FD-B0BA-98C45FC07183}"/>
+              </a:ext>
+            </a:extLst>
+          </p:cNvPr>
+          <p:cNvSpPr/>
+          <p:nvPr/>
+        </p:nvSpPr>
+        <p:spPr>
+          <a:xfrm>
+            <a:off x="8163557" y="5731704"/>
+            <a:ext cx="170649" cy="170649"/>
+          </a:xfrm>
+          <a:prstGeom prst="ellipse">
+            <a:avLst/>
+          </a:prstGeom>
+          <a:solidFill>
+            <a:srgbClr val="D0CECE"/>
+          </a:solidFill>
+          <a:ln w="38100">
+            <a:solidFill>
+              <a:srgbClr val="767171"/>
+            </a:solidFill>
+          </a:ln>
+        </p:spPr>
+        <p:style>
+          <a:lnRef idx="2">
+            <a:schemeClr val="accent1">
+              <a:shade val="50000"/>
+            </a:schemeClr>
+          </a:lnRef>
+          <a:fillRef idx="1">
+            <a:schemeClr val="accent1"/>
+          </a:fillRef>
+          <a:effectRef idx="0">
+            <a:schemeClr val="accent1"/>
+          </a:effectRef>
+          <a:fontRef idx="minor">
+            <a:schemeClr val="lt1"/>
+          </a:fontRef>
+        </p:style>
+        <p:txBody>
+          <a:bodyPr rtlCol="0" anchor="ctr"/>
+          <a:lstStyle/>
+          <a:p>
+            <a:pPr algn="ctr"/>
+            <a:endParaRPr lang="en-NZ"/>
+          </a:p>
+        </p:txBody>
+      </p:sp>
+      <p:sp>
+        <p:nvSpPr>
+          <p:cNvPr id="63" name="Oval 62">
+            <a:extLst>
+              <a:ext uri="{FF2B5EF4-FFF2-40B4-BE49-F238E27FC236}">
+                <a16:creationId xmlns:a16="http://schemas.microsoft.com/office/drawing/2014/main" id="{FFFB3E73-002D-43AC-9B2A-170AA9D33F24}"/>
+              </a:ext>
+            </a:extLst>
+          </p:cNvPr>
+          <p:cNvSpPr/>
+          <p:nvPr/>
+        </p:nvSpPr>
+        <p:spPr>
+          <a:xfrm>
+            <a:off x="8476806" y="5731704"/>
+            <a:ext cx="170649" cy="170649"/>
+          </a:xfrm>
+          <a:prstGeom prst="ellipse">
+            <a:avLst/>
+          </a:prstGeom>
+          <a:solidFill>
+            <a:srgbClr val="D0CECE"/>
+          </a:solidFill>
+          <a:ln w="38100">
+            <a:solidFill>
+              <a:srgbClr val="767171"/>
+            </a:solidFill>
+          </a:ln>
+        </p:spPr>
+        <p:style>
+          <a:lnRef idx="2">
+            <a:schemeClr val="accent1">
+              <a:shade val="50000"/>
+            </a:schemeClr>
+          </a:lnRef>
+          <a:fillRef idx="1">
+            <a:schemeClr val="accent1"/>
+          </a:fillRef>
+          <a:effectRef idx="0">
+            <a:schemeClr val="accent1"/>
+          </a:effectRef>
+          <a:fontRef idx="minor">
+            <a:schemeClr val="lt1"/>
+          </a:fontRef>
+        </p:style>
+        <p:txBody>
+          <a:bodyPr rtlCol="0" anchor="ctr"/>
+          <a:lstStyle/>
+          <a:p>
+            <a:pPr algn="ctr"/>
+            <a:endParaRPr lang="en-NZ"/>
+          </a:p>
+        </p:txBody>
+      </p:sp>
+      <p:sp>
+        <p:nvSpPr>
+          <p:cNvPr id="64" name="Oval 63">
+            <a:extLst>
+              <a:ext uri="{FF2B5EF4-FFF2-40B4-BE49-F238E27FC236}">
+                <a16:creationId xmlns:a16="http://schemas.microsoft.com/office/drawing/2014/main" id="{9BD3DF66-2500-4886-AFBE-C0254F2D25B4}"/>
+              </a:ext>
+            </a:extLst>
+          </p:cNvPr>
+          <p:cNvSpPr/>
+          <p:nvPr/>
+        </p:nvSpPr>
+        <p:spPr>
+          <a:xfrm>
+            <a:off x="8790055" y="5735246"/>
+            <a:ext cx="170649" cy="170649"/>
+          </a:xfrm>
+          <a:prstGeom prst="ellipse">
+            <a:avLst/>
+          </a:prstGeom>
+          <a:solidFill>
+            <a:srgbClr val="D0CECE"/>
+          </a:solidFill>
+          <a:ln w="38100">
+            <a:solidFill>
+              <a:srgbClr val="767171"/>
+            </a:solidFill>
+          </a:ln>
+        </p:spPr>
+        <p:style>
+          <a:lnRef idx="2">
+            <a:schemeClr val="accent1">
+              <a:shade val="50000"/>
+            </a:schemeClr>
+          </a:lnRef>
+          <a:fillRef idx="1">
+            <a:schemeClr val="accent1"/>
+          </a:fillRef>
+          <a:effectRef idx="0">
+            <a:schemeClr val="accent1"/>
+          </a:effectRef>
+          <a:fontRef idx="minor">
+            <a:schemeClr val="lt1"/>
+          </a:fontRef>
+        </p:style>
+        <p:txBody>
+          <a:bodyPr rtlCol="0" anchor="ctr"/>
+          <a:lstStyle/>
+          <a:p>
+            <a:pPr algn="ctr"/>
+            <a:endParaRPr lang="en-NZ"/>
+          </a:p>
+        </p:txBody>
+      </p:sp>
+      <p:sp>
+        <p:nvSpPr>
+          <p:cNvPr id="65" name="Oval 64">
+            <a:extLst>
+              <a:ext uri="{FF2B5EF4-FFF2-40B4-BE49-F238E27FC236}">
+                <a16:creationId xmlns:a16="http://schemas.microsoft.com/office/drawing/2014/main" id="{3649CB2F-498E-49BB-A5F1-C8F67AD0C8E1}"/>
+              </a:ext>
+            </a:extLst>
+          </p:cNvPr>
+          <p:cNvSpPr/>
+          <p:nvPr/>
+        </p:nvSpPr>
+        <p:spPr>
+          <a:xfrm>
+            <a:off x="9101280" y="5731704"/>
+            <a:ext cx="170649" cy="170649"/>
+          </a:xfrm>
+          <a:prstGeom prst="ellipse">
+            <a:avLst/>
+          </a:prstGeom>
+          <a:solidFill>
+            <a:srgbClr val="D0CECE"/>
+          </a:solidFill>
+          <a:ln w="38100">
+            <a:solidFill>
+              <a:srgbClr val="767171"/>
+            </a:solidFill>
+          </a:ln>
+        </p:spPr>
+        <p:style>
+          <a:lnRef idx="2">
+            <a:schemeClr val="accent1">
+              <a:shade val="50000"/>
+            </a:schemeClr>
+          </a:lnRef>
+          <a:fillRef idx="1">
+            <a:schemeClr val="accent1"/>
+          </a:fillRef>
+          <a:effectRef idx="0">
+            <a:schemeClr val="accent1"/>
+          </a:effectRef>
+          <a:fontRef idx="minor">
+            <a:schemeClr val="lt1"/>
+          </a:fontRef>
+        </p:style>
+        <p:txBody>
+          <a:bodyPr rtlCol="0" anchor="ctr"/>
+          <a:lstStyle/>
+          <a:p>
+            <a:pPr algn="ctr"/>
+            <a:endParaRPr lang="en-NZ"/>
+          </a:p>
+        </p:txBody>
+      </p:sp>
+      <p:sp>
+        <p:nvSpPr>
+          <p:cNvPr id="66" name="Oval 65">
+            <a:extLst>
+              <a:ext uri="{FF2B5EF4-FFF2-40B4-BE49-F238E27FC236}">
+                <a16:creationId xmlns:a16="http://schemas.microsoft.com/office/drawing/2014/main" id="{6D34E71D-BCED-4314-92FD-4958FBA39AEA}"/>
+              </a:ext>
+            </a:extLst>
+          </p:cNvPr>
+          <p:cNvSpPr/>
+          <p:nvPr/>
+        </p:nvSpPr>
+        <p:spPr>
+          <a:xfrm>
+            <a:off x="9428919" y="5731704"/>
+            <a:ext cx="170649" cy="170649"/>
+          </a:xfrm>
+          <a:prstGeom prst="ellipse">
+            <a:avLst/>
+          </a:prstGeom>
+          <a:solidFill>
+            <a:srgbClr val="D0CECE"/>
+          </a:solidFill>
+          <a:ln w="38100">
+            <a:solidFill>
+              <a:srgbClr val="767171"/>
+            </a:solidFill>
+          </a:ln>
+        </p:spPr>
+        <p:style>
+          <a:lnRef idx="2">
+            <a:schemeClr val="accent1">
+              <a:shade val="50000"/>
+            </a:schemeClr>
+          </a:lnRef>
+          <a:fillRef idx="1">
+            <a:schemeClr val="accent1"/>
+          </a:fillRef>
+          <a:effectRef idx="0">
+            <a:schemeClr val="accent1"/>
+          </a:effectRef>
+          <a:fontRef idx="minor">
+            <a:schemeClr val="lt1"/>
+          </a:fontRef>
+        </p:style>
+        <p:txBody>
+          <a:bodyPr rtlCol="0" anchor="ctr"/>
+          <a:lstStyle/>
+          <a:p>
+            <a:pPr algn="ctr"/>
+            <a:endParaRPr lang="en-NZ"/>
+          </a:p>
+        </p:txBody>
+      </p:sp>
+      <p:sp>
+        <p:nvSpPr>
+          <p:cNvPr id="67" name="Oval 66">
+            <a:extLst>
+              <a:ext uri="{FF2B5EF4-FFF2-40B4-BE49-F238E27FC236}">
+                <a16:creationId xmlns:a16="http://schemas.microsoft.com/office/drawing/2014/main" id="{FDE8417B-A653-430D-A1E8-9CE66CAEB199}"/>
+              </a:ext>
+            </a:extLst>
+          </p:cNvPr>
+          <p:cNvSpPr/>
+          <p:nvPr/>
+        </p:nvSpPr>
+        <p:spPr>
+          <a:xfrm>
+            <a:off x="9743961" y="5731704"/>
+            <a:ext cx="170649" cy="170649"/>
+          </a:xfrm>
+          <a:prstGeom prst="ellipse">
+            <a:avLst/>
+          </a:prstGeom>
+          <a:solidFill>
+            <a:srgbClr val="D0CECE"/>
+          </a:solidFill>
+          <a:ln w="38100">
+            <a:solidFill>
+              <a:srgbClr val="767171"/>
+            </a:solidFill>
+          </a:ln>
+        </p:spPr>
+        <p:style>
+          <a:lnRef idx="2">
+            <a:schemeClr val="accent1">
+              <a:shade val="50000"/>
+            </a:schemeClr>
+          </a:lnRef>
+          <a:fillRef idx="1">
+            <a:schemeClr val="accent1"/>
+          </a:fillRef>
+          <a:effectRef idx="0">
+            <a:schemeClr val="accent1"/>
+          </a:effectRef>
+          <a:fontRef idx="minor">
+            <a:schemeClr val="lt1"/>
+          </a:fontRef>
+        </p:style>
+        <p:txBody>
+          <a:bodyPr rtlCol="0" anchor="ctr"/>
+          <a:lstStyle/>
+          <a:p>
+            <a:pPr algn="ctr"/>
+            <a:endParaRPr lang="en-NZ"/>
+          </a:p>
+        </p:txBody>
+      </p:sp>
+      <p:sp>
+        <p:nvSpPr>
+          <p:cNvPr id="68" name="Oval 67">
+            <a:extLst>
+              <a:ext uri="{FF2B5EF4-FFF2-40B4-BE49-F238E27FC236}">
+                <a16:creationId xmlns:a16="http://schemas.microsoft.com/office/drawing/2014/main" id="{4BD98DE9-3D79-4D0B-92F8-91254ACBCC3B}"/>
+              </a:ext>
+            </a:extLst>
+          </p:cNvPr>
+          <p:cNvSpPr/>
+          <p:nvPr/>
+        </p:nvSpPr>
+        <p:spPr>
+          <a:xfrm>
+            <a:off x="10057210" y="5731704"/>
+            <a:ext cx="170649" cy="170649"/>
+          </a:xfrm>
+          <a:prstGeom prst="ellipse">
+            <a:avLst/>
+          </a:prstGeom>
+          <a:solidFill>
+            <a:srgbClr val="D0CECE"/>
+          </a:solidFill>
+          <a:ln w="38100">
+            <a:solidFill>
+              <a:srgbClr val="767171"/>
+            </a:solidFill>
+          </a:ln>
+        </p:spPr>
+        <p:style>
+          <a:lnRef idx="2">
+            <a:schemeClr val="accent1">
+              <a:shade val="50000"/>
+            </a:schemeClr>
+          </a:lnRef>
+          <a:fillRef idx="1">
+            <a:schemeClr val="accent1"/>
+          </a:fillRef>
+          <a:effectRef idx="0">
+            <a:schemeClr val="accent1"/>
+          </a:effectRef>
+          <a:fontRef idx="minor">
+            <a:schemeClr val="lt1"/>
+          </a:fontRef>
+        </p:style>
+        <p:txBody>
+          <a:bodyPr rtlCol="0" anchor="ctr"/>
+          <a:lstStyle/>
+          <a:p>
+            <a:pPr algn="ctr"/>
+            <a:endParaRPr lang="en-NZ"/>
+          </a:p>
+        </p:txBody>
+      </p:sp>
+      <p:sp>
+        <p:nvSpPr>
+          <p:cNvPr id="69" name="Oval 68">
+            <a:extLst>
+              <a:ext uri="{FF2B5EF4-FFF2-40B4-BE49-F238E27FC236}">
+                <a16:creationId xmlns:a16="http://schemas.microsoft.com/office/drawing/2014/main" id="{E0DEF1A7-D285-4A13-863D-DB289663A8F1}"/>
+              </a:ext>
+            </a:extLst>
+          </p:cNvPr>
+          <p:cNvSpPr/>
+          <p:nvPr/>
+        </p:nvSpPr>
+        <p:spPr>
+          <a:xfrm>
+            <a:off x="10369447" y="5723517"/>
+            <a:ext cx="170649" cy="170649"/>
+          </a:xfrm>
+          <a:prstGeom prst="ellipse">
+            <a:avLst/>
+          </a:prstGeom>
+          <a:solidFill>
+            <a:srgbClr val="D0CECE"/>
+          </a:solidFill>
+          <a:ln w="38100">
+            <a:solidFill>
+              <a:srgbClr val="767171"/>
+            </a:solidFill>
+          </a:ln>
+        </p:spPr>
+        <p:style>
+          <a:lnRef idx="2">
+            <a:schemeClr val="accent1">
+              <a:shade val="50000"/>
+            </a:schemeClr>
+          </a:lnRef>
+          <a:fillRef idx="1">
+            <a:schemeClr val="accent1"/>
+          </a:fillRef>
+          <a:effectRef idx="0">
+            <a:schemeClr val="accent1"/>
+          </a:effectRef>
+          <a:fontRef idx="minor">
+            <a:schemeClr val="lt1"/>
+          </a:fontRef>
+        </p:style>
+        <p:txBody>
+          <a:bodyPr rtlCol="0" anchor="ctr"/>
+          <a:lstStyle/>
+          <a:p>
+            <a:pPr algn="ctr"/>
+            <a:endParaRPr lang="en-NZ"/>
+          </a:p>
+        </p:txBody>
+      </p:sp>
+      <p:sp>
+        <p:nvSpPr>
+          <p:cNvPr id="70" name="Oval 69">
+            <a:extLst>
+              <a:ext uri="{FF2B5EF4-FFF2-40B4-BE49-F238E27FC236}">
+                <a16:creationId xmlns:a16="http://schemas.microsoft.com/office/drawing/2014/main" id="{0AAD72F4-2611-4FFF-8B6B-6E6A5A145DDB}"/>
+              </a:ext>
+            </a:extLst>
+          </p:cNvPr>
+          <p:cNvSpPr/>
+          <p:nvPr/>
+        </p:nvSpPr>
+        <p:spPr>
+          <a:xfrm>
+            <a:off x="10681684" y="5723517"/>
+            <a:ext cx="170649" cy="170649"/>
+          </a:xfrm>
+          <a:prstGeom prst="ellipse">
+            <a:avLst/>
+          </a:prstGeom>
+          <a:solidFill>
+            <a:srgbClr val="D0CECE"/>
+          </a:solidFill>
+          <a:ln w="38100">
+            <a:solidFill>
+              <a:srgbClr val="767171"/>
+            </a:solidFill>
+          </a:ln>
+        </p:spPr>
+        <p:style>
+          <a:lnRef idx="2">
+            <a:schemeClr val="accent1">
+              <a:shade val="50000"/>
+            </a:schemeClr>
+          </a:lnRef>
+          <a:fillRef idx="1">
+            <a:schemeClr val="accent1"/>
+          </a:fillRef>
+          <a:effectRef idx="0">
+            <a:schemeClr val="accent1"/>
+          </a:effectRef>
+          <a:fontRef idx="minor">
+            <a:schemeClr val="lt1"/>
+          </a:fontRef>
+        </p:style>
+        <p:txBody>
+          <a:bodyPr rtlCol="0" anchor="ctr"/>
+          <a:lstStyle/>
+          <a:p>
+            <a:pPr algn="ctr"/>
+            <a:endParaRPr lang="en-NZ"/>
+          </a:p>
+        </p:txBody>
+      </p:sp>
+      <p:sp>
+        <p:nvSpPr>
+          <p:cNvPr id="71" name="Oval 70">
+            <a:extLst>
+              <a:ext uri="{FF2B5EF4-FFF2-40B4-BE49-F238E27FC236}">
+                <a16:creationId xmlns:a16="http://schemas.microsoft.com/office/drawing/2014/main" id="{8A3A8AF5-7D26-49F9-A008-1AB350BDAEE7}"/>
+              </a:ext>
+            </a:extLst>
+          </p:cNvPr>
+          <p:cNvSpPr/>
+          <p:nvPr/>
+        </p:nvSpPr>
+        <p:spPr>
+          <a:xfrm>
+            <a:off x="10988000" y="5715330"/>
+            <a:ext cx="170649" cy="170649"/>
+          </a:xfrm>
+          <a:prstGeom prst="ellipse">
+            <a:avLst/>
+          </a:prstGeom>
+          <a:solidFill>
+            <a:srgbClr val="D0CECE"/>
+          </a:solidFill>
+          <a:ln w="38100">
+            <a:solidFill>
+              <a:srgbClr val="767171"/>
+            </a:solidFill>
+          </a:ln>
+        </p:spPr>
+        <p:style>
+          <a:lnRef idx="2">
+            <a:schemeClr val="accent1">
+              <a:shade val="50000"/>
+            </a:schemeClr>
+          </a:lnRef>
+          <a:fillRef idx="1">
+            <a:schemeClr val="accent1"/>
+          </a:fillRef>
+          <a:effectRef idx="0">
+            <a:schemeClr val="accent1"/>
+          </a:effectRef>
+          <a:fontRef idx="minor">
+            <a:schemeClr val="lt1"/>
+          </a:fontRef>
+        </p:style>
+        <p:txBody>
+          <a:bodyPr rtlCol="0" anchor="ctr"/>
+          <a:lstStyle/>
+          <a:p>
+            <a:pPr algn="ctr"/>
+            <a:endParaRPr lang="en-NZ"/>
+          </a:p>
+        </p:txBody>
+      </p:sp>
+      <p:sp>
+        <p:nvSpPr>
+          <p:cNvPr id="72" name="Oval 71">
+            <a:extLst>
+              <a:ext uri="{FF2B5EF4-FFF2-40B4-BE49-F238E27FC236}">
+                <a16:creationId xmlns:a16="http://schemas.microsoft.com/office/drawing/2014/main" id="{E53F9769-A760-4BC6-B8B4-EAC4F13635B3}"/>
+              </a:ext>
+            </a:extLst>
+          </p:cNvPr>
+          <p:cNvSpPr/>
+          <p:nvPr/>
+        </p:nvSpPr>
+        <p:spPr>
+          <a:xfrm>
+            <a:off x="11300237" y="5723517"/>
+            <a:ext cx="170649" cy="170649"/>
+          </a:xfrm>
+          <a:prstGeom prst="ellipse">
+            <a:avLst/>
+          </a:prstGeom>
+          <a:solidFill>
+            <a:srgbClr val="D0CECE"/>
+          </a:solidFill>
+          <a:ln w="38100">
+            <a:solidFill>
+              <a:srgbClr val="767171"/>
+            </a:solidFill>
+          </a:ln>
+        </p:spPr>
+        <p:style>
+          <a:lnRef idx="2">
+            <a:schemeClr val="accent1">
+              <a:shade val="50000"/>
+            </a:schemeClr>
+          </a:lnRef>
+          <a:fillRef idx="1">
+            <a:schemeClr val="accent1"/>
+          </a:fillRef>
+          <a:effectRef idx="0">
+            <a:schemeClr val="accent1"/>
+          </a:effectRef>
+          <a:fontRef idx="minor">
+            <a:schemeClr val="lt1"/>
+          </a:fontRef>
+        </p:style>
+        <p:txBody>
+          <a:bodyPr rtlCol="0" anchor="ctr"/>
+          <a:lstStyle/>
+          <a:p>
+            <a:pPr algn="ctr"/>
+            <a:endParaRPr lang="en-NZ"/>
+          </a:p>
+        </p:txBody>
+      </p:sp>
     </p:spTree>
     <p:extLst>
       <p:ext uri="{BB962C8B-B14F-4D97-AF65-F5344CB8AC3E}">
@@ -6505,68 +7335,140 @@
       </p:grpSpPr>
       <p:sp>
         <p:nvSpPr>
-          <p:cNvPr id="8" name="Rectangle: Rounded Corners 7">
-            <a:extLst>
-              <a:ext uri="{FF2B5EF4-FFF2-40B4-BE49-F238E27FC236}">
-                <a16:creationId xmlns:a16="http://schemas.microsoft.com/office/drawing/2014/main" id="{195E25B6-4E0E-47EE-A8DA-D62267DF7866}"/>
-              </a:ext>
-            </a:extLst>
-          </p:cNvPr>
-          <p:cNvSpPr/>
-          <p:nvPr/>
-        </p:nvSpPr>
-        <p:spPr>
-          <a:xfrm>
-            <a:off x="2083262" y="851545"/>
-            <a:ext cx="4903984" cy="435975"/>
-          </a:xfrm>
-          <a:prstGeom prst="roundRect">
-            <a:avLst/>
-          </a:prstGeom>
-          <a:solidFill>
-            <a:schemeClr val="bg2">
-              <a:lumMod val="90000"/>
-            </a:schemeClr>
-          </a:solidFill>
-          <a:ln w="38100">
-            <a:solidFill>
-              <a:schemeClr val="bg2">
-                <a:lumMod val="75000"/>
-              </a:schemeClr>
-            </a:solidFill>
-          </a:ln>
-        </p:spPr>
-        <p:style>
-          <a:lnRef idx="2">
-            <a:schemeClr val="accent1">
-              <a:shade val="50000"/>
-            </a:schemeClr>
-          </a:lnRef>
-          <a:fillRef idx="1">
-            <a:schemeClr val="accent1"/>
-          </a:fillRef>
-          <a:effectRef idx="0">
-            <a:schemeClr val="accent1"/>
-          </a:effectRef>
-          <a:fontRef idx="minor">
-            <a:schemeClr val="lt1"/>
-          </a:fontRef>
-        </p:style>
-        <p:txBody>
-          <a:bodyPr rtlCol="0" anchor="ctr"/>
-          <a:lstStyle/>
-          <a:p>
+          <p:cNvPr id="66" name="Rectangle 65">
+            <a:extLst>
+              <a:ext uri="{FF2B5EF4-FFF2-40B4-BE49-F238E27FC236}">
+                <a16:creationId xmlns:a16="http://schemas.microsoft.com/office/drawing/2014/main" id="{FEA53F33-2B5D-4379-9DCE-99D2273A2F2C}"/>
+              </a:ext>
+            </a:extLst>
+          </p:cNvPr>
+          <p:cNvSpPr/>
+          <p:nvPr/>
+        </p:nvSpPr>
+        <p:spPr>
+          <a:xfrm>
+            <a:off x="9464820" y="95618"/>
+            <a:ext cx="2637042" cy="3075925"/>
+          </a:xfrm>
+          <a:prstGeom prst="rect">
+            <a:avLst/>
+          </a:prstGeom>
+          <a:gradFill flip="none" rotWithShape="1">
+            <a:gsLst>
+              <a:gs pos="9000">
+                <a:schemeClr val="accent5">
+                  <a:lumMod val="67000"/>
+                </a:schemeClr>
+              </a:gs>
+              <a:gs pos="44000">
+                <a:schemeClr val="accent5">
+                  <a:lumMod val="97000"/>
+                  <a:lumOff val="3000"/>
+                </a:schemeClr>
+              </a:gs>
+              <a:gs pos="75000">
+                <a:srgbClr val="333399"/>
+              </a:gs>
+            </a:gsLst>
+            <a:lin ang="16200000" scaled="1"/>
+            <a:tileRect/>
+          </a:gradFill>
+          <a:ln>
+            <a:noFill/>
+          </a:ln>
+          <a:effectLst>
+            <a:outerShdw blurRad="1270000" dist="50800" dir="5400000" sx="1000" sy="1000" algn="ctr" rotWithShape="0">
+              <a:srgbClr val="000000">
+                <a:alpha val="53000"/>
+              </a:srgbClr>
+            </a:outerShdw>
+            <a:reflection blurRad="330200" stA="43000" endPos="65000" dist="50800" dir="5400000" sy="-100000" algn="bl" rotWithShape="0"/>
+          </a:effectLst>
+        </p:spPr>
+        <p:style>
+          <a:lnRef idx="2">
+            <a:schemeClr val="accent1">
+              <a:shade val="50000"/>
+            </a:schemeClr>
+          </a:lnRef>
+          <a:fillRef idx="1">
+            <a:schemeClr val="accent1"/>
+          </a:fillRef>
+          <a:effectRef idx="0">
+            <a:schemeClr val="accent1"/>
+          </a:effectRef>
+          <a:fontRef idx="minor">
+            <a:schemeClr val="lt1"/>
+          </a:fontRef>
+        </p:style>
+        <p:txBody>
+          <a:bodyPr rtlCol="0" anchor="ctr"/>
+          <a:lstStyle/>
+          <a:p>
+            <a:pPr algn="ctr"/>
             <a:r>
               <a:rPr lang="en-NZ" dirty="0">
                 <a:solidFill>
-                  <a:schemeClr val="bg2">
-                    <a:lumMod val="75000"/>
-                  </a:schemeClr>
+                  <a:schemeClr val="bg1"/>
                 </a:solidFill>
                 <a:latin typeface="Berlin Sans FB" panose="020E0602020502020306" pitchFamily="34" charset="0"/>
               </a:rPr>
-              <a:t>TYPE HERE TO SEARCH</a:t>
-            </a:r>
+              <a:t>Image</a:t>
+            </a:r>
+          </a:p>
+        </p:txBody>
+      </p:sp>
+      <p:sp>
+        <p:nvSpPr>
+          <p:cNvPr id="83" name="Rectangle: Rounded Corners 82">
+            <a:extLst>
+              <a:ext uri="{FF2B5EF4-FFF2-40B4-BE49-F238E27FC236}">
+                <a16:creationId xmlns:a16="http://schemas.microsoft.com/office/drawing/2014/main" id="{75A3DFAB-3377-40A5-A50E-2E5F05918021}"/>
+              </a:ext>
+            </a:extLst>
+          </p:cNvPr>
+          <p:cNvSpPr/>
+          <p:nvPr/>
+        </p:nvSpPr>
+        <p:spPr>
+          <a:xfrm>
+            <a:off x="7260449" y="2684545"/>
+            <a:ext cx="2106012" cy="2895130"/>
+          </a:xfrm>
+          <a:prstGeom prst="roundRect">
+            <a:avLst>
+              <a:gd name="adj" fmla="val 6709"/>
+            </a:avLst>
+          </a:prstGeom>
+          <a:solidFill>
+            <a:srgbClr val="333399"/>
+          </a:solidFill>
+          <a:ln>
+            <a:noFill/>
+          </a:ln>
+        </p:spPr>
+        <p:style>
+          <a:lnRef idx="2">
+            <a:schemeClr val="accent1">
+              <a:shade val="50000"/>
+            </a:schemeClr>
+          </a:lnRef>
+          <a:fillRef idx="1">
+            <a:schemeClr val="accent1"/>
+          </a:fillRef>
+          <a:effectRef idx="0">
+            <a:schemeClr val="accent1"/>
+          </a:effectRef>
+          <a:fontRef idx="minor">
+            <a:schemeClr val="lt1"/>
+          </a:fontRef>
+        </p:style>
+        <p:txBody>
+          <a:bodyPr rtlCol="0" anchor="ctr"/>
+          <a:lstStyle/>
+          <a:p>
+            <a:pPr algn="ctr"/>
+            <a:endParaRPr lang="en-NZ"/>
           </a:p>
         </p:txBody>
       </p:sp>
@@ -6673,9 +7575,7 @@
             <a:r>
               <a:rPr lang="en-NZ" dirty="0">
                 <a:solidFill>
-                  <a:schemeClr val="bg2">
-                    <a:lumMod val="75000"/>
-                  </a:schemeClr>
+                  <a:schemeClr val="bg1"/>
                 </a:solidFill>
                 <a:latin typeface="Berlin Sans FB" panose="020E0602020502020306" pitchFamily="34" charset="0"/>
               </a:rPr>
@@ -6735,7 +7635,7 @@
             <a:r>
               <a:rPr lang="en-NZ" dirty="0">
                 <a:solidFill>
-                  <a:srgbClr val="333399"/>
+                  <a:schemeClr val="bg1"/>
                 </a:solidFill>
                 <a:latin typeface="Berlin Sans FB" panose="020E0602020502020306" pitchFamily="34" charset="0"/>
               </a:rPr>
@@ -6765,7 +7665,7 @@
             <a:avLst/>
           </a:prstGeom>
           <a:solidFill>
-            <a:srgbClr val="D0CECE"/>
+            <a:srgbClr val="595959"/>
           </a:solidFill>
           <a:ln>
             <a:noFill/>
@@ -6795,9 +7695,7 @@
             <a:r>
               <a:rPr lang="en-NZ" dirty="0">
                 <a:solidFill>
-                  <a:schemeClr val="bg2">
-                    <a:lumMod val="75000"/>
-                  </a:schemeClr>
+                  <a:schemeClr val="bg1"/>
                 </a:solidFill>
                 <a:latin typeface="Berlin Sans FB" panose="020E0602020502020306" pitchFamily="34" charset="0"/>
               </a:rPr>
@@ -6857,9 +7755,7 @@
             <a:r>
               <a:rPr lang="en-NZ" dirty="0">
                 <a:solidFill>
-                  <a:schemeClr val="bg2">
-                    <a:lumMod val="75000"/>
-                  </a:schemeClr>
+                  <a:schemeClr val="bg1"/>
                 </a:solidFill>
                 <a:latin typeface="Berlin Sans FB" panose="020E0602020502020306" pitchFamily="34" charset="0"/>
               </a:rPr>
@@ -6919,9 +7815,7 @@
             <a:r>
               <a:rPr lang="en-NZ" dirty="0">
                 <a:solidFill>
-                  <a:schemeClr val="bg2">
-                    <a:lumMod val="75000"/>
-                  </a:schemeClr>
+                  <a:schemeClr val="bg1"/>
                 </a:solidFill>
                 <a:latin typeface="Berlin Sans FB" panose="020E0602020502020306" pitchFamily="34" charset="0"/>
               </a:rPr>
@@ -6932,118 +7826,6 @@
       </p:sp>
       <p:sp>
         <p:nvSpPr>
-          <p:cNvPr id="15" name="Rectangle: Rounded Corners 14">
-            <a:extLst>
-              <a:ext uri="{FF2B5EF4-FFF2-40B4-BE49-F238E27FC236}">
-                <a16:creationId xmlns:a16="http://schemas.microsoft.com/office/drawing/2014/main" id="{EFFA7139-3E02-465A-BA02-9786801F9441}"/>
-              </a:ext>
-            </a:extLst>
-          </p:cNvPr>
-          <p:cNvSpPr/>
-          <p:nvPr/>
-        </p:nvSpPr>
-        <p:spPr>
-          <a:xfrm>
-            <a:off x="6378846" y="851545"/>
-            <a:ext cx="608400" cy="435975"/>
-          </a:xfrm>
-          <a:prstGeom prst="roundRect">
-            <a:avLst/>
-          </a:prstGeom>
-          <a:solidFill>
-            <a:schemeClr val="bg2">
-              <a:lumMod val="75000"/>
-            </a:schemeClr>
-          </a:solidFill>
-          <a:ln>
-            <a:solidFill>
-              <a:schemeClr val="bg2">
-                <a:lumMod val="75000"/>
-              </a:schemeClr>
-            </a:solidFill>
-          </a:ln>
-        </p:spPr>
-        <p:style>
-          <a:lnRef idx="2">
-            <a:schemeClr val="accent1">
-              <a:shade val="50000"/>
-            </a:schemeClr>
-          </a:lnRef>
-          <a:fillRef idx="1">
-            <a:schemeClr val="accent1"/>
-          </a:fillRef>
-          <a:effectRef idx="0">
-            <a:schemeClr val="accent1"/>
-          </a:effectRef>
-          <a:fontRef idx="minor">
-            <a:schemeClr val="lt1"/>
-          </a:fontRef>
-        </p:style>
-        <p:txBody>
-          <a:bodyPr rtlCol="0" anchor="ctr"/>
-          <a:lstStyle/>
-          <a:p>
-            <a:pPr algn="ctr"/>
-            <a:endParaRPr lang="en-NZ"/>
-          </a:p>
-        </p:txBody>
-      </p:sp>
-      <p:sp>
-        <p:nvSpPr>
-          <p:cNvPr id="16" name="Rectangle 15">
-            <a:extLst>
-              <a:ext uri="{FF2B5EF4-FFF2-40B4-BE49-F238E27FC236}">
-                <a16:creationId xmlns:a16="http://schemas.microsoft.com/office/drawing/2014/main" id="{ACD23DAB-0AC1-4895-B4DF-B8DDCAE9AC09}"/>
-              </a:ext>
-            </a:extLst>
-          </p:cNvPr>
-          <p:cNvSpPr/>
-          <p:nvPr/>
-        </p:nvSpPr>
-        <p:spPr>
-          <a:xfrm>
-            <a:off x="6378844" y="851545"/>
-            <a:ext cx="150461" cy="435976"/>
-          </a:xfrm>
-          <a:prstGeom prst="rect">
-            <a:avLst/>
-          </a:prstGeom>
-          <a:solidFill>
-            <a:schemeClr val="bg2">
-              <a:lumMod val="75000"/>
-            </a:schemeClr>
-          </a:solidFill>
-          <a:ln>
-            <a:noFill/>
-          </a:ln>
-        </p:spPr>
-        <p:style>
-          <a:lnRef idx="2">
-            <a:schemeClr val="accent1">
-              <a:shade val="50000"/>
-            </a:schemeClr>
-          </a:lnRef>
-          <a:fillRef idx="1">
-            <a:schemeClr val="accent1"/>
-          </a:fillRef>
-          <a:effectRef idx="0">
-            <a:schemeClr val="accent1"/>
-          </a:effectRef>
-          <a:fontRef idx="minor">
-            <a:schemeClr val="lt1"/>
-          </a:fontRef>
-        </p:style>
-        <p:txBody>
-          <a:bodyPr rtlCol="0" anchor="ctr"/>
-          <a:lstStyle/>
-          <a:p>
-            <a:pPr algn="ctr"/>
-            <a:endParaRPr lang="en-NZ"/>
-          </a:p>
-        </p:txBody>
-      </p:sp>
-      <p:sp>
-        <p:nvSpPr>
           <p:cNvPr id="17" name="Rectangle: Rounded Corners 16">
             <a:extLst>
               <a:ext uri="{FF2B5EF4-FFF2-40B4-BE49-F238E27FC236}">
@@ -7065,11 +7847,11 @@
             </a:avLst>
           </a:prstGeom>
           <a:solidFill>
-            <a:srgbClr val="333399"/>
+            <a:srgbClr val="595959"/>
           </a:solidFill>
           <a:ln w="57150">
             <a:solidFill>
-              <a:srgbClr val="000066"/>
+              <a:srgbClr val="404040"/>
             </a:solidFill>
           </a:ln>
         </p:spPr>
@@ -7151,7 +7933,7 @@
             <a:r>
               <a:rPr lang="en-NZ" sz="2000" dirty="0">
                 <a:solidFill>
-                  <a:srgbClr val="D0CECE"/>
+                  <a:schemeClr val="bg1"/>
                 </a:solidFill>
                 <a:latin typeface="Berlin Sans FB" panose="020E0602020502020306" pitchFamily="34" charset="0"/>
               </a:rPr>
@@ -7210,9 +7992,9 @@
           <a:lstStyle/>
           <a:p>
             <a:r>
-              <a:rPr lang="en-NZ" sz="1600" b="0" i="0" dirty="0">
+              <a:rPr lang="en-NZ" sz="1600" i="0" dirty="0">
                 <a:solidFill>
-                  <a:srgbClr val="D0CECE"/>
+                  <a:schemeClr val="bg1"/>
                 </a:solidFill>
                 <a:effectLst/>
                 <a:latin typeface="Berlin Sans FB" panose="020E0602020502020306" pitchFamily="34" charset="0"/>
@@ -7220,9 +8002,9 @@
               <a:t>Lorem ipsum </a:t>
             </a:r>
             <a:r>
-              <a:rPr lang="en-NZ" sz="1600" b="0" i="0" dirty="0" err="1">
+              <a:rPr lang="en-NZ" sz="1600" i="0" dirty="0" err="1">
                 <a:solidFill>
-                  <a:srgbClr val="D0CECE"/>
+                  <a:schemeClr val="bg1"/>
                 </a:solidFill>
                 <a:effectLst/>
                 <a:latin typeface="Berlin Sans FB" panose="020E0602020502020306" pitchFamily="34" charset="0"/>
@@ -7230,19 +8012,39 @@
               <a:t>dolor</a:t>
             </a:r>
             <a:r>
-              <a:rPr lang="en-NZ" sz="1600" b="0" i="0" dirty="0">
+              <a:rPr lang="en-NZ" sz="1600" i="0" dirty="0">
                 <a:solidFill>
-                  <a:srgbClr val="D0CECE"/>
+                  <a:schemeClr val="bg1"/>
                 </a:solidFill>
                 <a:effectLst/>
                 <a:latin typeface="Berlin Sans FB" panose="020E0602020502020306" pitchFamily="34" charset="0"/>
               </a:rPr>
-              <a:t> sit amet, </a:t>
-            </a:r>
-            <a:r>
-              <a:rPr lang="en-NZ" sz="1600" b="0" i="0" dirty="0" err="1">
+              <a:t> sit </a:t>
+            </a:r>
+            <a:r>
+              <a:rPr lang="en-NZ" sz="1600" i="0" dirty="0" err="1">
                 <a:solidFill>
-                  <a:srgbClr val="D0CECE"/>
+                  <a:schemeClr val="bg1"/>
+                </a:solidFill>
+                <a:effectLst/>
+                <a:latin typeface="Berlin Sans FB" panose="020E0602020502020306" pitchFamily="34" charset="0"/>
+              </a:rPr>
+              <a:t>amet</a:t>
+            </a:r>
+            <a:r>
+              <a:rPr lang="en-NZ" sz="1600" i="0" dirty="0">
+                <a:solidFill>
+                  <a:schemeClr val="bg1"/>
+                </a:solidFill>
+                <a:effectLst/>
+                <a:latin typeface="Berlin Sans FB" panose="020E0602020502020306" pitchFamily="34" charset="0"/>
+              </a:rPr>
+              <a:t>, </a:t>
+            </a:r>
+            <a:r>
+              <a:rPr lang="en-NZ" sz="1600" i="0" dirty="0" err="1">
+                <a:solidFill>
+                  <a:schemeClr val="bg1"/>
                 </a:solidFill>
                 <a:effectLst/>
                 <a:latin typeface="Berlin Sans FB" panose="020E0602020502020306" pitchFamily="34" charset="0"/>
@@ -7250,9 +8052,9 @@
               <a:t>consectetur</a:t>
             </a:r>
             <a:r>
-              <a:rPr lang="en-NZ" sz="1600" b="0" i="0" dirty="0">
+              <a:rPr lang="en-NZ" sz="1600" i="0" dirty="0">
                 <a:solidFill>
-                  <a:srgbClr val="D0CECE"/>
+                  <a:schemeClr val="bg1"/>
                 </a:solidFill>
                 <a:effectLst/>
                 <a:latin typeface="Berlin Sans FB" panose="020E0602020502020306" pitchFamily="34" charset="0"/>
@@ -7260,9 +8062,9 @@
               <a:t> </a:t>
             </a:r>
             <a:r>
-              <a:rPr lang="en-NZ" sz="1600" b="0" i="0" dirty="0" err="1">
+              <a:rPr lang="en-NZ" sz="1600" i="0" dirty="0" err="1">
                 <a:solidFill>
-                  <a:srgbClr val="D0CECE"/>
+                  <a:schemeClr val="bg1"/>
                 </a:solidFill>
                 <a:effectLst/>
                 <a:latin typeface="Berlin Sans FB" panose="020E0602020502020306" pitchFamily="34" charset="0"/>
@@ -7270,9 +8072,9 @@
               <a:t>adipiscing</a:t>
             </a:r>
             <a:r>
-              <a:rPr lang="en-NZ" sz="1600" b="0" i="0" dirty="0">
+              <a:rPr lang="en-NZ" sz="1600" i="0" dirty="0">
                 <a:solidFill>
-                  <a:srgbClr val="D0CECE"/>
+                  <a:schemeClr val="bg1"/>
                 </a:solidFill>
                 <a:effectLst/>
                 <a:latin typeface="Berlin Sans FB" panose="020E0602020502020306" pitchFamily="34" charset="0"/>
@@ -7280,9 +8082,9 @@
               <a:t> </a:t>
             </a:r>
             <a:r>
-              <a:rPr lang="en-NZ" sz="1600" b="0" i="0" dirty="0" err="1">
+              <a:rPr lang="en-NZ" sz="1600" i="0" dirty="0" err="1">
                 <a:solidFill>
-                  <a:srgbClr val="D0CECE"/>
+                  <a:schemeClr val="bg1"/>
                 </a:solidFill>
                 <a:effectLst/>
                 <a:latin typeface="Berlin Sans FB" panose="020E0602020502020306" pitchFamily="34" charset="0"/>
@@ -7290,9 +8092,9 @@
               <a:t>elit</a:t>
             </a:r>
             <a:r>
-              <a:rPr lang="en-NZ" sz="1600" b="0" i="0" dirty="0">
+              <a:rPr lang="en-NZ" sz="1600" i="0" dirty="0">
                 <a:solidFill>
-                  <a:srgbClr val="D0CECE"/>
+                  <a:schemeClr val="bg1"/>
                 </a:solidFill>
                 <a:effectLst/>
                 <a:latin typeface="Berlin Sans FB" panose="020E0602020502020306" pitchFamily="34" charset="0"/>
@@ -7300,9 +8102,9 @@
               <a:t>, </a:t>
             </a:r>
             <a:r>
-              <a:rPr lang="en-NZ" sz="1600" b="0" i="0" dirty="0" err="1">
+              <a:rPr lang="en-NZ" sz="1600" i="0" dirty="0" err="1">
                 <a:solidFill>
-                  <a:srgbClr val="D0CECE"/>
+                  <a:schemeClr val="bg1"/>
                 </a:solidFill>
                 <a:effectLst/>
                 <a:latin typeface="Berlin Sans FB" panose="020E0602020502020306" pitchFamily="34" charset="0"/>
@@ -7310,9 +8112,9 @@
               <a:t>sed</a:t>
             </a:r>
             <a:r>
-              <a:rPr lang="en-NZ" sz="1600" b="0" i="0" dirty="0">
+              <a:rPr lang="en-NZ" sz="1600" i="0" dirty="0">
                 <a:solidFill>
-                  <a:srgbClr val="D0CECE"/>
+                  <a:schemeClr val="bg1"/>
                 </a:solidFill>
                 <a:effectLst/>
                 <a:latin typeface="Berlin Sans FB" panose="020E0602020502020306" pitchFamily="34" charset="0"/>
@@ -7320,9 +8122,9 @@
               <a:t> do </a:t>
             </a:r>
             <a:r>
-              <a:rPr lang="en-NZ" sz="1600" b="0" i="0" dirty="0" err="1">
+              <a:rPr lang="en-NZ" sz="1600" i="0" dirty="0" err="1">
                 <a:solidFill>
-                  <a:srgbClr val="D0CECE"/>
+                  <a:schemeClr val="bg1"/>
                 </a:solidFill>
                 <a:effectLst/>
                 <a:latin typeface="Berlin Sans FB" panose="020E0602020502020306" pitchFamily="34" charset="0"/>
@@ -7330,9 +8132,9 @@
               <a:t>eiusmod</a:t>
             </a:r>
             <a:r>
-              <a:rPr lang="en-NZ" sz="1600" b="0" i="0" dirty="0">
+              <a:rPr lang="en-NZ" sz="1600" i="0" dirty="0">
                 <a:solidFill>
-                  <a:srgbClr val="D0CECE"/>
+                  <a:schemeClr val="bg1"/>
                 </a:solidFill>
                 <a:effectLst/>
                 <a:latin typeface="Berlin Sans FB" panose="020E0602020502020306" pitchFamily="34" charset="0"/>
@@ -7340,9 +8142,9 @@
               <a:t> </a:t>
             </a:r>
             <a:r>
-              <a:rPr lang="en-NZ" sz="1600" b="0" i="0" dirty="0" err="1">
+              <a:rPr lang="en-NZ" sz="1600" i="0" dirty="0" err="1">
                 <a:solidFill>
-                  <a:srgbClr val="D0CECE"/>
+                  <a:schemeClr val="bg1"/>
                 </a:solidFill>
                 <a:effectLst/>
                 <a:latin typeface="Berlin Sans FB" panose="020E0602020502020306" pitchFamily="34" charset="0"/>
@@ -7350,9 +8152,9 @@
               <a:t>tempor</a:t>
             </a:r>
             <a:r>
-              <a:rPr lang="en-NZ" sz="1600" b="0" i="0" dirty="0">
+              <a:rPr lang="en-NZ" sz="1600" i="0" dirty="0">
                 <a:solidFill>
-                  <a:srgbClr val="D0CECE"/>
+                  <a:schemeClr val="bg1"/>
                 </a:solidFill>
                 <a:effectLst/>
                 <a:latin typeface="Berlin Sans FB" panose="020E0602020502020306" pitchFamily="34" charset="0"/>
@@ -7360,9 +8162,9 @@
               <a:t> </a:t>
             </a:r>
             <a:r>
-              <a:rPr lang="en-NZ" sz="1600" b="0" i="0" dirty="0" err="1">
+              <a:rPr lang="en-NZ" sz="1600" i="0" dirty="0" err="1">
                 <a:solidFill>
-                  <a:srgbClr val="D0CECE"/>
+                  <a:schemeClr val="bg1"/>
                 </a:solidFill>
                 <a:effectLst/>
                 <a:latin typeface="Berlin Sans FB" panose="020E0602020502020306" pitchFamily="34" charset="0"/>
@@ -7370,9 +8172,9 @@
               <a:t>incididunt</a:t>
             </a:r>
             <a:r>
-              <a:rPr lang="en-NZ" sz="1600" b="0" i="0" dirty="0">
+              <a:rPr lang="en-NZ" sz="1600" i="0" dirty="0">
                 <a:solidFill>
-                  <a:srgbClr val="D0CECE"/>
+                  <a:schemeClr val="bg1"/>
                 </a:solidFill>
                 <a:effectLst/>
                 <a:latin typeface="Berlin Sans FB" panose="020E0602020502020306" pitchFamily="34" charset="0"/>
@@ -7380,9 +8182,9 @@
               <a:t> </a:t>
             </a:r>
             <a:r>
-              <a:rPr lang="en-NZ" sz="1600" b="0" i="0" dirty="0" err="1">
+              <a:rPr lang="en-NZ" sz="1600" i="0" dirty="0" err="1">
                 <a:solidFill>
-                  <a:srgbClr val="D0CECE"/>
+                  <a:schemeClr val="bg1"/>
                 </a:solidFill>
                 <a:effectLst/>
                 <a:latin typeface="Berlin Sans FB" panose="020E0602020502020306" pitchFamily="34" charset="0"/>
@@ -7390,9 +8192,9 @@
               <a:t>ut</a:t>
             </a:r>
             <a:r>
-              <a:rPr lang="en-NZ" sz="1600" b="0" i="0" dirty="0">
+              <a:rPr lang="en-NZ" sz="1600" i="0" dirty="0">
                 <a:solidFill>
-                  <a:srgbClr val="D0CECE"/>
+                  <a:schemeClr val="bg1"/>
                 </a:solidFill>
                 <a:effectLst/>
                 <a:latin typeface="Berlin Sans FB" panose="020E0602020502020306" pitchFamily="34" charset="0"/>
@@ -7400,9 +8202,9 @@
               <a:t> labore et dolore magna </a:t>
             </a:r>
             <a:r>
-              <a:rPr lang="en-NZ" sz="1600" b="0" i="0" dirty="0" err="1">
+              <a:rPr lang="en-NZ" sz="1600" i="0" dirty="0" err="1">
                 <a:solidFill>
-                  <a:srgbClr val="D0CECE"/>
+                  <a:schemeClr val="bg1"/>
                 </a:solidFill>
                 <a:effectLst/>
                 <a:latin typeface="Berlin Sans FB" panose="020E0602020502020306" pitchFamily="34" charset="0"/>
@@ -7410,9 +8212,9 @@
               <a:t>aliqua</a:t>
             </a:r>
             <a:r>
-              <a:rPr lang="en-NZ" sz="1600" b="0" i="0" dirty="0">
+              <a:rPr lang="en-NZ" sz="1600" i="0" dirty="0">
                 <a:solidFill>
-                  <a:srgbClr val="D0CECE"/>
+                  <a:srgbClr val="AFABAB"/>
                 </a:solidFill>
                 <a:effectLst/>
                 <a:latin typeface="Berlin Sans FB" panose="020E0602020502020306" pitchFamily="34" charset="0"/>
@@ -7421,43 +8223,13 @@
             </a:r>
             <a:endParaRPr lang="en-NZ" sz="1600" dirty="0">
               <a:solidFill>
-                <a:srgbClr val="D0CECE"/>
+                <a:srgbClr val="AFABAB"/>
               </a:solidFill>
               <a:latin typeface="Berlin Sans FB" panose="020E0602020502020306" pitchFamily="34" charset="0"/>
             </a:endParaRPr>
           </a:p>
         </p:txBody>
       </p:sp>
-      <p:pic>
-        <p:nvPicPr>
-          <p:cNvPr id="20" name="Picture 19">
-            <a:extLst>
-              <a:ext uri="{FF2B5EF4-FFF2-40B4-BE49-F238E27FC236}">
-                <a16:creationId xmlns:a16="http://schemas.microsoft.com/office/drawing/2014/main" id="{EA2EAE4E-C89C-4B81-82C0-E5E13D78735C}"/>
-              </a:ext>
-            </a:extLst>
-          </p:cNvPr>
-          <p:cNvPicPr>
-            <a:picLocks noChangeAspect="1"/>
-          </p:cNvPicPr>
-          <p:nvPr/>
-        </p:nvPicPr>
-        <p:blipFill>
-          <a:blip r:embed="rId2"/>
-          <a:stretch>
-            <a:fillRect/>
-          </a:stretch>
-        </p:blipFill>
-        <p:spPr>
-          <a:xfrm>
-            <a:off x="6452345" y="851545"/>
-            <a:ext cx="461401" cy="461401"/>
-          </a:xfrm>
-          <a:prstGeom prst="rect">
-            <a:avLst/>
-          </a:prstGeom>
-        </p:spPr>
-      </p:pic>
       <p:sp>
         <p:nvSpPr>
           <p:cNvPr id="21" name="Rectangle 20">
@@ -7479,13 +8251,11 @@
             <a:avLst/>
           </a:prstGeom>
           <a:solidFill>
-            <a:srgbClr val="D0CECE"/>
+            <a:srgbClr val="AFABAB"/>
           </a:solidFill>
           <a:ln w="38100">
             <a:solidFill>
-              <a:schemeClr val="bg2">
-                <a:lumMod val="50000"/>
-              </a:schemeClr>
+              <a:srgbClr val="595959"/>
             </a:solidFill>
           </a:ln>
         </p:spPr>
@@ -7535,7 +8305,7 @@
             <a:avLst/>
           </a:prstGeom>
           <a:solidFill>
-            <a:srgbClr val="767171"/>
+            <a:srgbClr val="595959"/>
           </a:solidFill>
           <a:ln>
             <a:noFill/>
@@ -7656,7 +8426,10 @@
             <a:avLst/>
           </a:prstGeom>
           <a:solidFill>
-            <a:srgbClr val="767171"/>
+            <a:schemeClr val="tx1">
+              <a:lumMod val="65000"/>
+              <a:lumOff val="35000"/>
+            </a:schemeClr>
           </a:solidFill>
           <a:ln>
             <a:noFill/>
@@ -7685,21 +8458,21 @@
             <a:pPr algn="ctr"/>
             <a:r>
               <a:rPr lang="en-NZ" sz="1200" dirty="0"/>
-              <a:t>118</a:t>
+              <a:t>89</a:t>
             </a:r>
           </a:p>
           <a:p>
             <a:pPr algn="ctr"/>
             <a:r>
               <a:rPr lang="en-NZ" sz="1200" dirty="0"/>
-              <a:t>113</a:t>
+              <a:t>89</a:t>
             </a:r>
           </a:p>
           <a:p>
             <a:pPr algn="ctr"/>
             <a:r>
               <a:rPr lang="en-NZ" sz="1200" dirty="0"/>
-              <a:t>113</a:t>
+              <a:t>89</a:t>
             </a:r>
           </a:p>
         </p:txBody>
@@ -7725,7 +8498,7 @@
             <a:avLst/>
           </a:prstGeom>
           <a:solidFill>
-            <a:srgbClr val="D0CECE"/>
+            <a:srgbClr val="AFABAB"/>
           </a:solidFill>
           <a:ln>
             <a:noFill/>
@@ -7754,21 +8527,21 @@
             <a:pPr algn="ctr"/>
             <a:r>
               <a:rPr lang="en-NZ" sz="1200" dirty="0"/>
-              <a:t>208</a:t>
+              <a:t>175</a:t>
             </a:r>
           </a:p>
           <a:p>
             <a:pPr algn="ctr"/>
             <a:r>
               <a:rPr lang="en-NZ" sz="1200" dirty="0"/>
-              <a:t>206</a:t>
+              <a:t>171</a:t>
             </a:r>
           </a:p>
           <a:p>
             <a:pPr algn="ctr"/>
             <a:r>
               <a:rPr lang="en-NZ" sz="1200" dirty="0"/>
-              <a:t>206</a:t>
+              <a:t>171</a:t>
             </a:r>
           </a:p>
         </p:txBody>
@@ -8063,7 +8836,7 @@
             <a:r>
               <a:rPr lang="en-NZ" sz="2000" dirty="0">
                 <a:solidFill>
-                  <a:srgbClr val="D0CECE"/>
+                  <a:srgbClr val="AFABAB"/>
                 </a:solidFill>
                 <a:latin typeface="Berlin Sans FB" panose="020E0602020502020306" pitchFamily="34" charset="0"/>
               </a:rPr>
@@ -8331,9 +9104,7 @@
             <a:r>
               <a:rPr lang="en-NZ" sz="1600" dirty="0">
                 <a:solidFill>
-                  <a:schemeClr val="bg2">
-                    <a:lumMod val="75000"/>
-                  </a:schemeClr>
+                  <a:schemeClr val="bg1"/>
                 </a:solidFill>
                 <a:latin typeface="Berlin Sans FB" panose="020E0602020502020306" pitchFamily="34" charset="0"/>
               </a:rPr>
@@ -8393,7 +9164,7 @@
             <a:r>
               <a:rPr lang="en-NZ" sz="1600" dirty="0">
                 <a:solidFill>
-                  <a:srgbClr val="333399"/>
+                  <a:schemeClr val="bg1"/>
                 </a:solidFill>
                 <a:latin typeface="Berlin Sans FB" panose="020E0602020502020306" pitchFamily="34" charset="0"/>
               </a:rPr>
@@ -8423,7 +9194,7 @@
             <a:avLst/>
           </a:prstGeom>
           <a:solidFill>
-            <a:srgbClr val="D0CECE"/>
+            <a:srgbClr val="595959"/>
           </a:solidFill>
           <a:ln>
             <a:noFill/>
@@ -8453,9 +9224,7 @@
             <a:r>
               <a:rPr lang="en-NZ" sz="1600" dirty="0">
                 <a:solidFill>
-                  <a:schemeClr val="bg2">
-                    <a:lumMod val="75000"/>
-                  </a:schemeClr>
+                  <a:schemeClr val="bg1"/>
                 </a:solidFill>
                 <a:latin typeface="Berlin Sans FB" panose="020E0602020502020306" pitchFamily="34" charset="0"/>
               </a:rPr>
@@ -8464,12 +9233,944 @@
           </a:p>
         </p:txBody>
       </p:sp>
+      <p:sp>
+        <p:nvSpPr>
+          <p:cNvPr id="41" name="Rectangle: Rounded Corners 40">
+            <a:extLst>
+              <a:ext uri="{FF2B5EF4-FFF2-40B4-BE49-F238E27FC236}">
+                <a16:creationId xmlns:a16="http://schemas.microsoft.com/office/drawing/2014/main" id="{246E9D08-0240-4833-885A-BDB7CFE81BD2}"/>
+              </a:ext>
+            </a:extLst>
+          </p:cNvPr>
+          <p:cNvSpPr/>
+          <p:nvPr/>
+        </p:nvSpPr>
+        <p:spPr>
+          <a:xfrm>
+            <a:off x="6626129" y="2090158"/>
+            <a:ext cx="390141" cy="390141"/>
+          </a:xfrm>
+          <a:prstGeom prst="roundRect">
+            <a:avLst/>
+          </a:prstGeom>
+          <a:solidFill>
+            <a:srgbClr val="595959"/>
+          </a:solidFill>
+          <a:ln w="38100">
+            <a:solidFill>
+              <a:srgbClr val="404040"/>
+            </a:solidFill>
+          </a:ln>
+        </p:spPr>
+        <p:style>
+          <a:lnRef idx="2">
+            <a:schemeClr val="accent1">
+              <a:shade val="50000"/>
+            </a:schemeClr>
+          </a:lnRef>
+          <a:fillRef idx="1">
+            <a:schemeClr val="accent1"/>
+          </a:fillRef>
+          <a:effectRef idx="0">
+            <a:schemeClr val="accent1"/>
+          </a:effectRef>
+          <a:fontRef idx="minor">
+            <a:schemeClr val="lt1"/>
+          </a:fontRef>
+        </p:style>
+        <p:txBody>
+          <a:bodyPr rtlCol="0" anchor="ctr"/>
+          <a:lstStyle/>
+          <a:p>
+            <a:pPr algn="ctr"/>
+            <a:endParaRPr lang="en-NZ"/>
+          </a:p>
+        </p:txBody>
+      </p:sp>
+      <p:sp>
+        <p:nvSpPr>
+          <p:cNvPr id="42" name="Rectangle: Rounded Corners 41">
+            <a:extLst>
+              <a:ext uri="{FF2B5EF4-FFF2-40B4-BE49-F238E27FC236}">
+                <a16:creationId xmlns:a16="http://schemas.microsoft.com/office/drawing/2014/main" id="{6AB7F74A-0A58-43D8-9D9C-BD1536360EF7}"/>
+              </a:ext>
+            </a:extLst>
+          </p:cNvPr>
+          <p:cNvSpPr/>
+          <p:nvPr/>
+        </p:nvSpPr>
+        <p:spPr>
+          <a:xfrm>
+            <a:off x="6626129" y="2613842"/>
+            <a:ext cx="390141" cy="390141"/>
+          </a:xfrm>
+          <a:prstGeom prst="roundRect">
+            <a:avLst/>
+          </a:prstGeom>
+          <a:solidFill>
+            <a:srgbClr val="595959"/>
+          </a:solidFill>
+          <a:ln w="38100">
+            <a:solidFill>
+              <a:srgbClr val="404040"/>
+            </a:solidFill>
+          </a:ln>
+        </p:spPr>
+        <p:style>
+          <a:lnRef idx="2">
+            <a:schemeClr val="accent1">
+              <a:shade val="50000"/>
+            </a:schemeClr>
+          </a:lnRef>
+          <a:fillRef idx="1">
+            <a:schemeClr val="accent1"/>
+          </a:fillRef>
+          <a:effectRef idx="0">
+            <a:schemeClr val="accent1"/>
+          </a:effectRef>
+          <a:fontRef idx="minor">
+            <a:schemeClr val="lt1"/>
+          </a:fontRef>
+        </p:style>
+        <p:txBody>
+          <a:bodyPr rtlCol="0" anchor="ctr"/>
+          <a:lstStyle/>
+          <a:p>
+            <a:pPr algn="ctr"/>
+            <a:endParaRPr lang="en-NZ"/>
+          </a:p>
+        </p:txBody>
+      </p:sp>
+      <p:sp>
+        <p:nvSpPr>
+          <p:cNvPr id="45" name="Rectangle: Rounded Corners 44">
+            <a:extLst>
+              <a:ext uri="{FF2B5EF4-FFF2-40B4-BE49-F238E27FC236}">
+                <a16:creationId xmlns:a16="http://schemas.microsoft.com/office/drawing/2014/main" id="{9161DE0D-B2AD-49A4-9FD9-89655E72D484}"/>
+              </a:ext>
+            </a:extLst>
+          </p:cNvPr>
+          <p:cNvSpPr/>
+          <p:nvPr/>
+        </p:nvSpPr>
+        <p:spPr>
+          <a:xfrm>
+            <a:off x="6625346" y="4152848"/>
+            <a:ext cx="390141" cy="390141"/>
+          </a:xfrm>
+          <a:prstGeom prst="roundRect">
+            <a:avLst/>
+          </a:prstGeom>
+          <a:solidFill>
+            <a:srgbClr val="595959"/>
+          </a:solidFill>
+          <a:ln w="38100">
+            <a:solidFill>
+              <a:srgbClr val="404040"/>
+            </a:solidFill>
+          </a:ln>
+        </p:spPr>
+        <p:style>
+          <a:lnRef idx="2">
+            <a:schemeClr val="accent1">
+              <a:shade val="50000"/>
+            </a:schemeClr>
+          </a:lnRef>
+          <a:fillRef idx="1">
+            <a:schemeClr val="accent1"/>
+          </a:fillRef>
+          <a:effectRef idx="0">
+            <a:schemeClr val="accent1"/>
+          </a:effectRef>
+          <a:fontRef idx="minor">
+            <a:schemeClr val="lt1"/>
+          </a:fontRef>
+        </p:style>
+        <p:txBody>
+          <a:bodyPr rtlCol="0" anchor="ctr"/>
+          <a:lstStyle/>
+          <a:p>
+            <a:pPr algn="ctr"/>
+            <a:endParaRPr lang="en-NZ"/>
+          </a:p>
+        </p:txBody>
+      </p:sp>
+      <p:sp>
+        <p:nvSpPr>
+          <p:cNvPr id="46" name="Rectangle: Rounded Corners 45">
+            <a:extLst>
+              <a:ext uri="{FF2B5EF4-FFF2-40B4-BE49-F238E27FC236}">
+                <a16:creationId xmlns:a16="http://schemas.microsoft.com/office/drawing/2014/main" id="{ADC8DBA4-271C-4E47-8A3F-FC8A3F4CDF15}"/>
+              </a:ext>
+            </a:extLst>
+          </p:cNvPr>
+          <p:cNvSpPr/>
+          <p:nvPr/>
+        </p:nvSpPr>
+        <p:spPr>
+          <a:xfrm>
+            <a:off x="6625346" y="4676532"/>
+            <a:ext cx="390141" cy="390141"/>
+          </a:xfrm>
+          <a:prstGeom prst="roundRect">
+            <a:avLst/>
+          </a:prstGeom>
+          <a:solidFill>
+            <a:srgbClr val="595959"/>
+          </a:solidFill>
+          <a:ln w="38100">
+            <a:solidFill>
+              <a:srgbClr val="404040"/>
+            </a:solidFill>
+          </a:ln>
+        </p:spPr>
+        <p:style>
+          <a:lnRef idx="2">
+            <a:schemeClr val="accent1">
+              <a:shade val="50000"/>
+            </a:schemeClr>
+          </a:lnRef>
+          <a:fillRef idx="1">
+            <a:schemeClr val="accent1"/>
+          </a:fillRef>
+          <a:effectRef idx="0">
+            <a:schemeClr val="accent1"/>
+          </a:effectRef>
+          <a:fontRef idx="minor">
+            <a:schemeClr val="lt1"/>
+          </a:fontRef>
+        </p:style>
+        <p:txBody>
+          <a:bodyPr rtlCol="0" anchor="ctr"/>
+          <a:lstStyle/>
+          <a:p>
+            <a:pPr algn="ctr"/>
+            <a:endParaRPr lang="en-NZ"/>
+          </a:p>
+        </p:txBody>
+      </p:sp>
+      <p:sp>
+        <p:nvSpPr>
+          <p:cNvPr id="47" name="Rectangle: Rounded Corners 46">
+            <a:extLst>
+              <a:ext uri="{FF2B5EF4-FFF2-40B4-BE49-F238E27FC236}">
+                <a16:creationId xmlns:a16="http://schemas.microsoft.com/office/drawing/2014/main" id="{0FA3DB5C-7331-470F-9A6B-512B835C8706}"/>
+              </a:ext>
+            </a:extLst>
+          </p:cNvPr>
+          <p:cNvSpPr/>
+          <p:nvPr/>
+        </p:nvSpPr>
+        <p:spPr>
+          <a:xfrm>
+            <a:off x="6625346" y="5189534"/>
+            <a:ext cx="390141" cy="390141"/>
+          </a:xfrm>
+          <a:prstGeom prst="roundRect">
+            <a:avLst/>
+          </a:prstGeom>
+          <a:solidFill>
+            <a:srgbClr val="595959"/>
+          </a:solidFill>
+          <a:ln w="38100">
+            <a:solidFill>
+              <a:srgbClr val="404040"/>
+            </a:solidFill>
+          </a:ln>
+        </p:spPr>
+        <p:style>
+          <a:lnRef idx="2">
+            <a:schemeClr val="accent1">
+              <a:shade val="50000"/>
+            </a:schemeClr>
+          </a:lnRef>
+          <a:fillRef idx="1">
+            <a:schemeClr val="accent1"/>
+          </a:fillRef>
+          <a:effectRef idx="0">
+            <a:schemeClr val="accent1"/>
+          </a:effectRef>
+          <a:fontRef idx="minor">
+            <a:schemeClr val="lt1"/>
+          </a:fontRef>
+        </p:style>
+        <p:txBody>
+          <a:bodyPr rtlCol="0" anchor="ctr"/>
+          <a:lstStyle/>
+          <a:p>
+            <a:pPr algn="ctr"/>
+            <a:endParaRPr lang="en-NZ"/>
+          </a:p>
+        </p:txBody>
+      </p:sp>
+      <p:sp>
+        <p:nvSpPr>
+          <p:cNvPr id="48" name="Rectangle: Rounded Corners 47">
+            <a:extLst>
+              <a:ext uri="{FF2B5EF4-FFF2-40B4-BE49-F238E27FC236}">
+                <a16:creationId xmlns:a16="http://schemas.microsoft.com/office/drawing/2014/main" id="{2DFF1DE7-5E00-41AC-A9DA-0E3DA7B470E4}"/>
+              </a:ext>
+            </a:extLst>
+          </p:cNvPr>
+          <p:cNvSpPr/>
+          <p:nvPr/>
+        </p:nvSpPr>
+        <p:spPr>
+          <a:xfrm>
+            <a:off x="6624563" y="5702536"/>
+            <a:ext cx="390141" cy="390141"/>
+          </a:xfrm>
+          <a:prstGeom prst="roundRect">
+            <a:avLst/>
+          </a:prstGeom>
+          <a:solidFill>
+            <a:srgbClr val="595959"/>
+          </a:solidFill>
+          <a:ln w="38100">
+            <a:solidFill>
+              <a:srgbClr val="404040"/>
+            </a:solidFill>
+          </a:ln>
+        </p:spPr>
+        <p:style>
+          <a:lnRef idx="2">
+            <a:schemeClr val="accent1">
+              <a:shade val="50000"/>
+            </a:schemeClr>
+          </a:lnRef>
+          <a:fillRef idx="1">
+            <a:schemeClr val="accent1"/>
+          </a:fillRef>
+          <a:effectRef idx="0">
+            <a:schemeClr val="accent1"/>
+          </a:effectRef>
+          <a:fontRef idx="minor">
+            <a:schemeClr val="lt1"/>
+          </a:fontRef>
+        </p:style>
+        <p:txBody>
+          <a:bodyPr rtlCol="0" anchor="ctr"/>
+          <a:lstStyle/>
+          <a:p>
+            <a:pPr algn="ctr"/>
+            <a:endParaRPr lang="en-NZ"/>
+          </a:p>
+        </p:txBody>
+      </p:sp>
+      <p:sp>
+        <p:nvSpPr>
+          <p:cNvPr id="49" name="Isosceles Triangle 48">
+            <a:extLst>
+              <a:ext uri="{FF2B5EF4-FFF2-40B4-BE49-F238E27FC236}">
+                <a16:creationId xmlns:a16="http://schemas.microsoft.com/office/drawing/2014/main" id="{F0AFFC6D-B023-4F7E-812E-154E383DF8F0}"/>
+              </a:ext>
+            </a:extLst>
+          </p:cNvPr>
+          <p:cNvSpPr/>
+          <p:nvPr/>
+        </p:nvSpPr>
+        <p:spPr>
+          <a:xfrm>
+            <a:off x="6683045" y="2228264"/>
+            <a:ext cx="285225" cy="101354"/>
+          </a:xfrm>
+          <a:prstGeom prst="triangle">
+            <a:avLst/>
+          </a:prstGeom>
+          <a:solidFill>
+            <a:srgbClr val="AFABAB"/>
+          </a:solidFill>
+          <a:ln>
+            <a:noFill/>
+          </a:ln>
+        </p:spPr>
+        <p:style>
+          <a:lnRef idx="2">
+            <a:schemeClr val="accent1">
+              <a:shade val="50000"/>
+            </a:schemeClr>
+          </a:lnRef>
+          <a:fillRef idx="1">
+            <a:schemeClr val="accent1"/>
+          </a:fillRef>
+          <a:effectRef idx="0">
+            <a:schemeClr val="accent1"/>
+          </a:effectRef>
+          <a:fontRef idx="minor">
+            <a:schemeClr val="lt1"/>
+          </a:fontRef>
+        </p:style>
+        <p:txBody>
+          <a:bodyPr rtlCol="0" anchor="ctr"/>
+          <a:lstStyle/>
+          <a:p>
+            <a:pPr algn="ctr"/>
+            <a:endParaRPr lang="en-NZ"/>
+          </a:p>
+        </p:txBody>
+      </p:sp>
+      <p:sp>
+        <p:nvSpPr>
+          <p:cNvPr id="50" name="Isosceles Triangle 49">
+            <a:extLst>
+              <a:ext uri="{FF2B5EF4-FFF2-40B4-BE49-F238E27FC236}">
+                <a16:creationId xmlns:a16="http://schemas.microsoft.com/office/drawing/2014/main" id="{24A26DB9-35ED-4D34-A035-3299183FC518}"/>
+              </a:ext>
+            </a:extLst>
+          </p:cNvPr>
+          <p:cNvSpPr/>
+          <p:nvPr/>
+        </p:nvSpPr>
+        <p:spPr>
+          <a:xfrm rot="10800000">
+            <a:off x="6683045" y="2789717"/>
+            <a:ext cx="285225" cy="101354"/>
+          </a:xfrm>
+          <a:prstGeom prst="triangle">
+            <a:avLst/>
+          </a:prstGeom>
+          <a:solidFill>
+            <a:srgbClr val="AFABAB"/>
+          </a:solidFill>
+          <a:ln>
+            <a:noFill/>
+          </a:ln>
+        </p:spPr>
+        <p:style>
+          <a:lnRef idx="2">
+            <a:schemeClr val="accent1">
+              <a:shade val="50000"/>
+            </a:schemeClr>
+          </a:lnRef>
+          <a:fillRef idx="1">
+            <a:schemeClr val="accent1"/>
+          </a:fillRef>
+          <a:effectRef idx="0">
+            <a:schemeClr val="accent1"/>
+          </a:effectRef>
+          <a:fontRef idx="minor">
+            <a:schemeClr val="lt1"/>
+          </a:fontRef>
+        </p:style>
+        <p:txBody>
+          <a:bodyPr rtlCol="0" anchor="ctr"/>
+          <a:lstStyle/>
+          <a:p>
+            <a:pPr algn="ctr"/>
+            <a:endParaRPr lang="en-NZ"/>
+          </a:p>
+        </p:txBody>
+      </p:sp>
+      <p:sp>
+        <p:nvSpPr>
+          <p:cNvPr id="51" name="Rectangle: Rounded Corners 50">
+            <a:extLst>
+              <a:ext uri="{FF2B5EF4-FFF2-40B4-BE49-F238E27FC236}">
+                <a16:creationId xmlns:a16="http://schemas.microsoft.com/office/drawing/2014/main" id="{670C976D-9959-4DA5-89B5-185E24CC3718}"/>
+              </a:ext>
+            </a:extLst>
+          </p:cNvPr>
+          <p:cNvSpPr/>
+          <p:nvPr/>
+        </p:nvSpPr>
+        <p:spPr>
+          <a:xfrm>
+            <a:off x="6624563" y="3116162"/>
+            <a:ext cx="390141" cy="390141"/>
+          </a:xfrm>
+          <a:prstGeom prst="roundRect">
+            <a:avLst/>
+          </a:prstGeom>
+          <a:solidFill>
+            <a:srgbClr val="595959"/>
+          </a:solidFill>
+          <a:ln w="38100">
+            <a:solidFill>
+              <a:srgbClr val="404040"/>
+            </a:solidFill>
+          </a:ln>
+        </p:spPr>
+        <p:style>
+          <a:lnRef idx="2">
+            <a:schemeClr val="accent1">
+              <a:shade val="50000"/>
+            </a:schemeClr>
+          </a:lnRef>
+          <a:fillRef idx="1">
+            <a:schemeClr val="accent1"/>
+          </a:fillRef>
+          <a:effectRef idx="0">
+            <a:schemeClr val="accent1"/>
+          </a:effectRef>
+          <a:fontRef idx="minor">
+            <a:schemeClr val="lt1"/>
+          </a:fontRef>
+        </p:style>
+        <p:txBody>
+          <a:bodyPr rtlCol="0" anchor="ctr"/>
+          <a:lstStyle/>
+          <a:p>
+            <a:pPr algn="ctr"/>
+            <a:endParaRPr lang="en-NZ"/>
+          </a:p>
+        </p:txBody>
+      </p:sp>
+      <p:sp>
+        <p:nvSpPr>
+          <p:cNvPr id="52" name="Rectangle: Rounded Corners 51">
+            <a:extLst>
+              <a:ext uri="{FF2B5EF4-FFF2-40B4-BE49-F238E27FC236}">
+                <a16:creationId xmlns:a16="http://schemas.microsoft.com/office/drawing/2014/main" id="{D286F665-16BC-45A2-B724-187460C13767}"/>
+              </a:ext>
+            </a:extLst>
+          </p:cNvPr>
+          <p:cNvSpPr/>
+          <p:nvPr/>
+        </p:nvSpPr>
+        <p:spPr>
+          <a:xfrm>
+            <a:off x="6624563" y="3639846"/>
+            <a:ext cx="390141" cy="390141"/>
+          </a:xfrm>
+          <a:prstGeom prst="roundRect">
+            <a:avLst/>
+          </a:prstGeom>
+          <a:solidFill>
+            <a:srgbClr val="595959"/>
+          </a:solidFill>
+          <a:ln w="38100">
+            <a:solidFill>
+              <a:srgbClr val="404040"/>
+            </a:solidFill>
+          </a:ln>
+        </p:spPr>
+        <p:style>
+          <a:lnRef idx="2">
+            <a:schemeClr val="accent1">
+              <a:shade val="50000"/>
+            </a:schemeClr>
+          </a:lnRef>
+          <a:fillRef idx="1">
+            <a:schemeClr val="accent1"/>
+          </a:fillRef>
+          <a:effectRef idx="0">
+            <a:schemeClr val="accent1"/>
+          </a:effectRef>
+          <a:fontRef idx="minor">
+            <a:schemeClr val="lt1"/>
+          </a:fontRef>
+        </p:style>
+        <p:txBody>
+          <a:bodyPr rtlCol="0" anchor="ctr"/>
+          <a:lstStyle/>
+          <a:p>
+            <a:pPr algn="ctr"/>
+            <a:endParaRPr lang="en-NZ"/>
+          </a:p>
+        </p:txBody>
+      </p:sp>
+      <p:sp>
+        <p:nvSpPr>
+          <p:cNvPr id="53" name="Isosceles Triangle 52">
+            <a:extLst>
+              <a:ext uri="{FF2B5EF4-FFF2-40B4-BE49-F238E27FC236}">
+                <a16:creationId xmlns:a16="http://schemas.microsoft.com/office/drawing/2014/main" id="{59CE202F-ABED-42DE-9C00-F7F390C65E9C}"/>
+              </a:ext>
+            </a:extLst>
+          </p:cNvPr>
+          <p:cNvSpPr/>
+          <p:nvPr/>
+        </p:nvSpPr>
+        <p:spPr>
+          <a:xfrm rot="5400000">
+            <a:off x="6677021" y="3263478"/>
+            <a:ext cx="285225" cy="101354"/>
+          </a:xfrm>
+          <a:prstGeom prst="triangle">
+            <a:avLst/>
+          </a:prstGeom>
+          <a:solidFill>
+            <a:srgbClr val="AFABAB"/>
+          </a:solidFill>
+          <a:ln>
+            <a:noFill/>
+          </a:ln>
+        </p:spPr>
+        <p:style>
+          <a:lnRef idx="2">
+            <a:schemeClr val="accent1">
+              <a:shade val="50000"/>
+            </a:schemeClr>
+          </a:lnRef>
+          <a:fillRef idx="1">
+            <a:schemeClr val="accent1"/>
+          </a:fillRef>
+          <a:effectRef idx="0">
+            <a:schemeClr val="accent1"/>
+          </a:effectRef>
+          <a:fontRef idx="minor">
+            <a:schemeClr val="lt1"/>
+          </a:fontRef>
+        </p:style>
+        <p:txBody>
+          <a:bodyPr rtlCol="0" anchor="ctr"/>
+          <a:lstStyle/>
+          <a:p>
+            <a:pPr algn="ctr"/>
+            <a:endParaRPr lang="en-NZ"/>
+          </a:p>
+        </p:txBody>
+      </p:sp>
+      <p:sp>
+        <p:nvSpPr>
+          <p:cNvPr id="54" name="Isosceles Triangle 53">
+            <a:extLst>
+              <a:ext uri="{FF2B5EF4-FFF2-40B4-BE49-F238E27FC236}">
+                <a16:creationId xmlns:a16="http://schemas.microsoft.com/office/drawing/2014/main" id="{FC60AB4A-50CA-4D1B-A823-3A28D14E48FC}"/>
+              </a:ext>
+            </a:extLst>
+          </p:cNvPr>
+          <p:cNvSpPr/>
+          <p:nvPr/>
+        </p:nvSpPr>
+        <p:spPr>
+          <a:xfrm rot="16200000">
+            <a:off x="6677021" y="3784238"/>
+            <a:ext cx="285225" cy="101354"/>
+          </a:xfrm>
+          <a:prstGeom prst="triangle">
+            <a:avLst/>
+          </a:prstGeom>
+          <a:solidFill>
+            <a:srgbClr val="AFABAB"/>
+          </a:solidFill>
+          <a:ln>
+            <a:noFill/>
+          </a:ln>
+        </p:spPr>
+        <p:style>
+          <a:lnRef idx="2">
+            <a:schemeClr val="accent1">
+              <a:shade val="50000"/>
+            </a:schemeClr>
+          </a:lnRef>
+          <a:fillRef idx="1">
+            <a:schemeClr val="accent1"/>
+          </a:fillRef>
+          <a:effectRef idx="0">
+            <a:schemeClr val="accent1"/>
+          </a:effectRef>
+          <a:fontRef idx="minor">
+            <a:schemeClr val="lt1"/>
+          </a:fontRef>
+        </p:style>
+        <p:txBody>
+          <a:bodyPr rtlCol="0" anchor="ctr"/>
+          <a:lstStyle/>
+          <a:p>
+            <a:pPr algn="ctr"/>
+            <a:endParaRPr lang="en-NZ"/>
+          </a:p>
+        </p:txBody>
+      </p:sp>
+      <p:sp>
+        <p:nvSpPr>
+          <p:cNvPr id="63" name="Rectangle 62">
+            <a:extLst>
+              <a:ext uri="{FF2B5EF4-FFF2-40B4-BE49-F238E27FC236}">
+                <a16:creationId xmlns:a16="http://schemas.microsoft.com/office/drawing/2014/main" id="{36C9E2B9-8BC3-4011-86D1-2D66864981DA}"/>
+              </a:ext>
+            </a:extLst>
+          </p:cNvPr>
+          <p:cNvSpPr/>
+          <p:nvPr/>
+        </p:nvSpPr>
+        <p:spPr>
+          <a:xfrm>
+            <a:off x="9448072" y="3243209"/>
+            <a:ext cx="2653790" cy="1538516"/>
+          </a:xfrm>
+          <a:prstGeom prst="rect">
+            <a:avLst/>
+          </a:prstGeom>
+          <a:solidFill>
+            <a:srgbClr val="333399"/>
+          </a:solidFill>
+          <a:ln>
+            <a:noFill/>
+          </a:ln>
+          <a:effectLst>
+            <a:softEdge rad="25400"/>
+          </a:effectLst>
+        </p:spPr>
+        <p:style>
+          <a:lnRef idx="2">
+            <a:schemeClr val="accent1">
+              <a:shade val="50000"/>
+            </a:schemeClr>
+          </a:lnRef>
+          <a:fillRef idx="1">
+            <a:schemeClr val="accent1"/>
+          </a:fillRef>
+          <a:effectRef idx="0">
+            <a:schemeClr val="accent1"/>
+          </a:effectRef>
+          <a:fontRef idx="minor">
+            <a:schemeClr val="lt1"/>
+          </a:fontRef>
+        </p:style>
+        <p:txBody>
+          <a:bodyPr rtlCol="0" anchor="ctr"/>
+          <a:lstStyle/>
+          <a:p>
+            <a:pPr algn="ctr"/>
+            <a:r>
+              <a:rPr lang="en-NZ" dirty="0">
+                <a:solidFill>
+                  <a:schemeClr val="bg1"/>
+                </a:solidFill>
+                <a:latin typeface="Berlin Sans FB" panose="020E0602020502020306" pitchFamily="34" charset="0"/>
+              </a:rPr>
+              <a:t>Image</a:t>
+            </a:r>
+          </a:p>
+        </p:txBody>
+      </p:sp>
+      <p:sp>
+        <p:nvSpPr>
+          <p:cNvPr id="64" name="Rectangle 63">
+            <a:extLst>
+              <a:ext uri="{FF2B5EF4-FFF2-40B4-BE49-F238E27FC236}">
+                <a16:creationId xmlns:a16="http://schemas.microsoft.com/office/drawing/2014/main" id="{A68B8F99-0B58-4A55-9778-CA505B15A25C}"/>
+              </a:ext>
+            </a:extLst>
+          </p:cNvPr>
+          <p:cNvSpPr/>
+          <p:nvPr/>
+        </p:nvSpPr>
+        <p:spPr>
+          <a:xfrm>
+            <a:off x="9448072" y="4863014"/>
+            <a:ext cx="2637042" cy="716662"/>
+          </a:xfrm>
+          <a:prstGeom prst="rect">
+            <a:avLst/>
+          </a:prstGeom>
+          <a:blipFill>
+            <a:blip r:embed="rId2"/>
+            <a:tile tx="0" ty="0" sx="100000" sy="100000" flip="none" algn="tl"/>
+          </a:blipFill>
+          <a:ln>
+            <a:noFill/>
+          </a:ln>
+        </p:spPr>
+        <p:style>
+          <a:lnRef idx="2">
+            <a:schemeClr val="accent1">
+              <a:shade val="50000"/>
+            </a:schemeClr>
+          </a:lnRef>
+          <a:fillRef idx="1">
+            <a:schemeClr val="accent1"/>
+          </a:fillRef>
+          <a:effectRef idx="0">
+            <a:schemeClr val="accent1"/>
+          </a:effectRef>
+          <a:fontRef idx="minor">
+            <a:schemeClr val="lt1"/>
+          </a:fontRef>
+        </p:style>
+        <p:txBody>
+          <a:bodyPr rtlCol="0" anchor="ctr"/>
+          <a:lstStyle/>
+          <a:p>
+            <a:pPr algn="ctr"/>
+            <a:r>
+              <a:rPr lang="en-NZ" dirty="0">
+                <a:solidFill>
+                  <a:schemeClr val="bg1"/>
+                </a:solidFill>
+                <a:latin typeface="Berlin Sans FB" panose="020E0602020502020306" pitchFamily="34" charset="0"/>
+              </a:rPr>
+              <a:t>Image</a:t>
+            </a:r>
+          </a:p>
+        </p:txBody>
+      </p:sp>
+      <p:sp>
+        <p:nvSpPr>
+          <p:cNvPr id="65" name="Rectangle 64">
+            <a:extLst>
+              <a:ext uri="{FF2B5EF4-FFF2-40B4-BE49-F238E27FC236}">
+                <a16:creationId xmlns:a16="http://schemas.microsoft.com/office/drawing/2014/main" id="{7EE4CAFB-B3D0-4150-A538-F93E5B1587DC}"/>
+              </a:ext>
+            </a:extLst>
+          </p:cNvPr>
+          <p:cNvSpPr/>
+          <p:nvPr/>
+        </p:nvSpPr>
+        <p:spPr>
+          <a:xfrm>
+            <a:off x="7262016" y="95618"/>
+            <a:ext cx="2117006" cy="2484919"/>
+          </a:xfrm>
+          <a:prstGeom prst="rect">
+            <a:avLst/>
+          </a:prstGeom>
+          <a:solidFill>
+            <a:srgbClr val="333399"/>
+          </a:solidFill>
+          <a:ln>
+            <a:noFill/>
+          </a:ln>
+        </p:spPr>
+        <p:style>
+          <a:lnRef idx="2">
+            <a:schemeClr val="accent1">
+              <a:shade val="50000"/>
+            </a:schemeClr>
+          </a:lnRef>
+          <a:fillRef idx="1">
+            <a:schemeClr val="accent1"/>
+          </a:fillRef>
+          <a:effectRef idx="0">
+            <a:schemeClr val="accent1"/>
+          </a:effectRef>
+          <a:fontRef idx="minor">
+            <a:schemeClr val="lt1"/>
+          </a:fontRef>
+        </p:style>
+        <p:txBody>
+          <a:bodyPr rtlCol="0" anchor="ctr"/>
+          <a:lstStyle/>
+          <a:p>
+            <a:pPr algn="ctr"/>
+            <a:r>
+              <a:rPr lang="en-NZ" dirty="0">
+                <a:solidFill>
+                  <a:schemeClr val="bg1"/>
+                </a:solidFill>
+                <a:latin typeface="Berlin Sans FB" panose="020E0602020502020306" pitchFamily="34" charset="0"/>
+              </a:rPr>
+              <a:t>Image</a:t>
+            </a:r>
+          </a:p>
+        </p:txBody>
+      </p:sp>
+      <p:sp>
+        <p:nvSpPr>
+          <p:cNvPr id="68" name="Cross 67">
+            <a:extLst>
+              <a:ext uri="{FF2B5EF4-FFF2-40B4-BE49-F238E27FC236}">
+                <a16:creationId xmlns:a16="http://schemas.microsoft.com/office/drawing/2014/main" id="{8FF9C865-9058-406E-98D6-64912F132483}"/>
+              </a:ext>
+            </a:extLst>
+          </p:cNvPr>
+          <p:cNvSpPr/>
+          <p:nvPr/>
+        </p:nvSpPr>
+        <p:spPr>
+          <a:xfrm rot="2715053">
+            <a:off x="6671413" y="4204322"/>
+            <a:ext cx="311734" cy="311734"/>
+          </a:xfrm>
+          <a:prstGeom prst="plus">
+            <a:avLst>
+              <a:gd name="adj" fmla="val 41514"/>
+            </a:avLst>
+          </a:prstGeom>
+          <a:solidFill>
+            <a:srgbClr val="AFABAB"/>
+          </a:solidFill>
+          <a:ln>
+            <a:noFill/>
+          </a:ln>
+        </p:spPr>
+        <p:style>
+          <a:lnRef idx="2">
+            <a:schemeClr val="accent1">
+              <a:shade val="50000"/>
+            </a:schemeClr>
+          </a:lnRef>
+          <a:fillRef idx="1">
+            <a:schemeClr val="accent1"/>
+          </a:fillRef>
+          <a:effectRef idx="0">
+            <a:schemeClr val="accent1"/>
+          </a:effectRef>
+          <a:fontRef idx="minor">
+            <a:schemeClr val="lt1"/>
+          </a:fontRef>
+        </p:style>
+        <p:txBody>
+          <a:bodyPr rtlCol="0" anchor="ctr"/>
+          <a:lstStyle/>
+          <a:p>
+            <a:pPr algn="ctr"/>
+            <a:endParaRPr lang="en-NZ"/>
+          </a:p>
+        </p:txBody>
+      </p:sp>
+      <p:sp>
+        <p:nvSpPr>
+          <p:cNvPr id="69" name="Cross 68">
+            <a:extLst>
+              <a:ext uri="{FF2B5EF4-FFF2-40B4-BE49-F238E27FC236}">
+                <a16:creationId xmlns:a16="http://schemas.microsoft.com/office/drawing/2014/main" id="{53C5D19C-110C-47E5-B37F-24127F5AAAF1}"/>
+              </a:ext>
+            </a:extLst>
+          </p:cNvPr>
+          <p:cNvSpPr/>
+          <p:nvPr/>
+        </p:nvSpPr>
+        <p:spPr>
+          <a:xfrm>
+            <a:off x="6696761" y="4759488"/>
+            <a:ext cx="245744" cy="245744"/>
+          </a:xfrm>
+          <a:prstGeom prst="plus">
+            <a:avLst>
+              <a:gd name="adj" fmla="val 41514"/>
+            </a:avLst>
+          </a:prstGeom>
+          <a:solidFill>
+            <a:srgbClr val="AFABAB"/>
+          </a:solidFill>
+          <a:ln>
+            <a:noFill/>
+          </a:ln>
+        </p:spPr>
+        <p:style>
+          <a:lnRef idx="2">
+            <a:schemeClr val="accent1">
+              <a:shade val="50000"/>
+            </a:schemeClr>
+          </a:lnRef>
+          <a:fillRef idx="1">
+            <a:schemeClr val="accent1"/>
+          </a:fillRef>
+          <a:effectRef idx="0">
+            <a:schemeClr val="accent1"/>
+          </a:effectRef>
+          <a:fontRef idx="minor">
+            <a:schemeClr val="lt1"/>
+          </a:fontRef>
+        </p:style>
+        <p:txBody>
+          <a:bodyPr rtlCol="0" anchor="ctr"/>
+          <a:lstStyle/>
+          <a:p>
+            <a:pPr algn="ctr"/>
+            <a:endParaRPr lang="en-NZ"/>
+          </a:p>
+        </p:txBody>
+      </p:sp>
       <p:pic>
         <p:nvPicPr>
-          <p:cNvPr id="39" name="Picture 38">
-            <a:extLst>
-              <a:ext uri="{FF2B5EF4-FFF2-40B4-BE49-F238E27FC236}">
-                <a16:creationId xmlns:a16="http://schemas.microsoft.com/office/drawing/2014/main" id="{4C6AA5FE-7FFF-42C5-BA86-B796D3ADA266}"/>
+          <p:cNvPr id="72" name="Graphic 71" descr="Share with solid fill">
+            <a:extLst>
+              <a:ext uri="{FF2B5EF4-FFF2-40B4-BE49-F238E27FC236}">
+                <a16:creationId xmlns:a16="http://schemas.microsoft.com/office/drawing/2014/main" id="{539E073C-AC62-46A0-8D40-A52D094B9C0A}"/>
               </a:ext>
             </a:extLst>
           </p:cNvPr>
@@ -8481,16 +10182,11 @@
         <p:blipFill>
           <a:blip r:embed="rId3">
             <a:extLst>
-              <a:ext uri="{BEBA8EAE-BF5A-486C-A8C5-ECC9F3942E4B}">
-                <a14:imgProps xmlns:a14="http://schemas.microsoft.com/office/drawing/2010/main">
-                  <a14:imgLayer r:embed="rId4">
-                    <a14:imgEffect>
-                      <a14:backgroundRemoval t="9819" b="89922" l="9398" r="89850">
-                        <a14:foregroundMark x1="9398" y1="51421" x2="9398" y2="51421"/>
-                      </a14:backgroundRemoval>
-                    </a14:imgEffect>
-                  </a14:imgLayer>
-                </a14:imgProps>
+              <a:ext uri="{28A0092B-C50C-407E-A947-70E740481C1C}">
+                <a14:useLocalDpi xmlns:a14="http://schemas.microsoft.com/office/drawing/2010/main" val="0"/>
+              </a:ext>
+              <a:ext uri="{96DAC541-7B7A-43D3-8B79-37D633B846F1}">
+                <asvg:svgBlip xmlns:asvg="http://schemas.microsoft.com/office/drawing/2016/SVG/main" r:embed="rId4"/>
               </a:ext>
             </a:extLst>
           </a:blip>
@@ -8500,1068 +10196,20 @@
         </p:blipFill>
         <p:spPr>
           <a:xfrm>
-            <a:off x="127347" y="278828"/>
-            <a:ext cx="1733433" cy="1260975"/>
+            <a:off x="6683045" y="5232444"/>
+            <a:ext cx="283867" cy="294104"/>
           </a:xfrm>
           <a:prstGeom prst="rect">
             <a:avLst/>
           </a:prstGeom>
         </p:spPr>
       </p:pic>
-      <p:sp>
-        <p:nvSpPr>
-          <p:cNvPr id="41" name="Rectangle: Rounded Corners 40">
-            <a:extLst>
-              <a:ext uri="{FF2B5EF4-FFF2-40B4-BE49-F238E27FC236}">
-                <a16:creationId xmlns:a16="http://schemas.microsoft.com/office/drawing/2014/main" id="{246E9D08-0240-4833-885A-BDB7CFE81BD2}"/>
-              </a:ext>
-            </a:extLst>
-          </p:cNvPr>
-          <p:cNvSpPr/>
-          <p:nvPr/>
-        </p:nvSpPr>
-        <p:spPr>
-          <a:xfrm>
-            <a:off x="6626129" y="2090158"/>
-            <a:ext cx="390141" cy="390141"/>
-          </a:xfrm>
-          <a:prstGeom prst="roundRect">
-            <a:avLst/>
-          </a:prstGeom>
-          <a:solidFill>
-            <a:srgbClr val="D0CECE"/>
-          </a:solidFill>
-          <a:ln w="38100">
-            <a:solidFill>
-              <a:srgbClr val="767171"/>
-            </a:solidFill>
-          </a:ln>
-        </p:spPr>
-        <p:style>
-          <a:lnRef idx="2">
-            <a:schemeClr val="accent1">
-              <a:shade val="50000"/>
-            </a:schemeClr>
-          </a:lnRef>
-          <a:fillRef idx="1">
-            <a:schemeClr val="accent1"/>
-          </a:fillRef>
-          <a:effectRef idx="0">
-            <a:schemeClr val="accent1"/>
-          </a:effectRef>
-          <a:fontRef idx="minor">
-            <a:schemeClr val="lt1"/>
-          </a:fontRef>
-        </p:style>
-        <p:txBody>
-          <a:bodyPr rtlCol="0" anchor="ctr"/>
-          <a:lstStyle/>
-          <a:p>
-            <a:pPr algn="ctr"/>
-            <a:endParaRPr lang="en-NZ"/>
-          </a:p>
-        </p:txBody>
-      </p:sp>
-      <p:sp>
-        <p:nvSpPr>
-          <p:cNvPr id="42" name="Rectangle: Rounded Corners 41">
-            <a:extLst>
-              <a:ext uri="{FF2B5EF4-FFF2-40B4-BE49-F238E27FC236}">
-                <a16:creationId xmlns:a16="http://schemas.microsoft.com/office/drawing/2014/main" id="{6AB7F74A-0A58-43D8-9D9C-BD1536360EF7}"/>
-              </a:ext>
-            </a:extLst>
-          </p:cNvPr>
-          <p:cNvSpPr/>
-          <p:nvPr/>
-        </p:nvSpPr>
-        <p:spPr>
-          <a:xfrm>
-            <a:off x="6626129" y="2613842"/>
-            <a:ext cx="390141" cy="390141"/>
-          </a:xfrm>
-          <a:prstGeom prst="roundRect">
-            <a:avLst/>
-          </a:prstGeom>
-          <a:solidFill>
-            <a:srgbClr val="D0CECE"/>
-          </a:solidFill>
-          <a:ln w="38100">
-            <a:solidFill>
-              <a:srgbClr val="767171"/>
-            </a:solidFill>
-          </a:ln>
-        </p:spPr>
-        <p:style>
-          <a:lnRef idx="2">
-            <a:schemeClr val="accent1">
-              <a:shade val="50000"/>
-            </a:schemeClr>
-          </a:lnRef>
-          <a:fillRef idx="1">
-            <a:schemeClr val="accent1"/>
-          </a:fillRef>
-          <a:effectRef idx="0">
-            <a:schemeClr val="accent1"/>
-          </a:effectRef>
-          <a:fontRef idx="minor">
-            <a:schemeClr val="lt1"/>
-          </a:fontRef>
-        </p:style>
-        <p:txBody>
-          <a:bodyPr rtlCol="0" anchor="ctr"/>
-          <a:lstStyle/>
-          <a:p>
-            <a:pPr algn="ctr"/>
-            <a:endParaRPr lang="en-NZ"/>
-          </a:p>
-        </p:txBody>
-      </p:sp>
-      <p:sp>
-        <p:nvSpPr>
-          <p:cNvPr id="45" name="Rectangle: Rounded Corners 44">
-            <a:extLst>
-              <a:ext uri="{FF2B5EF4-FFF2-40B4-BE49-F238E27FC236}">
-                <a16:creationId xmlns:a16="http://schemas.microsoft.com/office/drawing/2014/main" id="{9161DE0D-B2AD-49A4-9FD9-89655E72D484}"/>
-              </a:ext>
-            </a:extLst>
-          </p:cNvPr>
-          <p:cNvSpPr/>
-          <p:nvPr/>
-        </p:nvSpPr>
-        <p:spPr>
-          <a:xfrm>
-            <a:off x="6625346" y="4152848"/>
-            <a:ext cx="390141" cy="390141"/>
-          </a:xfrm>
-          <a:prstGeom prst="roundRect">
-            <a:avLst/>
-          </a:prstGeom>
-          <a:solidFill>
-            <a:srgbClr val="D0CECE"/>
-          </a:solidFill>
-          <a:ln w="38100">
-            <a:solidFill>
-              <a:srgbClr val="767171"/>
-            </a:solidFill>
-          </a:ln>
-        </p:spPr>
-        <p:style>
-          <a:lnRef idx="2">
-            <a:schemeClr val="accent1">
-              <a:shade val="50000"/>
-            </a:schemeClr>
-          </a:lnRef>
-          <a:fillRef idx="1">
-            <a:schemeClr val="accent1"/>
-          </a:fillRef>
-          <a:effectRef idx="0">
-            <a:schemeClr val="accent1"/>
-          </a:effectRef>
-          <a:fontRef idx="minor">
-            <a:schemeClr val="lt1"/>
-          </a:fontRef>
-        </p:style>
-        <p:txBody>
-          <a:bodyPr rtlCol="0" anchor="ctr"/>
-          <a:lstStyle/>
-          <a:p>
-            <a:pPr algn="ctr"/>
-            <a:endParaRPr lang="en-NZ"/>
-          </a:p>
-        </p:txBody>
-      </p:sp>
-      <p:sp>
-        <p:nvSpPr>
-          <p:cNvPr id="46" name="Rectangle: Rounded Corners 45">
-            <a:extLst>
-              <a:ext uri="{FF2B5EF4-FFF2-40B4-BE49-F238E27FC236}">
-                <a16:creationId xmlns:a16="http://schemas.microsoft.com/office/drawing/2014/main" id="{ADC8DBA4-271C-4E47-8A3F-FC8A3F4CDF15}"/>
-              </a:ext>
-            </a:extLst>
-          </p:cNvPr>
-          <p:cNvSpPr/>
-          <p:nvPr/>
-        </p:nvSpPr>
-        <p:spPr>
-          <a:xfrm>
-            <a:off x="6625346" y="4676532"/>
-            <a:ext cx="390141" cy="390141"/>
-          </a:xfrm>
-          <a:prstGeom prst="roundRect">
-            <a:avLst/>
-          </a:prstGeom>
-          <a:solidFill>
-            <a:srgbClr val="D0CECE"/>
-          </a:solidFill>
-          <a:ln w="38100">
-            <a:solidFill>
-              <a:srgbClr val="767171"/>
-            </a:solidFill>
-          </a:ln>
-        </p:spPr>
-        <p:style>
-          <a:lnRef idx="2">
-            <a:schemeClr val="accent1">
-              <a:shade val="50000"/>
-            </a:schemeClr>
-          </a:lnRef>
-          <a:fillRef idx="1">
-            <a:schemeClr val="accent1"/>
-          </a:fillRef>
-          <a:effectRef idx="0">
-            <a:schemeClr val="accent1"/>
-          </a:effectRef>
-          <a:fontRef idx="minor">
-            <a:schemeClr val="lt1"/>
-          </a:fontRef>
-        </p:style>
-        <p:txBody>
-          <a:bodyPr rtlCol="0" anchor="ctr"/>
-          <a:lstStyle/>
-          <a:p>
-            <a:pPr algn="ctr"/>
-            <a:endParaRPr lang="en-NZ"/>
-          </a:p>
-        </p:txBody>
-      </p:sp>
-      <p:sp>
-        <p:nvSpPr>
-          <p:cNvPr id="47" name="Rectangle: Rounded Corners 46">
-            <a:extLst>
-              <a:ext uri="{FF2B5EF4-FFF2-40B4-BE49-F238E27FC236}">
-                <a16:creationId xmlns:a16="http://schemas.microsoft.com/office/drawing/2014/main" id="{0FA3DB5C-7331-470F-9A6B-512B835C8706}"/>
-              </a:ext>
-            </a:extLst>
-          </p:cNvPr>
-          <p:cNvSpPr/>
-          <p:nvPr/>
-        </p:nvSpPr>
-        <p:spPr>
-          <a:xfrm>
-            <a:off x="6625346" y="5189534"/>
-            <a:ext cx="390141" cy="390141"/>
-          </a:xfrm>
-          <a:prstGeom prst="roundRect">
-            <a:avLst/>
-          </a:prstGeom>
-          <a:solidFill>
-            <a:srgbClr val="D0CECE"/>
-          </a:solidFill>
-          <a:ln w="38100">
-            <a:solidFill>
-              <a:srgbClr val="767171"/>
-            </a:solidFill>
-          </a:ln>
-        </p:spPr>
-        <p:style>
-          <a:lnRef idx="2">
-            <a:schemeClr val="accent1">
-              <a:shade val="50000"/>
-            </a:schemeClr>
-          </a:lnRef>
-          <a:fillRef idx="1">
-            <a:schemeClr val="accent1"/>
-          </a:fillRef>
-          <a:effectRef idx="0">
-            <a:schemeClr val="accent1"/>
-          </a:effectRef>
-          <a:fontRef idx="minor">
-            <a:schemeClr val="lt1"/>
-          </a:fontRef>
-        </p:style>
-        <p:txBody>
-          <a:bodyPr rtlCol="0" anchor="ctr"/>
-          <a:lstStyle/>
-          <a:p>
-            <a:pPr algn="ctr"/>
-            <a:endParaRPr lang="en-NZ"/>
-          </a:p>
-        </p:txBody>
-      </p:sp>
-      <p:sp>
-        <p:nvSpPr>
-          <p:cNvPr id="48" name="Rectangle: Rounded Corners 47">
-            <a:extLst>
-              <a:ext uri="{FF2B5EF4-FFF2-40B4-BE49-F238E27FC236}">
-                <a16:creationId xmlns:a16="http://schemas.microsoft.com/office/drawing/2014/main" id="{2DFF1DE7-5E00-41AC-A9DA-0E3DA7B470E4}"/>
-              </a:ext>
-            </a:extLst>
-          </p:cNvPr>
-          <p:cNvSpPr/>
-          <p:nvPr/>
-        </p:nvSpPr>
-        <p:spPr>
-          <a:xfrm>
-            <a:off x="6624563" y="5702536"/>
-            <a:ext cx="390141" cy="390141"/>
-          </a:xfrm>
-          <a:prstGeom prst="roundRect">
-            <a:avLst/>
-          </a:prstGeom>
-          <a:solidFill>
-            <a:srgbClr val="D0CECE"/>
-          </a:solidFill>
-          <a:ln w="38100">
-            <a:solidFill>
-              <a:srgbClr val="767171"/>
-            </a:solidFill>
-          </a:ln>
-        </p:spPr>
-        <p:style>
-          <a:lnRef idx="2">
-            <a:schemeClr val="accent1">
-              <a:shade val="50000"/>
-            </a:schemeClr>
-          </a:lnRef>
-          <a:fillRef idx="1">
-            <a:schemeClr val="accent1"/>
-          </a:fillRef>
-          <a:effectRef idx="0">
-            <a:schemeClr val="accent1"/>
-          </a:effectRef>
-          <a:fontRef idx="minor">
-            <a:schemeClr val="lt1"/>
-          </a:fontRef>
-        </p:style>
-        <p:txBody>
-          <a:bodyPr rtlCol="0" anchor="ctr"/>
-          <a:lstStyle/>
-          <a:p>
-            <a:pPr algn="ctr"/>
-            <a:endParaRPr lang="en-NZ"/>
-          </a:p>
-        </p:txBody>
-      </p:sp>
-      <p:sp>
-        <p:nvSpPr>
-          <p:cNvPr id="49" name="Isosceles Triangle 48">
-            <a:extLst>
-              <a:ext uri="{FF2B5EF4-FFF2-40B4-BE49-F238E27FC236}">
-                <a16:creationId xmlns:a16="http://schemas.microsoft.com/office/drawing/2014/main" id="{F0AFFC6D-B023-4F7E-812E-154E383DF8F0}"/>
-              </a:ext>
-            </a:extLst>
-          </p:cNvPr>
-          <p:cNvSpPr/>
-          <p:nvPr/>
-        </p:nvSpPr>
-        <p:spPr>
-          <a:xfrm>
-            <a:off x="6683045" y="2228264"/>
-            <a:ext cx="285225" cy="101354"/>
-          </a:xfrm>
-          <a:prstGeom prst="triangle">
-            <a:avLst/>
-          </a:prstGeom>
-          <a:solidFill>
-            <a:srgbClr val="767171"/>
-          </a:solidFill>
-          <a:ln>
-            <a:noFill/>
-          </a:ln>
-        </p:spPr>
-        <p:style>
-          <a:lnRef idx="2">
-            <a:schemeClr val="accent1">
-              <a:shade val="50000"/>
-            </a:schemeClr>
-          </a:lnRef>
-          <a:fillRef idx="1">
-            <a:schemeClr val="accent1"/>
-          </a:fillRef>
-          <a:effectRef idx="0">
-            <a:schemeClr val="accent1"/>
-          </a:effectRef>
-          <a:fontRef idx="minor">
-            <a:schemeClr val="lt1"/>
-          </a:fontRef>
-        </p:style>
-        <p:txBody>
-          <a:bodyPr rtlCol="0" anchor="ctr"/>
-          <a:lstStyle/>
-          <a:p>
-            <a:pPr algn="ctr"/>
-            <a:endParaRPr lang="en-NZ"/>
-          </a:p>
-        </p:txBody>
-      </p:sp>
-      <p:sp>
-        <p:nvSpPr>
-          <p:cNvPr id="50" name="Isosceles Triangle 49">
-            <a:extLst>
-              <a:ext uri="{FF2B5EF4-FFF2-40B4-BE49-F238E27FC236}">
-                <a16:creationId xmlns:a16="http://schemas.microsoft.com/office/drawing/2014/main" id="{24A26DB9-35ED-4D34-A035-3299183FC518}"/>
-              </a:ext>
-            </a:extLst>
-          </p:cNvPr>
-          <p:cNvSpPr/>
-          <p:nvPr/>
-        </p:nvSpPr>
-        <p:spPr>
-          <a:xfrm rot="10800000">
-            <a:off x="6683045" y="2789717"/>
-            <a:ext cx="285225" cy="101354"/>
-          </a:xfrm>
-          <a:prstGeom prst="triangle">
-            <a:avLst/>
-          </a:prstGeom>
-          <a:solidFill>
-            <a:srgbClr val="767171"/>
-          </a:solidFill>
-          <a:ln>
-            <a:noFill/>
-          </a:ln>
-        </p:spPr>
-        <p:style>
-          <a:lnRef idx="2">
-            <a:schemeClr val="accent1">
-              <a:shade val="50000"/>
-            </a:schemeClr>
-          </a:lnRef>
-          <a:fillRef idx="1">
-            <a:schemeClr val="accent1"/>
-          </a:fillRef>
-          <a:effectRef idx="0">
-            <a:schemeClr val="accent1"/>
-          </a:effectRef>
-          <a:fontRef idx="minor">
-            <a:schemeClr val="lt1"/>
-          </a:fontRef>
-        </p:style>
-        <p:txBody>
-          <a:bodyPr rtlCol="0" anchor="ctr"/>
-          <a:lstStyle/>
-          <a:p>
-            <a:pPr algn="ctr"/>
-            <a:endParaRPr lang="en-NZ"/>
-          </a:p>
-        </p:txBody>
-      </p:sp>
-      <p:sp>
-        <p:nvSpPr>
-          <p:cNvPr id="51" name="Rectangle: Rounded Corners 50">
-            <a:extLst>
-              <a:ext uri="{FF2B5EF4-FFF2-40B4-BE49-F238E27FC236}">
-                <a16:creationId xmlns:a16="http://schemas.microsoft.com/office/drawing/2014/main" id="{670C976D-9959-4DA5-89B5-185E24CC3718}"/>
-              </a:ext>
-            </a:extLst>
-          </p:cNvPr>
-          <p:cNvSpPr/>
-          <p:nvPr/>
-        </p:nvSpPr>
-        <p:spPr>
-          <a:xfrm>
-            <a:off x="6624563" y="3116162"/>
-            <a:ext cx="390141" cy="390141"/>
-          </a:xfrm>
-          <a:prstGeom prst="roundRect">
-            <a:avLst/>
-          </a:prstGeom>
-          <a:solidFill>
-            <a:srgbClr val="D0CECE"/>
-          </a:solidFill>
-          <a:ln w="38100">
-            <a:solidFill>
-              <a:srgbClr val="767171"/>
-            </a:solidFill>
-          </a:ln>
-        </p:spPr>
-        <p:style>
-          <a:lnRef idx="2">
-            <a:schemeClr val="accent1">
-              <a:shade val="50000"/>
-            </a:schemeClr>
-          </a:lnRef>
-          <a:fillRef idx="1">
-            <a:schemeClr val="accent1"/>
-          </a:fillRef>
-          <a:effectRef idx="0">
-            <a:schemeClr val="accent1"/>
-          </a:effectRef>
-          <a:fontRef idx="minor">
-            <a:schemeClr val="lt1"/>
-          </a:fontRef>
-        </p:style>
-        <p:txBody>
-          <a:bodyPr rtlCol="0" anchor="ctr"/>
-          <a:lstStyle/>
-          <a:p>
-            <a:pPr algn="ctr"/>
-            <a:endParaRPr lang="en-NZ"/>
-          </a:p>
-        </p:txBody>
-      </p:sp>
-      <p:sp>
-        <p:nvSpPr>
-          <p:cNvPr id="52" name="Rectangle: Rounded Corners 51">
-            <a:extLst>
-              <a:ext uri="{FF2B5EF4-FFF2-40B4-BE49-F238E27FC236}">
-                <a16:creationId xmlns:a16="http://schemas.microsoft.com/office/drawing/2014/main" id="{D286F665-16BC-45A2-B724-187460C13767}"/>
-              </a:ext>
-            </a:extLst>
-          </p:cNvPr>
-          <p:cNvSpPr/>
-          <p:nvPr/>
-        </p:nvSpPr>
-        <p:spPr>
-          <a:xfrm>
-            <a:off x="6624563" y="3639846"/>
-            <a:ext cx="390141" cy="390141"/>
-          </a:xfrm>
-          <a:prstGeom prst="roundRect">
-            <a:avLst/>
-          </a:prstGeom>
-          <a:solidFill>
-            <a:srgbClr val="D0CECE"/>
-          </a:solidFill>
-          <a:ln w="38100">
-            <a:solidFill>
-              <a:srgbClr val="767171"/>
-            </a:solidFill>
-          </a:ln>
-        </p:spPr>
-        <p:style>
-          <a:lnRef idx="2">
-            <a:schemeClr val="accent1">
-              <a:shade val="50000"/>
-            </a:schemeClr>
-          </a:lnRef>
-          <a:fillRef idx="1">
-            <a:schemeClr val="accent1"/>
-          </a:fillRef>
-          <a:effectRef idx="0">
-            <a:schemeClr val="accent1"/>
-          </a:effectRef>
-          <a:fontRef idx="minor">
-            <a:schemeClr val="lt1"/>
-          </a:fontRef>
-        </p:style>
-        <p:txBody>
-          <a:bodyPr rtlCol="0" anchor="ctr"/>
-          <a:lstStyle/>
-          <a:p>
-            <a:pPr algn="ctr"/>
-            <a:endParaRPr lang="en-NZ"/>
-          </a:p>
-        </p:txBody>
-      </p:sp>
-      <p:sp>
-        <p:nvSpPr>
-          <p:cNvPr id="53" name="Isosceles Triangle 52">
-            <a:extLst>
-              <a:ext uri="{FF2B5EF4-FFF2-40B4-BE49-F238E27FC236}">
-                <a16:creationId xmlns:a16="http://schemas.microsoft.com/office/drawing/2014/main" id="{59CE202F-ABED-42DE-9C00-F7F390C65E9C}"/>
-              </a:ext>
-            </a:extLst>
-          </p:cNvPr>
-          <p:cNvSpPr/>
-          <p:nvPr/>
-        </p:nvSpPr>
-        <p:spPr>
-          <a:xfrm rot="5400000">
-            <a:off x="6677021" y="3263478"/>
-            <a:ext cx="285225" cy="101354"/>
-          </a:xfrm>
-          <a:prstGeom prst="triangle">
-            <a:avLst/>
-          </a:prstGeom>
-          <a:solidFill>
-            <a:srgbClr val="767171"/>
-          </a:solidFill>
-          <a:ln>
-            <a:noFill/>
-          </a:ln>
-        </p:spPr>
-        <p:style>
-          <a:lnRef idx="2">
-            <a:schemeClr val="accent1">
-              <a:shade val="50000"/>
-            </a:schemeClr>
-          </a:lnRef>
-          <a:fillRef idx="1">
-            <a:schemeClr val="accent1"/>
-          </a:fillRef>
-          <a:effectRef idx="0">
-            <a:schemeClr val="accent1"/>
-          </a:effectRef>
-          <a:fontRef idx="minor">
-            <a:schemeClr val="lt1"/>
-          </a:fontRef>
-        </p:style>
-        <p:txBody>
-          <a:bodyPr rtlCol="0" anchor="ctr"/>
-          <a:lstStyle/>
-          <a:p>
-            <a:pPr algn="ctr"/>
-            <a:endParaRPr lang="en-NZ"/>
-          </a:p>
-        </p:txBody>
-      </p:sp>
-      <p:sp>
-        <p:nvSpPr>
-          <p:cNvPr id="54" name="Isosceles Triangle 53">
-            <a:extLst>
-              <a:ext uri="{FF2B5EF4-FFF2-40B4-BE49-F238E27FC236}">
-                <a16:creationId xmlns:a16="http://schemas.microsoft.com/office/drawing/2014/main" id="{FC60AB4A-50CA-4D1B-A823-3A28D14E48FC}"/>
-              </a:ext>
-            </a:extLst>
-          </p:cNvPr>
-          <p:cNvSpPr/>
-          <p:nvPr/>
-        </p:nvSpPr>
-        <p:spPr>
-          <a:xfrm rot="16200000">
-            <a:off x="6677021" y="3784238"/>
-            <a:ext cx="285225" cy="101354"/>
-          </a:xfrm>
-          <a:prstGeom prst="triangle">
-            <a:avLst/>
-          </a:prstGeom>
-          <a:solidFill>
-            <a:srgbClr val="767171"/>
-          </a:solidFill>
-          <a:ln>
-            <a:noFill/>
-          </a:ln>
-        </p:spPr>
-        <p:style>
-          <a:lnRef idx="2">
-            <a:schemeClr val="accent1">
-              <a:shade val="50000"/>
-            </a:schemeClr>
-          </a:lnRef>
-          <a:fillRef idx="1">
-            <a:schemeClr val="accent1"/>
-          </a:fillRef>
-          <a:effectRef idx="0">
-            <a:schemeClr val="accent1"/>
-          </a:effectRef>
-          <a:fontRef idx="minor">
-            <a:schemeClr val="lt1"/>
-          </a:fontRef>
-        </p:style>
-        <p:txBody>
-          <a:bodyPr rtlCol="0" anchor="ctr"/>
-          <a:lstStyle/>
-          <a:p>
-            <a:pPr algn="ctr"/>
-            <a:endParaRPr lang="en-NZ"/>
-          </a:p>
-        </p:txBody>
-      </p:sp>
-      <p:sp>
-        <p:nvSpPr>
-          <p:cNvPr id="63" name="Rectangle 62">
-            <a:extLst>
-              <a:ext uri="{FF2B5EF4-FFF2-40B4-BE49-F238E27FC236}">
-                <a16:creationId xmlns:a16="http://schemas.microsoft.com/office/drawing/2014/main" id="{36C9E2B9-8BC3-4011-86D1-2D66864981DA}"/>
-              </a:ext>
-            </a:extLst>
-          </p:cNvPr>
-          <p:cNvSpPr/>
-          <p:nvPr/>
-        </p:nvSpPr>
-        <p:spPr>
-          <a:xfrm>
-            <a:off x="9448072" y="3243209"/>
-            <a:ext cx="2637042" cy="1538516"/>
-          </a:xfrm>
-          <a:prstGeom prst="rect">
-            <a:avLst/>
-          </a:prstGeom>
-          <a:solidFill>
-            <a:srgbClr val="333399"/>
-          </a:solidFill>
-          <a:ln>
-            <a:noFill/>
-          </a:ln>
-        </p:spPr>
-        <p:style>
-          <a:lnRef idx="2">
-            <a:schemeClr val="accent1">
-              <a:shade val="50000"/>
-            </a:schemeClr>
-          </a:lnRef>
-          <a:fillRef idx="1">
-            <a:schemeClr val="accent1"/>
-          </a:fillRef>
-          <a:effectRef idx="0">
-            <a:schemeClr val="accent1"/>
-          </a:effectRef>
-          <a:fontRef idx="minor">
-            <a:schemeClr val="lt1"/>
-          </a:fontRef>
-        </p:style>
-        <p:txBody>
-          <a:bodyPr rtlCol="0" anchor="ctr"/>
-          <a:lstStyle/>
-          <a:p>
-            <a:pPr algn="ctr"/>
-            <a:r>
-              <a:rPr lang="en-NZ" dirty="0">
-                <a:solidFill>
-                  <a:srgbClr val="D0CECE"/>
-                </a:solidFill>
-                <a:latin typeface="Berlin Sans FB" panose="020E0602020502020306" pitchFamily="34" charset="0"/>
-              </a:rPr>
-              <a:t>Image</a:t>
-            </a:r>
-          </a:p>
-        </p:txBody>
-      </p:sp>
-      <p:sp>
-        <p:nvSpPr>
-          <p:cNvPr id="64" name="Rectangle 63">
-            <a:extLst>
-              <a:ext uri="{FF2B5EF4-FFF2-40B4-BE49-F238E27FC236}">
-                <a16:creationId xmlns:a16="http://schemas.microsoft.com/office/drawing/2014/main" id="{A68B8F99-0B58-4A55-9778-CA505B15A25C}"/>
-              </a:ext>
-            </a:extLst>
-          </p:cNvPr>
-          <p:cNvSpPr/>
-          <p:nvPr/>
-        </p:nvSpPr>
-        <p:spPr>
-          <a:xfrm>
-            <a:off x="9448072" y="4863013"/>
-            <a:ext cx="2637042" cy="1433323"/>
-          </a:xfrm>
-          <a:prstGeom prst="rect">
-            <a:avLst/>
-          </a:prstGeom>
-          <a:solidFill>
-            <a:srgbClr val="333399"/>
-          </a:solidFill>
-          <a:ln>
-            <a:noFill/>
-          </a:ln>
-        </p:spPr>
-        <p:style>
-          <a:lnRef idx="2">
-            <a:schemeClr val="accent1">
-              <a:shade val="50000"/>
-            </a:schemeClr>
-          </a:lnRef>
-          <a:fillRef idx="1">
-            <a:schemeClr val="accent1"/>
-          </a:fillRef>
-          <a:effectRef idx="0">
-            <a:schemeClr val="accent1"/>
-          </a:effectRef>
-          <a:fontRef idx="minor">
-            <a:schemeClr val="lt1"/>
-          </a:fontRef>
-        </p:style>
-        <p:txBody>
-          <a:bodyPr rtlCol="0" anchor="ctr"/>
-          <a:lstStyle/>
-          <a:p>
-            <a:pPr algn="ctr"/>
-            <a:r>
-              <a:rPr lang="en-NZ" dirty="0">
-                <a:solidFill>
-                  <a:srgbClr val="D0CECE"/>
-                </a:solidFill>
-                <a:latin typeface="Berlin Sans FB" panose="020E0602020502020306" pitchFamily="34" charset="0"/>
-              </a:rPr>
-              <a:t>Image</a:t>
-            </a:r>
-          </a:p>
-        </p:txBody>
-      </p:sp>
-      <p:sp>
-        <p:nvSpPr>
-          <p:cNvPr id="65" name="Rectangle 64">
-            <a:extLst>
-              <a:ext uri="{FF2B5EF4-FFF2-40B4-BE49-F238E27FC236}">
-                <a16:creationId xmlns:a16="http://schemas.microsoft.com/office/drawing/2014/main" id="{7EE4CAFB-B3D0-4150-A538-F93E5B1587DC}"/>
-              </a:ext>
-            </a:extLst>
-          </p:cNvPr>
-          <p:cNvSpPr/>
-          <p:nvPr/>
-        </p:nvSpPr>
-        <p:spPr>
-          <a:xfrm>
-            <a:off x="7262016" y="95618"/>
-            <a:ext cx="2117006" cy="2484919"/>
-          </a:xfrm>
-          <a:prstGeom prst="rect">
-            <a:avLst/>
-          </a:prstGeom>
-          <a:solidFill>
-            <a:srgbClr val="333399"/>
-          </a:solidFill>
-          <a:ln>
-            <a:noFill/>
-          </a:ln>
-        </p:spPr>
-        <p:style>
-          <a:lnRef idx="2">
-            <a:schemeClr val="accent1">
-              <a:shade val="50000"/>
-            </a:schemeClr>
-          </a:lnRef>
-          <a:fillRef idx="1">
-            <a:schemeClr val="accent1"/>
-          </a:fillRef>
-          <a:effectRef idx="0">
-            <a:schemeClr val="accent1"/>
-          </a:effectRef>
-          <a:fontRef idx="minor">
-            <a:schemeClr val="lt1"/>
-          </a:fontRef>
-        </p:style>
-        <p:txBody>
-          <a:bodyPr rtlCol="0" anchor="ctr"/>
-          <a:lstStyle/>
-          <a:p>
-            <a:pPr algn="ctr"/>
-            <a:r>
-              <a:rPr lang="en-NZ" dirty="0">
-                <a:solidFill>
-                  <a:srgbClr val="D0CECE"/>
-                </a:solidFill>
-                <a:latin typeface="Berlin Sans FB" panose="020E0602020502020306" pitchFamily="34" charset="0"/>
-              </a:rPr>
-              <a:t>Image</a:t>
-            </a:r>
-          </a:p>
-        </p:txBody>
-      </p:sp>
-      <p:sp>
-        <p:nvSpPr>
-          <p:cNvPr id="66" name="Rectangle 65">
-            <a:extLst>
-              <a:ext uri="{FF2B5EF4-FFF2-40B4-BE49-F238E27FC236}">
-                <a16:creationId xmlns:a16="http://schemas.microsoft.com/office/drawing/2014/main" id="{FEA53F33-2B5D-4379-9DCE-99D2273A2F2C}"/>
-              </a:ext>
-            </a:extLst>
-          </p:cNvPr>
-          <p:cNvSpPr/>
-          <p:nvPr/>
-        </p:nvSpPr>
-        <p:spPr>
-          <a:xfrm>
-            <a:off x="9464820" y="95618"/>
-            <a:ext cx="2637042" cy="3075925"/>
-          </a:xfrm>
-          <a:prstGeom prst="rect">
-            <a:avLst/>
-          </a:prstGeom>
-          <a:solidFill>
-            <a:srgbClr val="333399"/>
-          </a:solidFill>
-          <a:ln>
-            <a:noFill/>
-          </a:ln>
-        </p:spPr>
-        <p:style>
-          <a:lnRef idx="2">
-            <a:schemeClr val="accent1">
-              <a:shade val="50000"/>
-            </a:schemeClr>
-          </a:lnRef>
-          <a:fillRef idx="1">
-            <a:schemeClr val="accent1"/>
-          </a:fillRef>
-          <a:effectRef idx="0">
-            <a:schemeClr val="accent1"/>
-          </a:effectRef>
-          <a:fontRef idx="minor">
-            <a:schemeClr val="lt1"/>
-          </a:fontRef>
-        </p:style>
-        <p:txBody>
-          <a:bodyPr rtlCol="0" anchor="ctr"/>
-          <a:lstStyle/>
-          <a:p>
-            <a:pPr algn="ctr"/>
-            <a:r>
-              <a:rPr lang="en-NZ" dirty="0">
-                <a:solidFill>
-                  <a:srgbClr val="D0CECE"/>
-                </a:solidFill>
-                <a:latin typeface="Berlin Sans FB" panose="020E0602020502020306" pitchFamily="34" charset="0"/>
-              </a:rPr>
-              <a:t>Image</a:t>
-            </a:r>
-          </a:p>
-        </p:txBody>
-      </p:sp>
-      <p:sp>
-        <p:nvSpPr>
-          <p:cNvPr id="67" name="Rectangle 66">
-            <a:extLst>
-              <a:ext uri="{FF2B5EF4-FFF2-40B4-BE49-F238E27FC236}">
-                <a16:creationId xmlns:a16="http://schemas.microsoft.com/office/drawing/2014/main" id="{E58477C4-00C5-4007-8137-AC9E2F907650}"/>
-              </a:ext>
-            </a:extLst>
-          </p:cNvPr>
-          <p:cNvSpPr/>
-          <p:nvPr/>
-        </p:nvSpPr>
-        <p:spPr>
-          <a:xfrm>
-            <a:off x="7262015" y="2684546"/>
-            <a:ext cx="2117005" cy="3634589"/>
-          </a:xfrm>
-          <a:prstGeom prst="rect">
-            <a:avLst/>
-          </a:prstGeom>
-          <a:solidFill>
-            <a:srgbClr val="333399"/>
-          </a:solidFill>
-          <a:ln>
-            <a:noFill/>
-          </a:ln>
-        </p:spPr>
-        <p:style>
-          <a:lnRef idx="2">
-            <a:schemeClr val="accent1">
-              <a:shade val="50000"/>
-            </a:schemeClr>
-          </a:lnRef>
-          <a:fillRef idx="1">
-            <a:schemeClr val="accent1"/>
-          </a:fillRef>
-          <a:effectRef idx="0">
-            <a:schemeClr val="accent1"/>
-          </a:effectRef>
-          <a:fontRef idx="minor">
-            <a:schemeClr val="lt1"/>
-          </a:fontRef>
-        </p:style>
-        <p:txBody>
-          <a:bodyPr rtlCol="0" anchor="ctr"/>
-          <a:lstStyle/>
-          <a:p>
-            <a:pPr algn="ctr"/>
-            <a:r>
-              <a:rPr lang="en-NZ" dirty="0">
-                <a:solidFill>
-                  <a:srgbClr val="D0CECE"/>
-                </a:solidFill>
-                <a:latin typeface="Berlin Sans FB" panose="020E0602020502020306" pitchFamily="34" charset="0"/>
-              </a:rPr>
-              <a:t>Image</a:t>
-            </a:r>
-          </a:p>
-        </p:txBody>
-      </p:sp>
-      <p:sp>
-        <p:nvSpPr>
-          <p:cNvPr id="68" name="Cross 67">
-            <a:extLst>
-              <a:ext uri="{FF2B5EF4-FFF2-40B4-BE49-F238E27FC236}">
-                <a16:creationId xmlns:a16="http://schemas.microsoft.com/office/drawing/2014/main" id="{8FF9C865-9058-406E-98D6-64912F132483}"/>
-              </a:ext>
-            </a:extLst>
-          </p:cNvPr>
-          <p:cNvSpPr/>
-          <p:nvPr/>
-        </p:nvSpPr>
-        <p:spPr>
-          <a:xfrm rot="2715053">
-            <a:off x="6671413" y="4204322"/>
-            <a:ext cx="311734" cy="311734"/>
-          </a:xfrm>
-          <a:prstGeom prst="plus">
-            <a:avLst>
-              <a:gd name="adj" fmla="val 41514"/>
-            </a:avLst>
-          </a:prstGeom>
-          <a:solidFill>
-            <a:srgbClr val="767171"/>
-          </a:solidFill>
-          <a:ln>
-            <a:noFill/>
-          </a:ln>
-        </p:spPr>
-        <p:style>
-          <a:lnRef idx="2">
-            <a:schemeClr val="accent1">
-              <a:shade val="50000"/>
-            </a:schemeClr>
-          </a:lnRef>
-          <a:fillRef idx="1">
-            <a:schemeClr val="accent1"/>
-          </a:fillRef>
-          <a:effectRef idx="0">
-            <a:schemeClr val="accent1"/>
-          </a:effectRef>
-          <a:fontRef idx="minor">
-            <a:schemeClr val="lt1"/>
-          </a:fontRef>
-        </p:style>
-        <p:txBody>
-          <a:bodyPr rtlCol="0" anchor="ctr"/>
-          <a:lstStyle/>
-          <a:p>
-            <a:pPr algn="ctr"/>
-            <a:endParaRPr lang="en-NZ"/>
-          </a:p>
-        </p:txBody>
-      </p:sp>
-      <p:sp>
-        <p:nvSpPr>
-          <p:cNvPr id="69" name="Cross 68">
-            <a:extLst>
-              <a:ext uri="{FF2B5EF4-FFF2-40B4-BE49-F238E27FC236}">
-                <a16:creationId xmlns:a16="http://schemas.microsoft.com/office/drawing/2014/main" id="{53C5D19C-110C-47E5-B37F-24127F5AAAF1}"/>
-              </a:ext>
-            </a:extLst>
-          </p:cNvPr>
-          <p:cNvSpPr/>
-          <p:nvPr/>
-        </p:nvSpPr>
-        <p:spPr>
-          <a:xfrm>
-            <a:off x="6696761" y="4759488"/>
-            <a:ext cx="245744" cy="245744"/>
-          </a:xfrm>
-          <a:prstGeom prst="plus">
-            <a:avLst>
-              <a:gd name="adj" fmla="val 41514"/>
-            </a:avLst>
-          </a:prstGeom>
-          <a:solidFill>
-            <a:srgbClr val="767171"/>
-          </a:solidFill>
-          <a:ln>
-            <a:noFill/>
-          </a:ln>
-        </p:spPr>
-        <p:style>
-          <a:lnRef idx="2">
-            <a:schemeClr val="accent1">
-              <a:shade val="50000"/>
-            </a:schemeClr>
-          </a:lnRef>
-          <a:fillRef idx="1">
-            <a:schemeClr val="accent1"/>
-          </a:fillRef>
-          <a:effectRef idx="0">
-            <a:schemeClr val="accent1"/>
-          </a:effectRef>
-          <a:fontRef idx="minor">
-            <a:schemeClr val="lt1"/>
-          </a:fontRef>
-        </p:style>
-        <p:txBody>
-          <a:bodyPr rtlCol="0" anchor="ctr"/>
-          <a:lstStyle/>
-          <a:p>
-            <a:pPr algn="ctr"/>
-            <a:endParaRPr lang="en-NZ"/>
-          </a:p>
-        </p:txBody>
-      </p:sp>
       <p:pic>
         <p:nvPicPr>
-          <p:cNvPr id="72" name="Graphic 71" descr="Share with solid fill">
-            <a:extLst>
-              <a:ext uri="{FF2B5EF4-FFF2-40B4-BE49-F238E27FC236}">
-                <a16:creationId xmlns:a16="http://schemas.microsoft.com/office/drawing/2014/main" id="{539E073C-AC62-46A0-8D40-A52D094B9C0A}"/>
+          <p:cNvPr id="74" name="Graphic 73" descr="Address Book with solid fill">
+            <a:extLst>
+              <a:ext uri="{FF2B5EF4-FFF2-40B4-BE49-F238E27FC236}">
+                <a16:creationId xmlns:a16="http://schemas.microsoft.com/office/drawing/2014/main" id="{0FD9FDF4-CDB2-408D-A072-A8AB5313E501}"/>
               </a:ext>
             </a:extLst>
           </p:cNvPr>
@@ -9587,20 +10235,138 @@
         </p:blipFill>
         <p:spPr>
           <a:xfrm>
-            <a:off x="6683045" y="5232444"/>
-            <a:ext cx="283867" cy="294104"/>
+            <a:off x="6672457" y="5750001"/>
+            <a:ext cx="295209" cy="295209"/>
           </a:xfrm>
           <a:prstGeom prst="rect">
             <a:avLst/>
           </a:prstGeom>
         </p:spPr>
       </p:pic>
+      <p:sp>
+        <p:nvSpPr>
+          <p:cNvPr id="55" name="Rectangle: Rounded Corners 54">
+            <a:extLst>
+              <a:ext uri="{FF2B5EF4-FFF2-40B4-BE49-F238E27FC236}">
+                <a16:creationId xmlns:a16="http://schemas.microsoft.com/office/drawing/2014/main" id="{495CF08B-2EA6-6CB4-B98E-74E2910CC06E}"/>
+              </a:ext>
+            </a:extLst>
+          </p:cNvPr>
+          <p:cNvSpPr/>
+          <p:nvPr/>
+        </p:nvSpPr>
+        <p:spPr>
+          <a:xfrm>
+            <a:off x="2083262" y="851545"/>
+            <a:ext cx="4903984" cy="435975"/>
+          </a:xfrm>
+          <a:prstGeom prst="roundRect">
+            <a:avLst/>
+          </a:prstGeom>
+          <a:solidFill>
+            <a:schemeClr val="tx1">
+              <a:lumMod val="65000"/>
+              <a:lumOff val="35000"/>
+            </a:schemeClr>
+          </a:solidFill>
+          <a:ln w="38100">
+            <a:solidFill>
+              <a:srgbClr val="404040"/>
+            </a:solidFill>
+          </a:ln>
+        </p:spPr>
+        <p:style>
+          <a:lnRef idx="2">
+            <a:schemeClr val="accent1">
+              <a:shade val="50000"/>
+            </a:schemeClr>
+          </a:lnRef>
+          <a:fillRef idx="1">
+            <a:schemeClr val="accent1"/>
+          </a:fillRef>
+          <a:effectRef idx="0">
+            <a:schemeClr val="accent1"/>
+          </a:effectRef>
+          <a:fontRef idx="minor">
+            <a:schemeClr val="lt1"/>
+          </a:fontRef>
+        </p:style>
+        <p:txBody>
+          <a:bodyPr rtlCol="0" anchor="ctr"/>
+          <a:lstStyle/>
+          <a:p>
+            <a:r>
+              <a:rPr lang="en-NZ" dirty="0">
+                <a:solidFill>
+                  <a:schemeClr val="bg1"/>
+                </a:solidFill>
+                <a:latin typeface="Berlin Sans FB" panose="020E0602020502020306" pitchFamily="34" charset="0"/>
+              </a:rPr>
+              <a:t>TYPE HERE TO SEARCH</a:t>
+            </a:r>
+          </a:p>
+        </p:txBody>
+      </p:sp>
+      <p:sp>
+        <p:nvSpPr>
+          <p:cNvPr id="56" name="Rectangle: Rounded Corners 55">
+            <a:extLst>
+              <a:ext uri="{FF2B5EF4-FFF2-40B4-BE49-F238E27FC236}">
+                <a16:creationId xmlns:a16="http://schemas.microsoft.com/office/drawing/2014/main" id="{9ECEC1B5-19DE-3413-982B-88683CC4A12D}"/>
+              </a:ext>
+            </a:extLst>
+          </p:cNvPr>
+          <p:cNvSpPr/>
+          <p:nvPr/>
+        </p:nvSpPr>
+        <p:spPr>
+          <a:xfrm>
+            <a:off x="6528170" y="851545"/>
+            <a:ext cx="459076" cy="435975"/>
+          </a:xfrm>
+          <a:prstGeom prst="roundRect">
+            <a:avLst/>
+          </a:prstGeom>
+          <a:solidFill>
+            <a:srgbClr val="404040"/>
+          </a:solidFill>
+          <a:ln>
+            <a:solidFill>
+              <a:srgbClr val="404040"/>
+            </a:solidFill>
+          </a:ln>
+        </p:spPr>
+        <p:style>
+          <a:lnRef idx="2">
+            <a:schemeClr val="accent1">
+              <a:shade val="50000"/>
+            </a:schemeClr>
+          </a:lnRef>
+          <a:fillRef idx="1">
+            <a:schemeClr val="accent1"/>
+          </a:fillRef>
+          <a:effectRef idx="0">
+            <a:schemeClr val="accent1"/>
+          </a:effectRef>
+          <a:fontRef idx="minor">
+            <a:schemeClr val="lt1"/>
+          </a:fontRef>
+        </p:style>
+        <p:txBody>
+          <a:bodyPr rtlCol="0" anchor="ctr"/>
+          <a:lstStyle/>
+          <a:p>
+            <a:pPr algn="ctr"/>
+            <a:endParaRPr lang="en-NZ"/>
+          </a:p>
+        </p:txBody>
+      </p:sp>
       <p:pic>
         <p:nvPicPr>
-          <p:cNvPr id="74" name="Graphic 73" descr="Address Book with solid fill">
-            <a:extLst>
-              <a:ext uri="{FF2B5EF4-FFF2-40B4-BE49-F238E27FC236}">
-                <a16:creationId xmlns:a16="http://schemas.microsoft.com/office/drawing/2014/main" id="{0FD9FDF4-CDB2-408D-A072-A8AB5313E501}"/>
+          <p:cNvPr id="57" name="Graphic 56" descr="Magnifying glass with solid fill">
+            <a:extLst>
+              <a:ext uri="{FF2B5EF4-FFF2-40B4-BE49-F238E27FC236}">
+                <a16:creationId xmlns:a16="http://schemas.microsoft.com/office/drawing/2014/main" id="{BD5CBA18-21BF-369E-738E-48524A421DA5}"/>
               </a:ext>
             </a:extLst>
           </p:cNvPr>
@@ -9626,12 +10392,1152 @@
         </p:blipFill>
         <p:spPr>
           <a:xfrm>
-            <a:off x="6672457" y="5750001"/>
-            <a:ext cx="295209" cy="295209"/>
+            <a:off x="6548504" y="866718"/>
+            <a:ext cx="438742" cy="438742"/>
           </a:xfrm>
           <a:prstGeom prst="rect">
             <a:avLst/>
           </a:prstGeom>
+        </p:spPr>
+      </p:pic>
+      <p:sp>
+        <p:nvSpPr>
+          <p:cNvPr id="58" name="Rectangle: Rounded Corners 57">
+            <a:extLst>
+              <a:ext uri="{FF2B5EF4-FFF2-40B4-BE49-F238E27FC236}">
+                <a16:creationId xmlns:a16="http://schemas.microsoft.com/office/drawing/2014/main" id="{9F8BDB8E-A84C-4827-AC09-5AC63B291054}"/>
+              </a:ext>
+            </a:extLst>
+          </p:cNvPr>
+          <p:cNvSpPr/>
+          <p:nvPr/>
+        </p:nvSpPr>
+        <p:spPr>
+          <a:xfrm>
+            <a:off x="7262016" y="5608509"/>
+            <a:ext cx="390141" cy="390141"/>
+          </a:xfrm>
+          <a:prstGeom prst="roundRect">
+            <a:avLst/>
+          </a:prstGeom>
+          <a:solidFill>
+            <a:srgbClr val="595959"/>
+          </a:solidFill>
+          <a:ln w="38100">
+            <a:solidFill>
+              <a:srgbClr val="404040"/>
+            </a:solidFill>
+          </a:ln>
+        </p:spPr>
+        <p:style>
+          <a:lnRef idx="2">
+            <a:schemeClr val="accent1">
+              <a:shade val="50000"/>
+            </a:schemeClr>
+          </a:lnRef>
+          <a:fillRef idx="1">
+            <a:schemeClr val="accent1"/>
+          </a:fillRef>
+          <a:effectRef idx="0">
+            <a:schemeClr val="accent1"/>
+          </a:effectRef>
+          <a:fontRef idx="minor">
+            <a:schemeClr val="lt1"/>
+          </a:fontRef>
+        </p:style>
+        <p:txBody>
+          <a:bodyPr rtlCol="0" anchor="ctr"/>
+          <a:lstStyle/>
+          <a:p>
+            <a:pPr algn="ctr"/>
+            <a:endParaRPr lang="en-NZ"/>
+          </a:p>
+        </p:txBody>
+      </p:sp>
+      <p:sp>
+        <p:nvSpPr>
+          <p:cNvPr id="59" name="Isosceles Triangle 58">
+            <a:extLst>
+              <a:ext uri="{FF2B5EF4-FFF2-40B4-BE49-F238E27FC236}">
+                <a16:creationId xmlns:a16="http://schemas.microsoft.com/office/drawing/2014/main" id="{9241D3AF-2B21-462F-9803-6595B9229692}"/>
+              </a:ext>
+            </a:extLst>
+          </p:cNvPr>
+          <p:cNvSpPr/>
+          <p:nvPr/>
+        </p:nvSpPr>
+        <p:spPr>
+          <a:xfrm rot="16200000">
+            <a:off x="7314474" y="5752901"/>
+            <a:ext cx="285225" cy="101354"/>
+          </a:xfrm>
+          <a:prstGeom prst="triangle">
+            <a:avLst/>
+          </a:prstGeom>
+          <a:solidFill>
+            <a:srgbClr val="AFABAB"/>
+          </a:solidFill>
+          <a:ln>
+            <a:noFill/>
+          </a:ln>
+        </p:spPr>
+        <p:style>
+          <a:lnRef idx="2">
+            <a:schemeClr val="accent1">
+              <a:shade val="50000"/>
+            </a:schemeClr>
+          </a:lnRef>
+          <a:fillRef idx="1">
+            <a:schemeClr val="accent1"/>
+          </a:fillRef>
+          <a:effectRef idx="0">
+            <a:schemeClr val="accent1"/>
+          </a:effectRef>
+          <a:fontRef idx="minor">
+            <a:schemeClr val="lt1"/>
+          </a:fontRef>
+        </p:style>
+        <p:txBody>
+          <a:bodyPr rtlCol="0" anchor="ctr"/>
+          <a:lstStyle/>
+          <a:p>
+            <a:pPr algn="ctr"/>
+            <a:endParaRPr lang="en-NZ"/>
+          </a:p>
+        </p:txBody>
+      </p:sp>
+      <p:sp>
+        <p:nvSpPr>
+          <p:cNvPr id="60" name="Rectangle: Rounded Corners 59">
+            <a:extLst>
+              <a:ext uri="{FF2B5EF4-FFF2-40B4-BE49-F238E27FC236}">
+                <a16:creationId xmlns:a16="http://schemas.microsoft.com/office/drawing/2014/main" id="{6E177844-4F65-4D54-A710-28E42D53667C}"/>
+              </a:ext>
+            </a:extLst>
+          </p:cNvPr>
+          <p:cNvSpPr/>
+          <p:nvPr/>
+        </p:nvSpPr>
+        <p:spPr>
+          <a:xfrm>
+            <a:off x="11667245" y="5605585"/>
+            <a:ext cx="390141" cy="390141"/>
+          </a:xfrm>
+          <a:prstGeom prst="roundRect">
+            <a:avLst/>
+          </a:prstGeom>
+          <a:solidFill>
+            <a:srgbClr val="595959"/>
+          </a:solidFill>
+          <a:ln w="38100">
+            <a:solidFill>
+              <a:srgbClr val="404040"/>
+            </a:solidFill>
+          </a:ln>
+        </p:spPr>
+        <p:style>
+          <a:lnRef idx="2">
+            <a:schemeClr val="accent1">
+              <a:shade val="50000"/>
+            </a:schemeClr>
+          </a:lnRef>
+          <a:fillRef idx="1">
+            <a:schemeClr val="accent1"/>
+          </a:fillRef>
+          <a:effectRef idx="0">
+            <a:schemeClr val="accent1"/>
+          </a:effectRef>
+          <a:fontRef idx="minor">
+            <a:schemeClr val="lt1"/>
+          </a:fontRef>
+        </p:style>
+        <p:txBody>
+          <a:bodyPr rtlCol="0" anchor="ctr"/>
+          <a:lstStyle/>
+          <a:p>
+            <a:pPr algn="ctr"/>
+            <a:endParaRPr lang="en-NZ"/>
+          </a:p>
+        </p:txBody>
+      </p:sp>
+      <p:sp>
+        <p:nvSpPr>
+          <p:cNvPr id="61" name="Isosceles Triangle 60">
+            <a:extLst>
+              <a:ext uri="{FF2B5EF4-FFF2-40B4-BE49-F238E27FC236}">
+                <a16:creationId xmlns:a16="http://schemas.microsoft.com/office/drawing/2014/main" id="{F55BD734-84AB-4829-86B9-5006588BE758}"/>
+              </a:ext>
+            </a:extLst>
+          </p:cNvPr>
+          <p:cNvSpPr/>
+          <p:nvPr/>
+        </p:nvSpPr>
+        <p:spPr>
+          <a:xfrm rot="5400000">
+            <a:off x="11719703" y="5752901"/>
+            <a:ext cx="285225" cy="101354"/>
+          </a:xfrm>
+          <a:prstGeom prst="triangle">
+            <a:avLst/>
+          </a:prstGeom>
+          <a:solidFill>
+            <a:srgbClr val="AFABAB"/>
+          </a:solidFill>
+          <a:ln>
+            <a:noFill/>
+          </a:ln>
+        </p:spPr>
+        <p:style>
+          <a:lnRef idx="2">
+            <a:schemeClr val="accent1">
+              <a:shade val="50000"/>
+            </a:schemeClr>
+          </a:lnRef>
+          <a:fillRef idx="1">
+            <a:schemeClr val="accent1"/>
+          </a:fillRef>
+          <a:effectRef idx="0">
+            <a:schemeClr val="accent1"/>
+          </a:effectRef>
+          <a:fontRef idx="minor">
+            <a:schemeClr val="lt1"/>
+          </a:fontRef>
+        </p:style>
+        <p:txBody>
+          <a:bodyPr rtlCol="0" anchor="ctr"/>
+          <a:lstStyle/>
+          <a:p>
+            <a:pPr algn="ctr"/>
+            <a:endParaRPr lang="en-NZ"/>
+          </a:p>
+        </p:txBody>
+      </p:sp>
+      <p:sp>
+        <p:nvSpPr>
+          <p:cNvPr id="2" name="Oval 1">
+            <a:extLst>
+              <a:ext uri="{FF2B5EF4-FFF2-40B4-BE49-F238E27FC236}">
+                <a16:creationId xmlns:a16="http://schemas.microsoft.com/office/drawing/2014/main" id="{F6217395-C628-4DBB-AA2C-9D93C96C11E8}"/>
+              </a:ext>
+            </a:extLst>
+          </p:cNvPr>
+          <p:cNvSpPr/>
+          <p:nvPr/>
+        </p:nvSpPr>
+        <p:spPr>
+          <a:xfrm>
+            <a:off x="7848515" y="5731704"/>
+            <a:ext cx="170649" cy="170649"/>
+          </a:xfrm>
+          <a:prstGeom prst="ellipse">
+            <a:avLst/>
+          </a:prstGeom>
+          <a:solidFill>
+            <a:srgbClr val="595959"/>
+          </a:solidFill>
+          <a:ln w="38100">
+            <a:solidFill>
+              <a:srgbClr val="404040"/>
+            </a:solidFill>
+          </a:ln>
+        </p:spPr>
+        <p:style>
+          <a:lnRef idx="2">
+            <a:schemeClr val="accent1">
+              <a:shade val="50000"/>
+            </a:schemeClr>
+          </a:lnRef>
+          <a:fillRef idx="1">
+            <a:schemeClr val="accent1"/>
+          </a:fillRef>
+          <a:effectRef idx="0">
+            <a:schemeClr val="accent1"/>
+          </a:effectRef>
+          <a:fontRef idx="minor">
+            <a:schemeClr val="lt1"/>
+          </a:fontRef>
+        </p:style>
+        <p:txBody>
+          <a:bodyPr rtlCol="0" anchor="ctr"/>
+          <a:lstStyle/>
+          <a:p>
+            <a:pPr algn="ctr"/>
+            <a:endParaRPr lang="en-NZ"/>
+          </a:p>
+        </p:txBody>
+      </p:sp>
+      <p:sp>
+        <p:nvSpPr>
+          <p:cNvPr id="62" name="Oval 61">
+            <a:extLst>
+              <a:ext uri="{FF2B5EF4-FFF2-40B4-BE49-F238E27FC236}">
+                <a16:creationId xmlns:a16="http://schemas.microsoft.com/office/drawing/2014/main" id="{A27ED992-072E-4FEA-9084-CA061F77FAF0}"/>
+              </a:ext>
+            </a:extLst>
+          </p:cNvPr>
+          <p:cNvSpPr/>
+          <p:nvPr/>
+        </p:nvSpPr>
+        <p:spPr>
+          <a:xfrm>
+            <a:off x="8163557" y="5731704"/>
+            <a:ext cx="170649" cy="170649"/>
+          </a:xfrm>
+          <a:prstGeom prst="ellipse">
+            <a:avLst/>
+          </a:prstGeom>
+          <a:solidFill>
+            <a:srgbClr val="595959"/>
+          </a:solidFill>
+          <a:ln w="38100">
+            <a:solidFill>
+              <a:srgbClr val="404040"/>
+            </a:solidFill>
+          </a:ln>
+        </p:spPr>
+        <p:style>
+          <a:lnRef idx="2">
+            <a:schemeClr val="accent1">
+              <a:shade val="50000"/>
+            </a:schemeClr>
+          </a:lnRef>
+          <a:fillRef idx="1">
+            <a:schemeClr val="accent1"/>
+          </a:fillRef>
+          <a:effectRef idx="0">
+            <a:schemeClr val="accent1"/>
+          </a:effectRef>
+          <a:fontRef idx="minor">
+            <a:schemeClr val="lt1"/>
+          </a:fontRef>
+        </p:style>
+        <p:txBody>
+          <a:bodyPr rtlCol="0" anchor="ctr"/>
+          <a:lstStyle/>
+          <a:p>
+            <a:pPr algn="ctr"/>
+            <a:endParaRPr lang="en-NZ"/>
+          </a:p>
+        </p:txBody>
+      </p:sp>
+      <p:sp>
+        <p:nvSpPr>
+          <p:cNvPr id="70" name="Oval 69">
+            <a:extLst>
+              <a:ext uri="{FF2B5EF4-FFF2-40B4-BE49-F238E27FC236}">
+                <a16:creationId xmlns:a16="http://schemas.microsoft.com/office/drawing/2014/main" id="{6A4956D8-ACD8-433B-ADA4-B0651E59A4E5}"/>
+              </a:ext>
+            </a:extLst>
+          </p:cNvPr>
+          <p:cNvSpPr/>
+          <p:nvPr/>
+        </p:nvSpPr>
+        <p:spPr>
+          <a:xfrm>
+            <a:off x="8476806" y="5731704"/>
+            <a:ext cx="170649" cy="170649"/>
+          </a:xfrm>
+          <a:prstGeom prst="ellipse">
+            <a:avLst/>
+          </a:prstGeom>
+          <a:solidFill>
+            <a:srgbClr val="595959"/>
+          </a:solidFill>
+          <a:ln w="38100">
+            <a:solidFill>
+              <a:srgbClr val="404040"/>
+            </a:solidFill>
+          </a:ln>
+        </p:spPr>
+        <p:style>
+          <a:lnRef idx="2">
+            <a:schemeClr val="accent1">
+              <a:shade val="50000"/>
+            </a:schemeClr>
+          </a:lnRef>
+          <a:fillRef idx="1">
+            <a:schemeClr val="accent1"/>
+          </a:fillRef>
+          <a:effectRef idx="0">
+            <a:schemeClr val="accent1"/>
+          </a:effectRef>
+          <a:fontRef idx="minor">
+            <a:schemeClr val="lt1"/>
+          </a:fontRef>
+        </p:style>
+        <p:txBody>
+          <a:bodyPr rtlCol="0" anchor="ctr"/>
+          <a:lstStyle/>
+          <a:p>
+            <a:pPr algn="ctr"/>
+            <a:endParaRPr lang="en-NZ"/>
+          </a:p>
+        </p:txBody>
+      </p:sp>
+      <p:sp>
+        <p:nvSpPr>
+          <p:cNvPr id="71" name="Oval 70">
+            <a:extLst>
+              <a:ext uri="{FF2B5EF4-FFF2-40B4-BE49-F238E27FC236}">
+                <a16:creationId xmlns:a16="http://schemas.microsoft.com/office/drawing/2014/main" id="{59E3F29E-BAA7-4FF3-AB25-8A21650EC887}"/>
+              </a:ext>
+            </a:extLst>
+          </p:cNvPr>
+          <p:cNvSpPr/>
+          <p:nvPr/>
+        </p:nvSpPr>
+        <p:spPr>
+          <a:xfrm>
+            <a:off x="8790055" y="5735246"/>
+            <a:ext cx="170649" cy="170649"/>
+          </a:xfrm>
+          <a:prstGeom prst="ellipse">
+            <a:avLst/>
+          </a:prstGeom>
+          <a:solidFill>
+            <a:srgbClr val="595959"/>
+          </a:solidFill>
+          <a:ln w="38100">
+            <a:solidFill>
+              <a:srgbClr val="404040"/>
+            </a:solidFill>
+          </a:ln>
+        </p:spPr>
+        <p:style>
+          <a:lnRef idx="2">
+            <a:schemeClr val="accent1">
+              <a:shade val="50000"/>
+            </a:schemeClr>
+          </a:lnRef>
+          <a:fillRef idx="1">
+            <a:schemeClr val="accent1"/>
+          </a:fillRef>
+          <a:effectRef idx="0">
+            <a:schemeClr val="accent1"/>
+          </a:effectRef>
+          <a:fontRef idx="minor">
+            <a:schemeClr val="lt1"/>
+          </a:fontRef>
+        </p:style>
+        <p:txBody>
+          <a:bodyPr rtlCol="0" anchor="ctr"/>
+          <a:lstStyle/>
+          <a:p>
+            <a:pPr algn="ctr"/>
+            <a:endParaRPr lang="en-NZ"/>
+          </a:p>
+        </p:txBody>
+      </p:sp>
+      <p:sp>
+        <p:nvSpPr>
+          <p:cNvPr id="73" name="Oval 72">
+            <a:extLst>
+              <a:ext uri="{FF2B5EF4-FFF2-40B4-BE49-F238E27FC236}">
+                <a16:creationId xmlns:a16="http://schemas.microsoft.com/office/drawing/2014/main" id="{31DA5E26-35CD-44A1-9CA6-1459DAA0525D}"/>
+              </a:ext>
+            </a:extLst>
+          </p:cNvPr>
+          <p:cNvSpPr/>
+          <p:nvPr/>
+        </p:nvSpPr>
+        <p:spPr>
+          <a:xfrm>
+            <a:off x="9101280" y="5731704"/>
+            <a:ext cx="170649" cy="170649"/>
+          </a:xfrm>
+          <a:prstGeom prst="ellipse">
+            <a:avLst/>
+          </a:prstGeom>
+          <a:solidFill>
+            <a:srgbClr val="595959"/>
+          </a:solidFill>
+          <a:ln w="38100">
+            <a:solidFill>
+              <a:srgbClr val="404040"/>
+            </a:solidFill>
+          </a:ln>
+        </p:spPr>
+        <p:style>
+          <a:lnRef idx="2">
+            <a:schemeClr val="accent1">
+              <a:shade val="50000"/>
+            </a:schemeClr>
+          </a:lnRef>
+          <a:fillRef idx="1">
+            <a:schemeClr val="accent1"/>
+          </a:fillRef>
+          <a:effectRef idx="0">
+            <a:schemeClr val="accent1"/>
+          </a:effectRef>
+          <a:fontRef idx="minor">
+            <a:schemeClr val="lt1"/>
+          </a:fontRef>
+        </p:style>
+        <p:txBody>
+          <a:bodyPr rtlCol="0" anchor="ctr"/>
+          <a:lstStyle/>
+          <a:p>
+            <a:pPr algn="ctr"/>
+            <a:endParaRPr lang="en-NZ"/>
+          </a:p>
+        </p:txBody>
+      </p:sp>
+      <p:sp>
+        <p:nvSpPr>
+          <p:cNvPr id="75" name="Oval 74">
+            <a:extLst>
+              <a:ext uri="{FF2B5EF4-FFF2-40B4-BE49-F238E27FC236}">
+                <a16:creationId xmlns:a16="http://schemas.microsoft.com/office/drawing/2014/main" id="{A608A5E2-BF3E-492C-849D-F9AD07B1B29E}"/>
+              </a:ext>
+            </a:extLst>
+          </p:cNvPr>
+          <p:cNvSpPr/>
+          <p:nvPr/>
+        </p:nvSpPr>
+        <p:spPr>
+          <a:xfrm>
+            <a:off x="9428919" y="5731704"/>
+            <a:ext cx="170649" cy="170649"/>
+          </a:xfrm>
+          <a:prstGeom prst="ellipse">
+            <a:avLst/>
+          </a:prstGeom>
+          <a:solidFill>
+            <a:srgbClr val="595959"/>
+          </a:solidFill>
+          <a:ln w="38100">
+            <a:solidFill>
+              <a:srgbClr val="404040"/>
+            </a:solidFill>
+          </a:ln>
+        </p:spPr>
+        <p:style>
+          <a:lnRef idx="2">
+            <a:schemeClr val="accent1">
+              <a:shade val="50000"/>
+            </a:schemeClr>
+          </a:lnRef>
+          <a:fillRef idx="1">
+            <a:schemeClr val="accent1"/>
+          </a:fillRef>
+          <a:effectRef idx="0">
+            <a:schemeClr val="accent1"/>
+          </a:effectRef>
+          <a:fontRef idx="minor">
+            <a:schemeClr val="lt1"/>
+          </a:fontRef>
+        </p:style>
+        <p:txBody>
+          <a:bodyPr rtlCol="0" anchor="ctr"/>
+          <a:lstStyle/>
+          <a:p>
+            <a:pPr algn="ctr"/>
+            <a:endParaRPr lang="en-NZ"/>
+          </a:p>
+        </p:txBody>
+      </p:sp>
+      <p:sp>
+        <p:nvSpPr>
+          <p:cNvPr id="76" name="Oval 75">
+            <a:extLst>
+              <a:ext uri="{FF2B5EF4-FFF2-40B4-BE49-F238E27FC236}">
+                <a16:creationId xmlns:a16="http://schemas.microsoft.com/office/drawing/2014/main" id="{8CF504A0-DA0F-4A0A-9E82-F2849BE513D3}"/>
+              </a:ext>
+            </a:extLst>
+          </p:cNvPr>
+          <p:cNvSpPr/>
+          <p:nvPr/>
+        </p:nvSpPr>
+        <p:spPr>
+          <a:xfrm>
+            <a:off x="9743961" y="5731704"/>
+            <a:ext cx="170649" cy="170649"/>
+          </a:xfrm>
+          <a:prstGeom prst="ellipse">
+            <a:avLst/>
+          </a:prstGeom>
+          <a:solidFill>
+            <a:srgbClr val="595959"/>
+          </a:solidFill>
+          <a:ln w="38100">
+            <a:solidFill>
+              <a:srgbClr val="404040"/>
+            </a:solidFill>
+          </a:ln>
+        </p:spPr>
+        <p:style>
+          <a:lnRef idx="2">
+            <a:schemeClr val="accent1">
+              <a:shade val="50000"/>
+            </a:schemeClr>
+          </a:lnRef>
+          <a:fillRef idx="1">
+            <a:schemeClr val="accent1"/>
+          </a:fillRef>
+          <a:effectRef idx="0">
+            <a:schemeClr val="accent1"/>
+          </a:effectRef>
+          <a:fontRef idx="minor">
+            <a:schemeClr val="lt1"/>
+          </a:fontRef>
+        </p:style>
+        <p:txBody>
+          <a:bodyPr rtlCol="0" anchor="ctr"/>
+          <a:lstStyle/>
+          <a:p>
+            <a:pPr algn="ctr"/>
+            <a:endParaRPr lang="en-NZ"/>
+          </a:p>
+        </p:txBody>
+      </p:sp>
+      <p:sp>
+        <p:nvSpPr>
+          <p:cNvPr id="77" name="Oval 76">
+            <a:extLst>
+              <a:ext uri="{FF2B5EF4-FFF2-40B4-BE49-F238E27FC236}">
+                <a16:creationId xmlns:a16="http://schemas.microsoft.com/office/drawing/2014/main" id="{E9749185-F966-453A-AD3A-65C6A0A5D932}"/>
+              </a:ext>
+            </a:extLst>
+          </p:cNvPr>
+          <p:cNvSpPr/>
+          <p:nvPr/>
+        </p:nvSpPr>
+        <p:spPr>
+          <a:xfrm>
+            <a:off x="10057210" y="5731704"/>
+            <a:ext cx="170649" cy="170649"/>
+          </a:xfrm>
+          <a:prstGeom prst="ellipse">
+            <a:avLst/>
+          </a:prstGeom>
+          <a:solidFill>
+            <a:srgbClr val="595959"/>
+          </a:solidFill>
+          <a:ln w="38100">
+            <a:solidFill>
+              <a:srgbClr val="404040"/>
+            </a:solidFill>
+          </a:ln>
+        </p:spPr>
+        <p:style>
+          <a:lnRef idx="2">
+            <a:schemeClr val="accent1">
+              <a:shade val="50000"/>
+            </a:schemeClr>
+          </a:lnRef>
+          <a:fillRef idx="1">
+            <a:schemeClr val="accent1"/>
+          </a:fillRef>
+          <a:effectRef idx="0">
+            <a:schemeClr val="accent1"/>
+          </a:effectRef>
+          <a:fontRef idx="minor">
+            <a:schemeClr val="lt1"/>
+          </a:fontRef>
+        </p:style>
+        <p:txBody>
+          <a:bodyPr rtlCol="0" anchor="ctr"/>
+          <a:lstStyle/>
+          <a:p>
+            <a:pPr algn="ctr"/>
+            <a:endParaRPr lang="en-NZ"/>
+          </a:p>
+        </p:txBody>
+      </p:sp>
+      <p:sp>
+        <p:nvSpPr>
+          <p:cNvPr id="78" name="Oval 77">
+            <a:extLst>
+              <a:ext uri="{FF2B5EF4-FFF2-40B4-BE49-F238E27FC236}">
+                <a16:creationId xmlns:a16="http://schemas.microsoft.com/office/drawing/2014/main" id="{A02DD793-C5FB-4CE6-B536-D9CB457F3231}"/>
+              </a:ext>
+            </a:extLst>
+          </p:cNvPr>
+          <p:cNvSpPr/>
+          <p:nvPr/>
+        </p:nvSpPr>
+        <p:spPr>
+          <a:xfrm>
+            <a:off x="10369447" y="5723517"/>
+            <a:ext cx="170649" cy="170649"/>
+          </a:xfrm>
+          <a:prstGeom prst="ellipse">
+            <a:avLst/>
+          </a:prstGeom>
+          <a:solidFill>
+            <a:srgbClr val="595959"/>
+          </a:solidFill>
+          <a:ln w="38100">
+            <a:solidFill>
+              <a:srgbClr val="404040"/>
+            </a:solidFill>
+          </a:ln>
+        </p:spPr>
+        <p:style>
+          <a:lnRef idx="2">
+            <a:schemeClr val="accent1">
+              <a:shade val="50000"/>
+            </a:schemeClr>
+          </a:lnRef>
+          <a:fillRef idx="1">
+            <a:schemeClr val="accent1"/>
+          </a:fillRef>
+          <a:effectRef idx="0">
+            <a:schemeClr val="accent1"/>
+          </a:effectRef>
+          <a:fontRef idx="minor">
+            <a:schemeClr val="lt1"/>
+          </a:fontRef>
+        </p:style>
+        <p:txBody>
+          <a:bodyPr rtlCol="0" anchor="ctr"/>
+          <a:lstStyle/>
+          <a:p>
+            <a:pPr algn="ctr"/>
+            <a:endParaRPr lang="en-NZ"/>
+          </a:p>
+        </p:txBody>
+      </p:sp>
+      <p:sp>
+        <p:nvSpPr>
+          <p:cNvPr id="79" name="Oval 78">
+            <a:extLst>
+              <a:ext uri="{FF2B5EF4-FFF2-40B4-BE49-F238E27FC236}">
+                <a16:creationId xmlns:a16="http://schemas.microsoft.com/office/drawing/2014/main" id="{C6CA6937-8423-45AA-A22A-7E45EDBE53F1}"/>
+              </a:ext>
+            </a:extLst>
+          </p:cNvPr>
+          <p:cNvSpPr/>
+          <p:nvPr/>
+        </p:nvSpPr>
+        <p:spPr>
+          <a:xfrm>
+            <a:off x="10681684" y="5723517"/>
+            <a:ext cx="170649" cy="170649"/>
+          </a:xfrm>
+          <a:prstGeom prst="ellipse">
+            <a:avLst/>
+          </a:prstGeom>
+          <a:solidFill>
+            <a:srgbClr val="595959"/>
+          </a:solidFill>
+          <a:ln w="38100">
+            <a:solidFill>
+              <a:srgbClr val="404040"/>
+            </a:solidFill>
+          </a:ln>
+        </p:spPr>
+        <p:style>
+          <a:lnRef idx="2">
+            <a:schemeClr val="accent1">
+              <a:shade val="50000"/>
+            </a:schemeClr>
+          </a:lnRef>
+          <a:fillRef idx="1">
+            <a:schemeClr val="accent1"/>
+          </a:fillRef>
+          <a:effectRef idx="0">
+            <a:schemeClr val="accent1"/>
+          </a:effectRef>
+          <a:fontRef idx="minor">
+            <a:schemeClr val="lt1"/>
+          </a:fontRef>
+        </p:style>
+        <p:txBody>
+          <a:bodyPr rtlCol="0" anchor="ctr"/>
+          <a:lstStyle/>
+          <a:p>
+            <a:pPr algn="ctr"/>
+            <a:endParaRPr lang="en-NZ"/>
+          </a:p>
+        </p:txBody>
+      </p:sp>
+      <p:sp>
+        <p:nvSpPr>
+          <p:cNvPr id="80" name="Oval 79">
+            <a:extLst>
+              <a:ext uri="{FF2B5EF4-FFF2-40B4-BE49-F238E27FC236}">
+                <a16:creationId xmlns:a16="http://schemas.microsoft.com/office/drawing/2014/main" id="{EDD731F5-BA6E-44D6-8679-3BC354A34DEE}"/>
+              </a:ext>
+            </a:extLst>
+          </p:cNvPr>
+          <p:cNvSpPr/>
+          <p:nvPr/>
+        </p:nvSpPr>
+        <p:spPr>
+          <a:xfrm>
+            <a:off x="10988000" y="5715330"/>
+            <a:ext cx="170649" cy="170649"/>
+          </a:xfrm>
+          <a:prstGeom prst="ellipse">
+            <a:avLst/>
+          </a:prstGeom>
+          <a:solidFill>
+            <a:srgbClr val="595959"/>
+          </a:solidFill>
+          <a:ln w="38100">
+            <a:solidFill>
+              <a:srgbClr val="404040"/>
+            </a:solidFill>
+          </a:ln>
+        </p:spPr>
+        <p:style>
+          <a:lnRef idx="2">
+            <a:schemeClr val="accent1">
+              <a:shade val="50000"/>
+            </a:schemeClr>
+          </a:lnRef>
+          <a:fillRef idx="1">
+            <a:schemeClr val="accent1"/>
+          </a:fillRef>
+          <a:effectRef idx="0">
+            <a:schemeClr val="accent1"/>
+          </a:effectRef>
+          <a:fontRef idx="minor">
+            <a:schemeClr val="lt1"/>
+          </a:fontRef>
+        </p:style>
+        <p:txBody>
+          <a:bodyPr rtlCol="0" anchor="ctr"/>
+          <a:lstStyle/>
+          <a:p>
+            <a:pPr algn="ctr"/>
+            <a:endParaRPr lang="en-NZ"/>
+          </a:p>
+        </p:txBody>
+      </p:sp>
+      <p:sp>
+        <p:nvSpPr>
+          <p:cNvPr id="81" name="Oval 80">
+            <a:extLst>
+              <a:ext uri="{FF2B5EF4-FFF2-40B4-BE49-F238E27FC236}">
+                <a16:creationId xmlns:a16="http://schemas.microsoft.com/office/drawing/2014/main" id="{2E071BEA-A9E6-4E06-8B6A-2C81690B80FB}"/>
+              </a:ext>
+            </a:extLst>
+          </p:cNvPr>
+          <p:cNvSpPr/>
+          <p:nvPr/>
+        </p:nvSpPr>
+        <p:spPr>
+          <a:xfrm>
+            <a:off x="11300237" y="5723517"/>
+            <a:ext cx="170649" cy="170649"/>
+          </a:xfrm>
+          <a:prstGeom prst="ellipse">
+            <a:avLst/>
+          </a:prstGeom>
+          <a:solidFill>
+            <a:srgbClr val="595959"/>
+          </a:solidFill>
+          <a:ln w="38100">
+            <a:solidFill>
+              <a:srgbClr val="404040"/>
+            </a:solidFill>
+          </a:ln>
+        </p:spPr>
+        <p:style>
+          <a:lnRef idx="2">
+            <a:schemeClr val="accent1">
+              <a:shade val="50000"/>
+            </a:schemeClr>
+          </a:lnRef>
+          <a:fillRef idx="1">
+            <a:schemeClr val="accent1"/>
+          </a:fillRef>
+          <a:effectRef idx="0">
+            <a:schemeClr val="accent1"/>
+          </a:effectRef>
+          <a:fontRef idx="minor">
+            <a:schemeClr val="lt1"/>
+          </a:fontRef>
+        </p:style>
+        <p:txBody>
+          <a:bodyPr rtlCol="0" anchor="ctr"/>
+          <a:lstStyle/>
+          <a:p>
+            <a:pPr algn="ctr"/>
+            <a:endParaRPr lang="en-NZ"/>
+          </a:p>
+        </p:txBody>
+      </p:sp>
+      <p:pic>
+        <p:nvPicPr>
+          <p:cNvPr id="82" name="Picture 81">
+            <a:extLst>
+              <a:ext uri="{FF2B5EF4-FFF2-40B4-BE49-F238E27FC236}">
+                <a16:creationId xmlns:a16="http://schemas.microsoft.com/office/drawing/2014/main" id="{CC556934-DF4E-4DD6-8B1E-42A6794F52F5}"/>
+              </a:ext>
+            </a:extLst>
+          </p:cNvPr>
+          <p:cNvPicPr>
+            <a:picLocks noChangeAspect="1"/>
+          </p:cNvPicPr>
+          <p:nvPr/>
+        </p:nvPicPr>
+        <p:blipFill>
+          <a:blip r:embed="rId9">
+            <a:extLst>
+              <a:ext uri="{BEBA8EAE-BF5A-486C-A8C5-ECC9F3942E4B}">
+                <a14:imgProps xmlns:a14="http://schemas.microsoft.com/office/drawing/2010/main">
+                  <a14:imgLayer r:embed="rId10">
+                    <a14:imgEffect>
+                      <a14:backgroundRemoval t="9976" b="89538" l="9405" r="90211">
+                        <a14:foregroundMark x1="90403" y1="65450" x2="90403" y2="65450"/>
+                        <a14:foregroundMark x1="9405" y1="50122" x2="9405" y2="50122"/>
+                      </a14:backgroundRemoval>
+                    </a14:imgEffect>
+                  </a14:imgLayer>
+                </a14:imgProps>
+              </a:ext>
+            </a:extLst>
+          </a:blip>
+          <a:stretch>
+            <a:fillRect/>
+          </a:stretch>
+        </p:blipFill>
+        <p:spPr>
+          <a:xfrm>
+            <a:off x="140779" y="223284"/>
+            <a:ext cx="1706833" cy="1346465"/>
+          </a:xfrm>
+          <a:prstGeom prst="rect">
+            <a:avLst/>
+          </a:prstGeom>
+        </p:spPr>
+      </p:pic>
+      <p:pic>
+        <p:nvPicPr>
+          <p:cNvPr id="1026" name="Picture 2" descr="Car driving fast motion on highway side view 20-03-2022 Riga, Latvia. Selective focus">
+            <a:extLst>
+              <a:ext uri="{FF2B5EF4-FFF2-40B4-BE49-F238E27FC236}">
+                <a16:creationId xmlns:a16="http://schemas.microsoft.com/office/drawing/2014/main" id="{CF7E6822-33F8-4721-BBD4-BB78F4F193CD}"/>
+              </a:ext>
+            </a:extLst>
+          </p:cNvPr>
+          <p:cNvPicPr>
+            <a:picLocks noChangeAspect="1" noChangeArrowheads="1"/>
+          </p:cNvPicPr>
+          <p:nvPr/>
+        </p:nvPicPr>
+        <p:blipFill>
+          <a:blip r:embed="rId11">
+            <a:extLst>
+              <a:ext uri="{28A0092B-C50C-407E-A947-70E740481C1C}">
+                <a14:useLocalDpi xmlns:a14="http://schemas.microsoft.com/office/drawing/2010/main" val="0"/>
+              </a:ext>
+            </a:extLst>
+          </a:blip>
+          <a:srcRect/>
+          <a:stretch>
+            <a:fillRect/>
+          </a:stretch>
+        </p:blipFill>
+        <p:spPr bwMode="auto">
+          <a:xfrm>
+            <a:off x="7341456" y="174884"/>
+            <a:ext cx="1930473" cy="2305415"/>
+          </a:xfrm>
+          <a:prstGeom prst="rect">
+            <a:avLst/>
+          </a:prstGeom>
+          <a:noFill/>
+          <a:extLst>
+            <a:ext uri="{909E8E84-426E-40DD-AFC4-6F175D3DCCD1}">
+              <a14:hiddenFill xmlns:a14="http://schemas.microsoft.com/office/drawing/2010/main">
+                <a:solidFill>
+                  <a:srgbClr val="FFFFFF"/>
+                </a:solidFill>
+              </a14:hiddenFill>
+            </a:ext>
+          </a:extLst>
+        </p:spPr>
+      </p:pic>
+      <p:pic>
+        <p:nvPicPr>
+          <p:cNvPr id="1028" name="Picture 4" descr="Istanbul/Turkey - April 29 2018 :  GLC 350e is the second plug-in-hybrid crossover of German vehicle manufacturer Mercedes.">
+            <a:extLst>
+              <a:ext uri="{FF2B5EF4-FFF2-40B4-BE49-F238E27FC236}">
+                <a16:creationId xmlns:a16="http://schemas.microsoft.com/office/drawing/2014/main" id="{135634AD-C94F-43E1-966A-F76091811978}"/>
+              </a:ext>
+            </a:extLst>
+          </p:cNvPr>
+          <p:cNvPicPr>
+            <a:picLocks noChangeAspect="1" noChangeArrowheads="1"/>
+          </p:cNvPicPr>
+          <p:nvPr/>
+        </p:nvPicPr>
+        <p:blipFill>
+          <a:blip r:embed="rId12">
+            <a:extLst>
+              <a:ext uri="{28A0092B-C50C-407E-A947-70E740481C1C}">
+                <a14:useLocalDpi xmlns:a14="http://schemas.microsoft.com/office/drawing/2010/main" val="0"/>
+              </a:ext>
+            </a:extLst>
+          </a:blip>
+          <a:srcRect/>
+          <a:stretch>
+            <a:fillRect/>
+          </a:stretch>
+        </p:blipFill>
+        <p:spPr bwMode="auto">
+          <a:xfrm>
+            <a:off x="7348410" y="2789717"/>
+            <a:ext cx="1923519" cy="2725203"/>
+          </a:xfrm>
+          <a:prstGeom prst="rect">
+            <a:avLst/>
+          </a:prstGeom>
+          <a:noFill/>
+          <a:extLst>
+            <a:ext uri="{909E8E84-426E-40DD-AFC4-6F175D3DCCD1}">
+              <a14:hiddenFill xmlns:a14="http://schemas.microsoft.com/office/drawing/2010/main">
+                <a:solidFill>
+                  <a:srgbClr val="FFFFFF"/>
+                </a:solidFill>
+              </a14:hiddenFill>
+            </a:ext>
+          </a:extLst>
+        </p:spPr>
+      </p:pic>
+      <p:pic>
+        <p:nvPicPr>
+          <p:cNvPr id="1030" name="Picture 6" descr="French car">
+            <a:extLst>
+              <a:ext uri="{FF2B5EF4-FFF2-40B4-BE49-F238E27FC236}">
+                <a16:creationId xmlns:a16="http://schemas.microsoft.com/office/drawing/2014/main" id="{1A9045AC-C075-4D08-9C48-5463FBA71BA1}"/>
+              </a:ext>
+            </a:extLst>
+          </p:cNvPr>
+          <p:cNvPicPr>
+            <a:picLocks noChangeAspect="1" noChangeArrowheads="1"/>
+          </p:cNvPicPr>
+          <p:nvPr/>
+        </p:nvPicPr>
+        <p:blipFill>
+          <a:blip r:embed="rId13">
+            <a:extLst>
+              <a:ext uri="{28A0092B-C50C-407E-A947-70E740481C1C}">
+                <a14:useLocalDpi xmlns:a14="http://schemas.microsoft.com/office/drawing/2010/main" val="0"/>
+              </a:ext>
+            </a:extLst>
+          </a:blip>
+          <a:srcRect/>
+          <a:stretch>
+            <a:fillRect/>
+          </a:stretch>
+        </p:blipFill>
+        <p:spPr bwMode="auto">
+          <a:xfrm>
+            <a:off x="9530249" y="174884"/>
+            <a:ext cx="2505002" cy="2924483"/>
+          </a:xfrm>
+          <a:prstGeom prst="rect">
+            <a:avLst/>
+          </a:prstGeom>
+          <a:noFill/>
+          <a:extLst>
+            <a:ext uri="{909E8E84-426E-40DD-AFC4-6F175D3DCCD1}">
+              <a14:hiddenFill xmlns:a14="http://schemas.microsoft.com/office/drawing/2010/main">
+                <a:solidFill>
+                  <a:srgbClr val="FFFFFF"/>
+                </a:solidFill>
+              </a14:hiddenFill>
+            </a:ext>
+          </a:extLst>
+        </p:spPr>
+      </p:pic>
+      <p:pic>
+        <p:nvPicPr>
+          <p:cNvPr id="1032" name="Picture 8" descr="Madrid Spain. 03/23/2009.&#10;The Renault 4CV is a low-priced car that was produced by the French manufacturer Renault from August 1947 to July 1961.">
+            <a:extLst>
+              <a:ext uri="{FF2B5EF4-FFF2-40B4-BE49-F238E27FC236}">
+                <a16:creationId xmlns:a16="http://schemas.microsoft.com/office/drawing/2014/main" id="{03D164CB-DE6B-48C7-A29E-4922D3DC20F1}"/>
+              </a:ext>
+            </a:extLst>
+          </p:cNvPr>
+          <p:cNvPicPr>
+            <a:picLocks noChangeAspect="1" noChangeArrowheads="1"/>
+          </p:cNvPicPr>
+          <p:nvPr/>
+        </p:nvPicPr>
+        <p:blipFill>
+          <a:blip r:embed="rId14">
+            <a:extLst>
+              <a:ext uri="{28A0092B-C50C-407E-A947-70E740481C1C}">
+                <a14:useLocalDpi xmlns:a14="http://schemas.microsoft.com/office/drawing/2010/main" val="0"/>
+              </a:ext>
+            </a:extLst>
+          </a:blip>
+          <a:srcRect/>
+          <a:stretch>
+            <a:fillRect/>
+          </a:stretch>
+        </p:blipFill>
+        <p:spPr bwMode="auto">
+          <a:xfrm>
+            <a:off x="9527839" y="3316972"/>
+            <a:ext cx="2507412" cy="1401572"/>
+          </a:xfrm>
+          <a:prstGeom prst="rect">
+            <a:avLst/>
+          </a:prstGeom>
+          <a:noFill/>
+          <a:extLst>
+            <a:ext uri="{909E8E84-426E-40DD-AFC4-6F175D3DCCD1}">
+              <a14:hiddenFill xmlns:a14="http://schemas.microsoft.com/office/drawing/2010/main">
+                <a:solidFill>
+                  <a:srgbClr val="FFFFFF"/>
+                </a:solidFill>
+              </a14:hiddenFill>
+            </a:ext>
+          </a:extLst>
+        </p:spPr>
+      </p:pic>
+      <p:pic>
+        <p:nvPicPr>
+          <p:cNvPr id="1034" name="Picture 10" descr="London, Britain / United Kingdom . March 02 2020 : traditional metropolitan transport in the capital on red double-decker buses in the Tower of London bridge on the Thames in United Kingdom">
+            <a:extLst>
+              <a:ext uri="{FF2B5EF4-FFF2-40B4-BE49-F238E27FC236}">
+                <a16:creationId xmlns:a16="http://schemas.microsoft.com/office/drawing/2014/main" id="{5B68B2DF-DF26-4D23-8179-ADC797DA9154}"/>
+              </a:ext>
+            </a:extLst>
+          </p:cNvPr>
+          <p:cNvPicPr>
+            <a:picLocks noChangeAspect="1" noChangeArrowheads="1"/>
+          </p:cNvPicPr>
+          <p:nvPr/>
+        </p:nvPicPr>
+        <p:blipFill>
+          <a:blip r:embed="rId15">
+            <a:extLst>
+              <a:ext uri="{28A0092B-C50C-407E-A947-70E740481C1C}">
+                <a14:useLocalDpi xmlns:a14="http://schemas.microsoft.com/office/drawing/2010/main" val="0"/>
+              </a:ext>
+            </a:extLst>
+          </a:blip>
+          <a:srcRect/>
+          <a:stretch>
+            <a:fillRect/>
+          </a:stretch>
+        </p:blipFill>
+        <p:spPr bwMode="auto">
+          <a:xfrm>
+            <a:off x="9529893" y="4931486"/>
+            <a:ext cx="2505357" cy="583434"/>
+          </a:xfrm>
+          <a:prstGeom prst="rect">
+            <a:avLst/>
+          </a:prstGeom>
+          <a:noFill/>
+          <a:extLst>
+            <a:ext uri="{909E8E84-426E-40DD-AFC4-6F175D3DCCD1}">
+              <a14:hiddenFill xmlns:a14="http://schemas.microsoft.com/office/drawing/2010/main">
+                <a:solidFill>
+                  <a:srgbClr val="FFFFFF"/>
+                </a:solidFill>
+              </a14:hiddenFill>
+            </a:ext>
+          </a:extLst>
         </p:spPr>
       </p:pic>
     </p:spTree>
@@ -9685,7 +11591,7 @@
             <a:avLst/>
           </a:prstGeom>
           <a:solidFill>
-            <a:srgbClr val="333F50"/>
+            <a:srgbClr val="404040"/>
           </a:solidFill>
           <a:ln>
             <a:noFill/>
@@ -9737,7 +11643,7 @@
             <a:avLst/>
           </a:prstGeom>
           <a:solidFill>
-            <a:srgbClr val="333F50"/>
+            <a:srgbClr val="404040"/>
           </a:solidFill>
           <a:ln>
             <a:noFill/>
@@ -9789,7 +11695,7 @@
             <a:avLst/>
           </a:prstGeom>
           <a:solidFill>
-            <a:srgbClr val="44546A"/>
+            <a:srgbClr val="595959"/>
           </a:solidFill>
           <a:ln>
             <a:noFill/>
@@ -9933,6 +11839,51 @@
           </a:p>
         </p:txBody>
       </p:sp>
+      <p:pic>
+        <p:nvPicPr>
+          <p:cNvPr id="3" name="Picture 2">
+            <a:extLst>
+              <a:ext uri="{FF2B5EF4-FFF2-40B4-BE49-F238E27FC236}">
+                <a16:creationId xmlns:a16="http://schemas.microsoft.com/office/drawing/2014/main" id="{A034B03D-D189-45BB-BEED-7C6DFA9597C5}"/>
+              </a:ext>
+            </a:extLst>
+          </p:cNvPr>
+          <p:cNvPicPr>
+            <a:picLocks noChangeAspect="1"/>
+          </p:cNvPicPr>
+          <p:nvPr/>
+        </p:nvPicPr>
+        <p:blipFill>
+          <a:blip r:embed="rId2">
+            <a:extLst>
+              <a:ext uri="{BEBA8EAE-BF5A-486C-A8C5-ECC9F3942E4B}">
+                <a14:imgProps xmlns:a14="http://schemas.microsoft.com/office/drawing/2010/main">
+                  <a14:imgLayer r:embed="rId3">
+                    <a14:imgEffect>
+                      <a14:backgroundRemoval t="9976" b="89538" l="9405" r="90211">
+                        <a14:foregroundMark x1="90403" y1="65450" x2="90403" y2="65450"/>
+                        <a14:foregroundMark x1="9405" y1="50122" x2="9405" y2="50122"/>
+                      </a14:backgroundRemoval>
+                    </a14:imgEffect>
+                  </a14:imgLayer>
+                </a14:imgProps>
+              </a:ext>
+            </a:extLst>
+          </a:blip>
+          <a:stretch>
+            <a:fillRect/>
+          </a:stretch>
+        </p:blipFill>
+        <p:spPr>
+          <a:xfrm>
+            <a:off x="6096000" y="442672"/>
+            <a:ext cx="4963218" cy="3915321"/>
+          </a:xfrm>
+          <a:prstGeom prst="rect">
+            <a:avLst/>
+          </a:prstGeom>
+        </p:spPr>
+      </p:pic>
     </p:spTree>
     <p:extLst>
       <p:ext uri="{BB962C8B-B14F-4D97-AF65-F5344CB8AC3E}">
